--- a/deepwalk.pptx
+++ b/deepwalk.pptx
@@ -3606,7 +3606,7 @@
         <p:spPr>
           <a:xfrm>
             <a:off x="9674575" y="6144696"/>
-            <a:ext cx="1858201" cy="369332"/>
+            <a:ext cx="1973617" cy="369332"/>
           </a:xfrm>
           <a:prstGeom prst="rect">
             <a:avLst/>
@@ -3624,23 +3624,7 @@
                 <a:ea typeface="黑体" panose="02010609060101010101" pitchFamily="49" charset="-122"/>
                 <a:cs typeface="Times New Roman" panose="02020603050405020304" pitchFamily="18" charset="0"/>
               </a:rPr>
-              <a:t>t</a:t>
-            </a:r>
-            <a:r>
-              <a:rPr lang="en-US" altLang="zh-CN">
-                <a:latin typeface="Times New Roman" panose="02020603050405020304" pitchFamily="18" charset="0"/>
-                <a:ea typeface="黑体" panose="02010609060101010101" pitchFamily="49" charset="-122"/>
-                <a:cs typeface="Times New Roman" panose="02020603050405020304" pitchFamily="18" charset="0"/>
-              </a:rPr>
-              <a:t>runcated</a:t>
-            </a:r>
-            <a:r>
-              <a:rPr lang="en-US" altLang="zh-CN" dirty="0">
-                <a:latin typeface="Times New Roman" panose="02020603050405020304" pitchFamily="18" charset="0"/>
-                <a:ea typeface="黑体" panose="02010609060101010101" pitchFamily="49" charset="-122"/>
-                <a:cs typeface="Times New Roman" panose="02020603050405020304" pitchFamily="18" charset="0"/>
-              </a:rPr>
-              <a:t>: </a:t>
+              <a:t>truncated: </a:t>
             </a:r>
             <a:r>
               <a:rPr lang="zh-CN" altLang="en-US" dirty="0">
@@ -3649,6 +3633,14 @@
                 <a:cs typeface="Times New Roman" panose="02020603050405020304" pitchFamily="18" charset="0"/>
               </a:rPr>
               <a:t>截断的</a:t>
+            </a:r>
+            <a:r>
+              <a:rPr lang="en-US" altLang="zh-CN">
+                <a:latin typeface="宋体" panose="02010600030101010101" pitchFamily="2" charset="-122"/>
+                <a:ea typeface="宋体" panose="02010600030101010101" pitchFamily="2" charset="-122"/>
+                <a:cs typeface="Times New Roman" panose="02020603050405020304" pitchFamily="18" charset="0"/>
+              </a:rPr>
+              <a:t>.</a:t>
             </a:r>
             <a:endParaRPr lang="zh-CN" altLang="en-US" dirty="0">
               <a:latin typeface="宋体" panose="02010600030101010101" pitchFamily="2" charset="-122"/>

--- a/deepwalk.pptx
+++ b/deepwalk.pptx
@@ -259,7 +259,7 @@
           <a:p>
             <a:fld id="{0B3207B4-5D25-4EF4-A88C-C57336970A58}" type="datetimeFigureOut">
               <a:rPr lang="zh-CN" altLang="en-US" smtClean="0"/>
-              <a:t>2021/9/12</a:t>
+              <a:t>2021/9/13</a:t>
             </a:fld>
             <a:endParaRPr lang="zh-CN" altLang="en-US"/>
           </a:p>
@@ -457,7 +457,7 @@
           <a:p>
             <a:fld id="{0B3207B4-5D25-4EF4-A88C-C57336970A58}" type="datetimeFigureOut">
               <a:rPr lang="zh-CN" altLang="en-US" smtClean="0"/>
-              <a:t>2021/9/12</a:t>
+              <a:t>2021/9/13</a:t>
             </a:fld>
             <a:endParaRPr lang="zh-CN" altLang="en-US"/>
           </a:p>
@@ -665,7 +665,7 @@
           <a:p>
             <a:fld id="{0B3207B4-5D25-4EF4-A88C-C57336970A58}" type="datetimeFigureOut">
               <a:rPr lang="zh-CN" altLang="en-US" smtClean="0"/>
-              <a:t>2021/9/12</a:t>
+              <a:t>2021/9/13</a:t>
             </a:fld>
             <a:endParaRPr lang="zh-CN" altLang="en-US"/>
           </a:p>
@@ -863,7 +863,7 @@
           <a:p>
             <a:fld id="{0B3207B4-5D25-4EF4-A88C-C57336970A58}" type="datetimeFigureOut">
               <a:rPr lang="zh-CN" altLang="en-US" smtClean="0"/>
-              <a:t>2021/9/12</a:t>
+              <a:t>2021/9/13</a:t>
             </a:fld>
             <a:endParaRPr lang="zh-CN" altLang="en-US"/>
           </a:p>
@@ -1138,7 +1138,7 @@
           <a:p>
             <a:fld id="{0B3207B4-5D25-4EF4-A88C-C57336970A58}" type="datetimeFigureOut">
               <a:rPr lang="zh-CN" altLang="en-US" smtClean="0"/>
-              <a:t>2021/9/12</a:t>
+              <a:t>2021/9/13</a:t>
             </a:fld>
             <a:endParaRPr lang="zh-CN" altLang="en-US"/>
           </a:p>
@@ -1403,7 +1403,7 @@
           <a:p>
             <a:fld id="{0B3207B4-5D25-4EF4-A88C-C57336970A58}" type="datetimeFigureOut">
               <a:rPr lang="zh-CN" altLang="en-US" smtClean="0"/>
-              <a:t>2021/9/12</a:t>
+              <a:t>2021/9/13</a:t>
             </a:fld>
             <a:endParaRPr lang="zh-CN" altLang="en-US"/>
           </a:p>
@@ -1815,7 +1815,7 @@
           <a:p>
             <a:fld id="{0B3207B4-5D25-4EF4-A88C-C57336970A58}" type="datetimeFigureOut">
               <a:rPr lang="zh-CN" altLang="en-US" smtClean="0"/>
-              <a:t>2021/9/12</a:t>
+              <a:t>2021/9/13</a:t>
             </a:fld>
             <a:endParaRPr lang="zh-CN" altLang="en-US"/>
           </a:p>
@@ -1956,7 +1956,7 @@
           <a:p>
             <a:fld id="{0B3207B4-5D25-4EF4-A88C-C57336970A58}" type="datetimeFigureOut">
               <a:rPr lang="zh-CN" altLang="en-US" smtClean="0"/>
-              <a:t>2021/9/12</a:t>
+              <a:t>2021/9/13</a:t>
             </a:fld>
             <a:endParaRPr lang="zh-CN" altLang="en-US"/>
           </a:p>
@@ -2069,7 +2069,7 @@
           <a:p>
             <a:fld id="{0B3207B4-5D25-4EF4-A88C-C57336970A58}" type="datetimeFigureOut">
               <a:rPr lang="zh-CN" altLang="en-US" smtClean="0"/>
-              <a:t>2021/9/12</a:t>
+              <a:t>2021/9/13</a:t>
             </a:fld>
             <a:endParaRPr lang="zh-CN" altLang="en-US"/>
           </a:p>
@@ -2380,7 +2380,7 @@
           <a:p>
             <a:fld id="{0B3207B4-5D25-4EF4-A88C-C57336970A58}" type="datetimeFigureOut">
               <a:rPr lang="zh-CN" altLang="en-US" smtClean="0"/>
-              <a:t>2021/9/12</a:t>
+              <a:t>2021/9/13</a:t>
             </a:fld>
             <a:endParaRPr lang="zh-CN" altLang="en-US"/>
           </a:p>
@@ -2668,7 +2668,7 @@
           <a:p>
             <a:fld id="{0B3207B4-5D25-4EF4-A88C-C57336970A58}" type="datetimeFigureOut">
               <a:rPr lang="zh-CN" altLang="en-US" smtClean="0"/>
-              <a:t>2021/9/12</a:t>
+              <a:t>2021/9/13</a:t>
             </a:fld>
             <a:endParaRPr lang="zh-CN" altLang="en-US"/>
           </a:p>
@@ -2909,7 +2909,7 @@
           <a:p>
             <a:fld id="{0B3207B4-5D25-4EF4-A88C-C57336970A58}" type="datetimeFigureOut">
               <a:rPr lang="zh-CN" altLang="en-US" smtClean="0"/>
-              <a:t>2021/9/12</a:t>
+              <a:t>2021/9/13</a:t>
             </a:fld>
             <a:endParaRPr lang="zh-CN" altLang="en-US"/>
           </a:p>
@@ -3439,10 +3439,18 @@
                 <a:ea typeface="黑体" panose="02010609060101010101" pitchFamily="49" charset="-122"/>
                 <a:cs typeface="Times New Roman" panose="02020603050405020304" pitchFamily="18" charset="0"/>
               </a:rPr>
-              <a:t>first one</a:t>
-            </a:r>
-            <a:r>
-              <a:rPr lang="en-US" altLang="zh-CN" sz="2800" b="1" dirty="0">
+              <a:t>first </a:t>
+            </a:r>
+            <a:r>
+              <a:rPr lang="en-US" altLang="zh-CN" sz="2800" b="1" u="sng">
+                <a:latin typeface="Times New Roman" panose="02020603050405020304" pitchFamily="18" charset="0"/>
+                <a:ea typeface="黑体" panose="02010609060101010101" pitchFamily="49" charset="-122"/>
+                <a:cs typeface="Times New Roman" panose="02020603050405020304" pitchFamily="18" charset="0"/>
+              </a:rPr>
+              <a:t>one</a:t>
+            </a:r>
+            <a:r>
+              <a:rPr lang="en-US" altLang="zh-CN" sz="2800" b="1">
                 <a:latin typeface="Times New Roman" panose="02020603050405020304" pitchFamily="18" charset="0"/>
                 <a:ea typeface="黑体" panose="02010609060101010101" pitchFamily="49" charset="-122"/>
                 <a:cs typeface="Times New Roman" panose="02020603050405020304" pitchFamily="18" charset="0"/>
@@ -3450,12 +3458,20 @@
               <a:t> </a:t>
             </a:r>
             <a:r>
+              <a:rPr lang="en-US" altLang="zh-CN" sz="2800">
+                <a:latin typeface="Times New Roman" panose="02020603050405020304" pitchFamily="18" charset="0"/>
+                <a:ea typeface="黑体" panose="02010609060101010101" pitchFamily="49" charset="-122"/>
+                <a:cs typeface="Times New Roman" panose="02020603050405020304" pitchFamily="18" charset="0"/>
+              </a:rPr>
+              <a:t>to introduce </a:t>
+            </a:r>
+            <a:r>
               <a:rPr lang="en-US" altLang="zh-CN" sz="2800" dirty="0">
                 <a:latin typeface="Times New Roman" panose="02020603050405020304" pitchFamily="18" charset="0"/>
                 <a:ea typeface="黑体" panose="02010609060101010101" pitchFamily="49" charset="-122"/>
                 <a:cs typeface="Times New Roman" panose="02020603050405020304" pitchFamily="18" charset="0"/>
               </a:rPr>
-              <a:t>introduce deep learning techniques into network analysis.</a:t>
+              <a:t>deep learning techniques into network analysis.</a:t>
             </a:r>
             <a:endParaRPr lang="zh-CN" altLang="en-US" sz="2800" dirty="0">
               <a:latin typeface="Times New Roman" panose="02020603050405020304" pitchFamily="18" charset="0"/>

--- a/deepwalk.pptx
+++ b/deepwalk.pptx
@@ -6,6 +6,8 @@
   </p:sldMasterIdLst>
   <p:sldIdLst>
     <p:sldId id="256" r:id="rId2"/>
+    <p:sldId id="258" r:id="rId3"/>
+    <p:sldId id="257" r:id="rId4"/>
   </p:sldIdLst>
   <p:sldSz cx="12192000" cy="6858000"/>
   <p:notesSz cx="6858000" cy="9144000"/>
@@ -3344,7 +3346,7 @@
         </p:nvSpPr>
         <p:spPr>
           <a:xfrm>
-            <a:off x="588168" y="433904"/>
+            <a:off x="571275" y="164338"/>
             <a:ext cx="8641556" cy="556419"/>
           </a:xfrm>
         </p:spPr>
@@ -3394,8 +3396,8 @@
         </p:nvSpPr>
         <p:spPr>
           <a:xfrm>
-            <a:off x="702468" y="1496219"/>
-            <a:ext cx="8641556" cy="556419"/>
+            <a:off x="571275" y="5439913"/>
+            <a:ext cx="11416587" cy="1265066"/>
           </a:xfrm>
           <a:prstGeom prst="rect">
             <a:avLst/>
@@ -3403,7 +3405,7 @@
         </p:spPr>
         <p:txBody>
           <a:bodyPr vert="horz" lIns="91440" tIns="45720" rIns="91440" bIns="45720" rtlCol="0" anchor="ctr">
-            <a:normAutofit fontScale="77500" lnSpcReduction="20000"/>
+            <a:normAutofit/>
           </a:bodyPr>
           <a:lstStyle>
             <a:lvl1pPr algn="l" defTabSz="914400" rtl="0" eaLnBrk="1" latinLnBrk="0" hangingPunct="1">
@@ -3425,8 +3427,23 @@
             </a:lvl1pPr>
           </a:lstStyle>
           <a:p>
-            <a:r>
-              <a:rPr lang="en-US" altLang="zh-CN" sz="2800" dirty="0">
+            <a:pPr marL="457200" indent="-457200">
+              <a:buFont typeface="Arial" panose="020B0604020202020204" pitchFamily="34" charset="0"/>
+              <a:buChar char="•"/>
+            </a:pPr>
+            <a:endParaRPr lang="en-US" altLang="zh-CN" sz="2000" dirty="0">
+              <a:latin typeface="Times New Roman" panose="02020603050405020304" pitchFamily="18" charset="0"/>
+              <a:ea typeface="黑体" panose="02010609060101010101" pitchFamily="49" charset="-122"/>
+              <a:cs typeface="Times New Roman" panose="02020603050405020304" pitchFamily="18" charset="0"/>
+            </a:endParaRPr>
+          </a:p>
+          <a:p>
+            <a:pPr marL="457200" indent="-457200">
+              <a:buFont typeface="Arial" panose="020B0604020202020204" pitchFamily="34" charset="0"/>
+              <a:buChar char="•"/>
+            </a:pPr>
+            <a:r>
+              <a:rPr lang="en-US" altLang="zh-CN" sz="2000" dirty="0">
                 <a:latin typeface="Times New Roman" panose="02020603050405020304" pitchFamily="18" charset="0"/>
                 <a:ea typeface="黑体" panose="02010609060101010101" pitchFamily="49" charset="-122"/>
                 <a:cs typeface="Times New Roman" panose="02020603050405020304" pitchFamily="18" charset="0"/>
@@ -3434,23 +3451,15 @@
               <a:t>The </a:t>
             </a:r>
             <a:r>
-              <a:rPr lang="en-US" altLang="zh-CN" sz="2800" b="1" u="sng" dirty="0">
+              <a:rPr lang="en-US" altLang="zh-CN" sz="2000" b="1" u="sng" dirty="0">
                 <a:latin typeface="Times New Roman" panose="02020603050405020304" pitchFamily="18" charset="0"/>
                 <a:ea typeface="黑体" panose="02010609060101010101" pitchFamily="49" charset="-122"/>
                 <a:cs typeface="Times New Roman" panose="02020603050405020304" pitchFamily="18" charset="0"/>
               </a:rPr>
-              <a:t>first </a:t>
-            </a:r>
-            <a:r>
-              <a:rPr lang="en-US" altLang="zh-CN" sz="2800" b="1" u="sng">
-                <a:latin typeface="Times New Roman" panose="02020603050405020304" pitchFamily="18" charset="0"/>
-                <a:ea typeface="黑体" panose="02010609060101010101" pitchFamily="49" charset="-122"/>
-                <a:cs typeface="Times New Roman" panose="02020603050405020304" pitchFamily="18" charset="0"/>
-              </a:rPr>
-              <a:t>one</a:t>
-            </a:r>
-            <a:r>
-              <a:rPr lang="en-US" altLang="zh-CN" sz="2800" b="1">
+              <a:t>first one</a:t>
+            </a:r>
+            <a:r>
+              <a:rPr lang="en-US" altLang="zh-CN" sz="2000" b="1" dirty="0">
                 <a:latin typeface="Times New Roman" panose="02020603050405020304" pitchFamily="18" charset="0"/>
                 <a:ea typeface="黑体" panose="02010609060101010101" pitchFamily="49" charset="-122"/>
                 <a:cs typeface="Times New Roman" panose="02020603050405020304" pitchFamily="18" charset="0"/>
@@ -3458,22 +3467,48 @@
               <a:t> </a:t>
             </a:r>
             <a:r>
-              <a:rPr lang="en-US" altLang="zh-CN" sz="2800">
+              <a:rPr lang="en-US" altLang="zh-CN" sz="2000" dirty="0">
                 <a:latin typeface="Times New Roman" panose="02020603050405020304" pitchFamily="18" charset="0"/>
                 <a:ea typeface="黑体" panose="02010609060101010101" pitchFamily="49" charset="-122"/>
                 <a:cs typeface="Times New Roman" panose="02020603050405020304" pitchFamily="18" charset="0"/>
               </a:rPr>
-              <a:t>to introduce </a:t>
-            </a:r>
-            <a:r>
-              <a:rPr lang="en-US" altLang="zh-CN" sz="2800" dirty="0">
+              <a:t>to introduce deep learning techniques into network analysis (or network embedding).</a:t>
+            </a:r>
+          </a:p>
+          <a:p>
+            <a:pPr marL="457200" indent="-457200">
+              <a:buFont typeface="Arial" panose="020B0604020202020204" pitchFamily="34" charset="0"/>
+              <a:buChar char="•"/>
+            </a:pPr>
+            <a:r>
+              <a:rPr lang="en-US" altLang="zh-CN" sz="2000" dirty="0">
                 <a:latin typeface="Times New Roman" panose="02020603050405020304" pitchFamily="18" charset="0"/>
                 <a:ea typeface="黑体" panose="02010609060101010101" pitchFamily="49" charset="-122"/>
                 <a:cs typeface="Times New Roman" panose="02020603050405020304" pitchFamily="18" charset="0"/>
               </a:rPr>
-              <a:t>deep learning techniques into network analysis.</a:t>
-            </a:r>
-            <a:endParaRPr lang="zh-CN" altLang="en-US" sz="2800" dirty="0">
+              <a:t>Significantly performance increased.</a:t>
+            </a:r>
+          </a:p>
+          <a:p>
+            <a:pPr marL="457200" indent="-457200">
+              <a:buFont typeface="Arial" panose="020B0604020202020204" pitchFamily="34" charset="0"/>
+              <a:buChar char="•"/>
+            </a:pPr>
+            <a:r>
+              <a:rPr lang="en-US" altLang="zh-CN" sz="2000" dirty="0">
+                <a:latin typeface="Times New Roman" panose="02020603050405020304" pitchFamily="18" charset="0"/>
+                <a:ea typeface="黑体" panose="02010609060101010101" pitchFamily="49" charset="-122"/>
+                <a:cs typeface="Times New Roman" panose="02020603050405020304" pitchFamily="18" charset="0"/>
+              </a:rPr>
+              <a:t>Scalable.</a:t>
+            </a:r>
+          </a:p>
+          <a:p>
+            <a:pPr marL="457200" indent="-457200">
+              <a:buFont typeface="Arial" panose="020B0604020202020204" pitchFamily="34" charset="0"/>
+              <a:buChar char="•"/>
+            </a:pPr>
+            <a:endParaRPr lang="zh-CN" altLang="en-US" sz="2000" dirty="0">
               <a:latin typeface="Times New Roman" panose="02020603050405020304" pitchFamily="18" charset="0"/>
               <a:ea typeface="黑体" panose="02010609060101010101" pitchFamily="49" charset="-122"/>
               <a:cs typeface="Times New Roman" panose="02020603050405020304" pitchFamily="18" charset="0"/>
@@ -3495,7 +3530,7 @@
         </p:nvSpPr>
         <p:spPr>
           <a:xfrm>
-            <a:off x="481013" y="2558534"/>
+            <a:off x="571275" y="662714"/>
             <a:ext cx="2496196" cy="400110"/>
           </a:xfrm>
           <a:prstGeom prst="rect">
@@ -3534,7 +3569,7 @@
         </p:nvSpPr>
         <p:spPr>
           <a:xfrm>
-            <a:off x="481013" y="3150393"/>
+            <a:off x="538727" y="1096947"/>
             <a:ext cx="10461262" cy="369332"/>
           </a:xfrm>
           <a:prstGeom prst="rect">
@@ -3621,7 +3656,7 @@
         </p:nvSpPr>
         <p:spPr>
           <a:xfrm>
-            <a:off x="9674575" y="6144696"/>
+            <a:off x="10102413" y="4905289"/>
             <a:ext cx="1973617" cy="369332"/>
           </a:xfrm>
           <a:prstGeom prst="rect">
@@ -3651,7 +3686,7 @@
               <a:t>截断的</a:t>
             </a:r>
             <a:r>
-              <a:rPr lang="en-US" altLang="zh-CN">
+              <a:rPr lang="en-US" altLang="zh-CN" dirty="0">
                 <a:latin typeface="宋体" panose="02010600030101010101" pitchFamily="2" charset="-122"/>
                 <a:ea typeface="宋体" panose="02010600030101010101" pitchFamily="2" charset="-122"/>
                 <a:cs typeface="Times New Roman" panose="02020603050405020304" pitchFamily="18" charset="0"/>
@@ -3679,7 +3714,7 @@
         </p:nvSpPr>
         <p:spPr>
           <a:xfrm>
-            <a:off x="481013" y="3871733"/>
+            <a:off x="397550" y="1517379"/>
             <a:ext cx="11416587" cy="369332"/>
           </a:xfrm>
           <a:prstGeom prst="rect">
@@ -3766,7 +3801,7 @@
         </p:nvSpPr>
         <p:spPr>
           <a:xfrm rot="5400000">
-            <a:off x="9073753" y="3104702"/>
+            <a:off x="9052096" y="661716"/>
             <a:ext cx="321468" cy="2733675"/>
           </a:xfrm>
           <a:prstGeom prst="rightBrace">
@@ -3811,7 +3846,7 @@
         </p:nvSpPr>
         <p:spPr>
           <a:xfrm>
-            <a:off x="8052998" y="4702014"/>
+            <a:off x="7969139" y="2230037"/>
             <a:ext cx="2717411" cy="369332"/>
           </a:xfrm>
           <a:prstGeom prst="rect">
@@ -3852,7 +3887,7 @@
         </p:nvCxnSpPr>
         <p:spPr>
           <a:xfrm>
-            <a:off x="1729111" y="4241065"/>
+            <a:off x="1788725" y="1862595"/>
             <a:ext cx="0" cy="830281"/>
           </a:xfrm>
           <a:prstGeom prst="straightConnector1">
@@ -3891,7 +3926,7 @@
         </p:nvSpPr>
         <p:spPr>
           <a:xfrm>
-            <a:off x="2037163" y="4992449"/>
+            <a:off x="2238718" y="3010826"/>
             <a:ext cx="2326474" cy="369332"/>
           </a:xfrm>
           <a:prstGeom prst="rect">
@@ -3930,7 +3965,7 @@
         </p:nvSpPr>
         <p:spPr>
           <a:xfrm>
-            <a:off x="0" y="4977535"/>
+            <a:off x="0" y="2949326"/>
             <a:ext cx="1486304" cy="369332"/>
           </a:xfrm>
           <a:prstGeom prst="rect">
@@ -3971,7 +4006,7 @@
         </p:nvCxnSpPr>
         <p:spPr>
           <a:xfrm>
-            <a:off x="1486304" y="5177115"/>
+            <a:off x="1542118" y="3133992"/>
             <a:ext cx="554508" cy="0"/>
           </a:xfrm>
           <a:prstGeom prst="straightConnector1">
@@ -4010,7 +4045,7 @@
         </p:nvSpPr>
         <p:spPr>
           <a:xfrm>
-            <a:off x="1763558" y="4385567"/>
+            <a:off x="1400027" y="2668760"/>
             <a:ext cx="838691" cy="369332"/>
           </a:xfrm>
           <a:prstGeom prst="rect">
@@ -4035,10 +4070,4977 @@
           </a:p>
         </p:txBody>
       </p:sp>
+      <p:cxnSp>
+        <p:nvCxnSpPr>
+          <p:cNvPr id="17" name="连接符: 肘形 16">
+            <a:extLst>
+              <a:ext uri="{FF2B5EF4-FFF2-40B4-BE49-F238E27FC236}">
+                <a16:creationId xmlns:a16="http://schemas.microsoft.com/office/drawing/2014/main" id="{1ECD52C1-83C1-44DB-A942-62E3D91DED18}"/>
+              </a:ext>
+            </a:extLst>
+          </p:cNvPr>
+          <p:cNvCxnSpPr>
+            <a:cxnSpLocks/>
+            <a:stCxn id="19" idx="2"/>
+            <a:endCxn id="24" idx="0"/>
+          </p:cNvCxnSpPr>
+          <p:nvPr/>
+        </p:nvCxnSpPr>
+        <p:spPr>
+          <a:xfrm rot="5400000">
+            <a:off x="2703058" y="3268813"/>
+            <a:ext cx="587552" cy="810243"/>
+          </a:xfrm>
+          <a:prstGeom prst="bentConnector3">
+            <a:avLst>
+              <a:gd name="adj1" fmla="val 50000"/>
+            </a:avLst>
+          </a:prstGeom>
+          <a:ln>
+            <a:headEnd type="triangle"/>
+            <a:tailEnd type="triangle"/>
+          </a:ln>
+        </p:spPr>
+        <p:style>
+          <a:lnRef idx="1">
+            <a:schemeClr val="accent1"/>
+          </a:lnRef>
+          <a:fillRef idx="0">
+            <a:schemeClr val="accent1"/>
+          </a:fillRef>
+          <a:effectRef idx="0">
+            <a:schemeClr val="accent1"/>
+          </a:effectRef>
+          <a:fontRef idx="minor">
+            <a:schemeClr val="tx1"/>
+          </a:fontRef>
+        </p:style>
+      </p:cxnSp>
+      <p:sp>
+        <p:nvSpPr>
+          <p:cNvPr id="24" name="矩形 23">
+            <a:extLst>
+              <a:ext uri="{FF2B5EF4-FFF2-40B4-BE49-F238E27FC236}">
+                <a16:creationId xmlns:a16="http://schemas.microsoft.com/office/drawing/2014/main" id="{922D4593-B03B-4AF9-B0B0-260AA782AB1D}"/>
+              </a:ext>
+            </a:extLst>
+          </p:cNvPr>
+          <p:cNvSpPr/>
+          <p:nvPr/>
+        </p:nvSpPr>
+        <p:spPr>
+          <a:xfrm>
+            <a:off x="1861384" y="3967710"/>
+            <a:ext cx="1460656" cy="369332"/>
+          </a:xfrm>
+          <a:prstGeom prst="rect">
+            <a:avLst/>
+          </a:prstGeom>
+        </p:spPr>
+        <p:txBody>
+          <a:bodyPr wrap="none">
+            <a:spAutoFit/>
+          </a:bodyPr>
+          <a:lstStyle/>
+          <a:p>
+            <a:r>
+              <a:rPr lang="en-US" altLang="zh-CN" dirty="0">
+                <a:latin typeface="Times New Roman" panose="02020603050405020304" pitchFamily="18" charset="0"/>
+                <a:ea typeface="黑体" panose="02010609060101010101" pitchFamily="49" charset="-122"/>
+                <a:cs typeface="Times New Roman" panose="02020603050405020304" pitchFamily="18" charset="0"/>
+              </a:rPr>
+              <a:t>classification </a:t>
+            </a:r>
+            <a:endParaRPr lang="zh-CN" altLang="en-US" dirty="0"/>
+          </a:p>
+        </p:txBody>
+      </p:sp>
+      <p:pic>
+        <p:nvPicPr>
+          <p:cNvPr id="27" name="图片 26">
+            <a:extLst>
+              <a:ext uri="{FF2B5EF4-FFF2-40B4-BE49-F238E27FC236}">
+                <a16:creationId xmlns:a16="http://schemas.microsoft.com/office/drawing/2014/main" id="{B6F84185-E2BC-4FA8-B71C-4108DA4EE39F}"/>
+              </a:ext>
+            </a:extLst>
+          </p:cNvPr>
+          <p:cNvPicPr>
+            <a:picLocks noChangeAspect="1"/>
+          </p:cNvPicPr>
+          <p:nvPr/>
+        </p:nvPicPr>
+        <p:blipFill>
+          <a:blip r:embed="rId2"/>
+          <a:stretch>
+            <a:fillRect/>
+          </a:stretch>
+        </p:blipFill>
+        <p:spPr>
+          <a:xfrm>
+            <a:off x="4933607" y="2825641"/>
+            <a:ext cx="5019675" cy="1933575"/>
+          </a:xfrm>
+          <a:prstGeom prst="rect">
+            <a:avLst/>
+          </a:prstGeom>
+        </p:spPr>
+      </p:pic>
     </p:spTree>
     <p:extLst>
       <p:ext uri="{BB962C8B-B14F-4D97-AF65-F5344CB8AC3E}">
         <p14:creationId xmlns:p14="http://schemas.microsoft.com/office/powerpoint/2010/main" val="1040968467"/>
+      </p:ext>
+    </p:extLst>
+  </p:cSld>
+  <p:clrMapOvr>
+    <a:masterClrMapping/>
+  </p:clrMapOvr>
+</p:sld>
+</file>
+
+<file path=ppt/slides/slide2.xml><?xml version="1.0" encoding="utf-8"?>
+<p:sld xmlns:a="http://schemas.openxmlformats.org/drawingml/2006/main" xmlns:r="http://schemas.openxmlformats.org/officeDocument/2006/relationships" xmlns:p="http://schemas.openxmlformats.org/presentationml/2006/main">
+  <p:cSld>
+    <p:spTree>
+      <p:nvGrpSpPr>
+        <p:cNvPr id="1" name=""/>
+        <p:cNvGrpSpPr/>
+        <p:nvPr/>
+      </p:nvGrpSpPr>
+      <p:grpSpPr>
+        <a:xfrm>
+          <a:off x="0" y="0"/>
+          <a:ext cx="0" cy="0"/>
+          <a:chOff x="0" y="0"/>
+          <a:chExt cx="0" cy="0"/>
+        </a:xfrm>
+      </p:grpSpPr>
+      <p:sp>
+        <p:nvSpPr>
+          <p:cNvPr id="12" name="流程图: 过程 11">
+            <a:extLst>
+              <a:ext uri="{FF2B5EF4-FFF2-40B4-BE49-F238E27FC236}">
+                <a16:creationId xmlns:a16="http://schemas.microsoft.com/office/drawing/2014/main" id="{EB506619-00F1-492B-A703-6755DFE1679B}"/>
+              </a:ext>
+            </a:extLst>
+          </p:cNvPr>
+          <p:cNvSpPr/>
+          <p:nvPr/>
+        </p:nvSpPr>
+        <p:spPr>
+          <a:xfrm>
+            <a:off x="6325299" y="1510018"/>
+            <a:ext cx="1519610" cy="486562"/>
+          </a:xfrm>
+          <a:prstGeom prst="flowChartProcess">
+            <a:avLst/>
+          </a:prstGeom>
+          <a:solidFill>
+            <a:schemeClr val="bg1"/>
+          </a:solidFill>
+          <a:ln w="28575">
+            <a:solidFill>
+              <a:srgbClr val="FF0000"/>
+            </a:solidFill>
+          </a:ln>
+        </p:spPr>
+        <p:style>
+          <a:lnRef idx="2">
+            <a:schemeClr val="accent1">
+              <a:shade val="50000"/>
+            </a:schemeClr>
+          </a:lnRef>
+          <a:fillRef idx="1">
+            <a:schemeClr val="accent1"/>
+          </a:fillRef>
+          <a:effectRef idx="0">
+            <a:schemeClr val="accent1"/>
+          </a:effectRef>
+          <a:fontRef idx="minor">
+            <a:schemeClr val="lt1"/>
+          </a:fontRef>
+        </p:style>
+        <p:txBody>
+          <a:bodyPr rtlCol="0" anchor="ctr"/>
+          <a:lstStyle/>
+          <a:p>
+            <a:pPr algn="ctr"/>
+            <a:endParaRPr lang="zh-CN" altLang="en-US"/>
+          </a:p>
+        </p:txBody>
+      </p:sp>
+      <p:sp>
+        <p:nvSpPr>
+          <p:cNvPr id="3" name="矩形 2">
+            <a:extLst>
+              <a:ext uri="{FF2B5EF4-FFF2-40B4-BE49-F238E27FC236}">
+                <a16:creationId xmlns:a16="http://schemas.microsoft.com/office/drawing/2014/main" id="{76030EC3-E7E5-49B1-ACA2-9E9E934F51F7}"/>
+              </a:ext>
+            </a:extLst>
+          </p:cNvPr>
+          <p:cNvSpPr/>
+          <p:nvPr/>
+        </p:nvSpPr>
+        <p:spPr>
+          <a:xfrm>
+            <a:off x="380345" y="496961"/>
+            <a:ext cx="3358612" cy="400110"/>
+          </a:xfrm>
+          <a:prstGeom prst="rect">
+            <a:avLst/>
+          </a:prstGeom>
+        </p:spPr>
+        <p:txBody>
+          <a:bodyPr wrap="none">
+            <a:spAutoFit/>
+          </a:bodyPr>
+          <a:lstStyle/>
+          <a:p>
+            <a:r>
+              <a:rPr lang="en-US" altLang="zh-CN" sz="2000" b="1" dirty="0">
+                <a:latin typeface="Times New Roman" panose="02020603050405020304" pitchFamily="18" charset="0"/>
+                <a:ea typeface="黑体" panose="02010609060101010101" pitchFamily="49" charset="-122"/>
+                <a:cs typeface="Times New Roman" panose="02020603050405020304" pitchFamily="18" charset="0"/>
+              </a:rPr>
+              <a:t>2. PROBLEM DEFINITION</a:t>
+            </a:r>
+            <a:endParaRPr lang="zh-CN" altLang="en-US" sz="2000" dirty="0"/>
+          </a:p>
+        </p:txBody>
+      </p:sp>
+      <p:sp>
+        <p:nvSpPr>
+          <p:cNvPr id="4" name="矩形 3">
+            <a:extLst>
+              <a:ext uri="{FF2B5EF4-FFF2-40B4-BE49-F238E27FC236}">
+                <a16:creationId xmlns:a16="http://schemas.microsoft.com/office/drawing/2014/main" id="{3FE8F226-AC4F-4BB2-AA34-D8F5BF574F6F}"/>
+              </a:ext>
+            </a:extLst>
+          </p:cNvPr>
+          <p:cNvSpPr/>
+          <p:nvPr/>
+        </p:nvSpPr>
+        <p:spPr>
+          <a:xfrm>
+            <a:off x="787572" y="1012863"/>
+            <a:ext cx="8802410" cy="369332"/>
+          </a:xfrm>
+          <a:prstGeom prst="rect">
+            <a:avLst/>
+          </a:prstGeom>
+        </p:spPr>
+        <p:txBody>
+          <a:bodyPr wrap="none">
+            <a:spAutoFit/>
+          </a:bodyPr>
+          <a:lstStyle/>
+          <a:p>
+            <a:r>
+              <a:rPr lang="en-US" altLang="zh-CN" dirty="0">
+                <a:latin typeface="Times New Roman" panose="02020603050405020304" pitchFamily="18" charset="0"/>
+                <a:ea typeface="黑体" panose="02010609060101010101" pitchFamily="49" charset="-122"/>
+                <a:cs typeface="Times New Roman" panose="02020603050405020304" pitchFamily="18" charset="0"/>
+              </a:rPr>
+              <a:t>Consider the problem of </a:t>
+            </a:r>
+            <a:r>
+              <a:rPr lang="en-US" altLang="zh-CN" u="sng" dirty="0">
+                <a:solidFill>
+                  <a:srgbClr val="FF0000"/>
+                </a:solidFill>
+                <a:latin typeface="Times New Roman" panose="02020603050405020304" pitchFamily="18" charset="0"/>
+                <a:ea typeface="黑体" panose="02010609060101010101" pitchFamily="49" charset="-122"/>
+                <a:cs typeface="Times New Roman" panose="02020603050405020304" pitchFamily="18" charset="0"/>
+              </a:rPr>
+              <a:t>classifying</a:t>
+            </a:r>
+            <a:r>
+              <a:rPr lang="en-US" altLang="zh-CN" dirty="0">
+                <a:latin typeface="Times New Roman" panose="02020603050405020304" pitchFamily="18" charset="0"/>
+                <a:ea typeface="黑体" panose="02010609060101010101" pitchFamily="49" charset="-122"/>
+                <a:cs typeface="Times New Roman" panose="02020603050405020304" pitchFamily="18" charset="0"/>
+              </a:rPr>
+              <a:t> members of a social network into one or more categories.</a:t>
+            </a:r>
+            <a:endParaRPr lang="zh-CN" altLang="en-US" dirty="0"/>
+          </a:p>
+        </p:txBody>
+      </p:sp>
+      <mc:AlternateContent xmlns:mc="http://schemas.openxmlformats.org/markup-compatibility/2006">
+        <mc:Choice xmlns:a14="http://schemas.microsoft.com/office/drawing/2010/main" Requires="a14">
+          <p:sp>
+            <p:nvSpPr>
+              <p:cNvPr id="5" name="文本框 4">
+                <a:extLst>
+                  <a:ext uri="{FF2B5EF4-FFF2-40B4-BE49-F238E27FC236}">
+                    <a16:creationId xmlns:a16="http://schemas.microsoft.com/office/drawing/2014/main" id="{13C2DAEE-01C8-4919-B189-570CF2F47433}"/>
+                  </a:ext>
+                </a:extLst>
+              </p:cNvPr>
+              <p:cNvSpPr txBox="1"/>
+              <p:nvPr/>
+            </p:nvSpPr>
+            <p:spPr>
+              <a:xfrm>
+                <a:off x="1375794" y="1782660"/>
+                <a:ext cx="4569071" cy="553998"/>
+              </a:xfrm>
+              <a:prstGeom prst="rect">
+                <a:avLst/>
+              </a:prstGeom>
+              <a:noFill/>
+            </p:spPr>
+            <p:txBody>
+              <a:bodyPr wrap="none" lIns="0" tIns="0" rIns="0" bIns="0" rtlCol="0">
+                <a:spAutoFit/>
+              </a:bodyPr>
+              <a:lstStyle/>
+              <a:p>
+                <a14:m>
+                  <m:oMath xmlns:m="http://schemas.openxmlformats.org/officeDocument/2006/math">
+                    <m:sSub>
+                      <m:sSubPr>
+                        <m:ctrlPr>
+                          <a:rPr lang="zh-CN" altLang="en-US" smtClean="0">
+                            <a:latin typeface="Cambria Math" panose="02040503050406030204" pitchFamily="18" charset="0"/>
+                          </a:rPr>
+                        </m:ctrlPr>
+                      </m:sSubPr>
+                      <m:e>
+                        <m:r>
+                          <a:rPr lang="zh-CN" altLang="en-US" i="1">
+                            <a:latin typeface="Cambria Math" panose="02040503050406030204" pitchFamily="18" charset="0"/>
+                          </a:rPr>
+                          <m:t>𝐺</m:t>
+                        </m:r>
+                      </m:e>
+                      <m:sub>
+                        <m:r>
+                          <a:rPr lang="zh-CN" altLang="en-US" i="1">
+                            <a:latin typeface="Cambria Math" panose="02040503050406030204" pitchFamily="18" charset="0"/>
+                          </a:rPr>
+                          <m:t>𝐿</m:t>
+                        </m:r>
+                      </m:sub>
+                    </m:sSub>
+                    <m:r>
+                      <a:rPr lang="zh-CN" altLang="en-US" i="0">
+                        <a:latin typeface="Cambria Math" panose="02040503050406030204" pitchFamily="18" charset="0"/>
+                      </a:rPr>
+                      <m:t>=</m:t>
+                    </m:r>
+                    <m:d>
+                      <m:dPr>
+                        <m:ctrlPr>
+                          <a:rPr lang="zh-CN" altLang="en-US" i="1">
+                            <a:latin typeface="Cambria Math" panose="02040503050406030204" pitchFamily="18" charset="0"/>
+                          </a:rPr>
+                        </m:ctrlPr>
+                      </m:dPr>
+                      <m:e>
+                        <m:r>
+                          <a:rPr lang="zh-CN" altLang="en-US" i="1">
+                            <a:latin typeface="Cambria Math" panose="02040503050406030204" pitchFamily="18" charset="0"/>
+                          </a:rPr>
+                          <m:t>𝑉</m:t>
+                        </m:r>
+                        <m:r>
+                          <a:rPr lang="zh-CN" altLang="en-US" i="0">
+                            <a:latin typeface="Cambria Math" panose="02040503050406030204" pitchFamily="18" charset="0"/>
+                          </a:rPr>
+                          <m:t>,</m:t>
+                        </m:r>
+                        <m:r>
+                          <a:rPr lang="zh-CN" altLang="en-US" i="1">
+                            <a:latin typeface="Cambria Math" panose="02040503050406030204" pitchFamily="18" charset="0"/>
+                          </a:rPr>
+                          <m:t>𝐸</m:t>
+                        </m:r>
+                        <m:r>
+                          <a:rPr lang="zh-CN" altLang="en-US" i="0">
+                            <a:latin typeface="Cambria Math" panose="02040503050406030204" pitchFamily="18" charset="0"/>
+                          </a:rPr>
+                          <m:t>,</m:t>
+                        </m:r>
+                        <m:r>
+                          <a:rPr lang="zh-CN" altLang="en-US" i="1">
+                            <a:latin typeface="Cambria Math" panose="02040503050406030204" pitchFamily="18" charset="0"/>
+                          </a:rPr>
+                          <m:t>𝑋</m:t>
+                        </m:r>
+                        <m:r>
+                          <a:rPr lang="zh-CN" altLang="en-US" i="0">
+                            <a:latin typeface="Cambria Math" panose="02040503050406030204" pitchFamily="18" charset="0"/>
+                          </a:rPr>
+                          <m:t>,</m:t>
+                        </m:r>
+                        <m:r>
+                          <a:rPr lang="zh-CN" altLang="en-US" i="1">
+                            <a:latin typeface="Cambria Math" panose="02040503050406030204" pitchFamily="18" charset="0"/>
+                          </a:rPr>
+                          <m:t>𝑌</m:t>
+                        </m:r>
+                      </m:e>
+                    </m:d>
+                  </m:oMath>
+                </a14:m>
+                <a:r>
+                  <a:rPr lang="zh-CN" altLang="en-US" dirty="0"/>
+                  <a:t> </a:t>
+                </a:r>
+                <a:r>
+                  <a:rPr lang="en-US" altLang="zh-CN" u="sng" dirty="0">
+                    <a:latin typeface="Times New Roman" panose="02020603050405020304" pitchFamily="18" charset="0"/>
+                    <a:ea typeface="黑体" panose="02010609060101010101" pitchFamily="49" charset="-122"/>
+                    <a:cs typeface="Times New Roman" panose="02020603050405020304" pitchFamily="18" charset="0"/>
+                  </a:rPr>
+                  <a:t>partially</a:t>
+                </a:r>
+                <a:r>
+                  <a:rPr lang="en-US" altLang="zh-CN" dirty="0">
+                    <a:latin typeface="Times New Roman" panose="02020603050405020304" pitchFamily="18" charset="0"/>
+                    <a:ea typeface="黑体" panose="02010609060101010101" pitchFamily="49" charset="-122"/>
+                    <a:cs typeface="Times New Roman" panose="02020603050405020304" pitchFamily="18" charset="0"/>
+                  </a:rPr>
+                  <a:t> labeled social network</a:t>
+                </a:r>
+              </a:p>
+              <a:p>
+                <a:pPr marL="285750" indent="-285750">
+                  <a:buFont typeface="Arial" panose="020B0604020202020204" pitchFamily="34" charset="0"/>
+                  <a:buChar char="•"/>
+                </a:pPr>
+                <a:endParaRPr lang="en-US" altLang="zh-CN" dirty="0">
+                  <a:latin typeface="Times New Roman" panose="02020603050405020304" pitchFamily="18" charset="0"/>
+                  <a:ea typeface="黑体" panose="02010609060101010101" pitchFamily="49" charset="-122"/>
+                  <a:cs typeface="Times New Roman" panose="02020603050405020304" pitchFamily="18" charset="0"/>
+                </a:endParaRPr>
+              </a:p>
+            </p:txBody>
+          </p:sp>
+        </mc:Choice>
+        <mc:Fallback>
+          <p:sp>
+            <p:nvSpPr>
+              <p:cNvPr id="5" name="文本框 4">
+                <a:extLst>
+                  <a:ext uri="{FF2B5EF4-FFF2-40B4-BE49-F238E27FC236}">
+                    <a16:creationId xmlns:a16="http://schemas.microsoft.com/office/drawing/2014/main" id="{13C2DAEE-01C8-4919-B189-570CF2F47433}"/>
+                  </a:ext>
+                </a:extLst>
+              </p:cNvPr>
+              <p:cNvSpPr txBox="1">
+                <a:spLocks noRot="1" noChangeAspect="1" noMove="1" noResize="1" noEditPoints="1" noAdjustHandles="1" noChangeArrowheads="1" noChangeShapeType="1" noTextEdit="1"/>
+              </p:cNvSpPr>
+              <p:nvPr/>
+            </p:nvSpPr>
+            <p:spPr>
+              <a:xfrm>
+                <a:off x="1375794" y="1782660"/>
+                <a:ext cx="4569071" cy="553998"/>
+              </a:xfrm>
+              <a:prstGeom prst="rect">
+                <a:avLst/>
+              </a:prstGeom>
+              <a:blipFill>
+                <a:blip r:embed="rId2"/>
+                <a:stretch>
+                  <a:fillRect l="-1869" t="-15385" r="-2270"/>
+                </a:stretch>
+              </a:blipFill>
+            </p:spPr>
+            <p:txBody>
+              <a:bodyPr/>
+              <a:lstStyle/>
+              <a:p>
+                <a:r>
+                  <a:rPr lang="zh-CN" altLang="en-US">
+                    <a:noFill/>
+                  </a:rPr>
+                  <a:t> </a:t>
+                </a:r>
+              </a:p>
+            </p:txBody>
+          </p:sp>
+        </mc:Fallback>
+      </mc:AlternateContent>
+      <p:pic>
+        <p:nvPicPr>
+          <p:cNvPr id="8" name="图片 7">
+            <a:extLst>
+              <a:ext uri="{FF2B5EF4-FFF2-40B4-BE49-F238E27FC236}">
+                <a16:creationId xmlns:a16="http://schemas.microsoft.com/office/drawing/2014/main" id="{EA43E472-A7AE-4C57-A4CD-24C11DDAD521}"/>
+              </a:ext>
+            </a:extLst>
+          </p:cNvPr>
+          <p:cNvPicPr>
+            <a:picLocks noChangeAspect="1"/>
+          </p:cNvPicPr>
+          <p:nvPr/>
+        </p:nvPicPr>
+        <p:blipFill rotWithShape="1">
+          <a:blip r:embed="rId3"/>
+          <a:srcRect t="1" b="15464"/>
+          <a:stretch/>
+        </p:blipFill>
+        <p:spPr>
+          <a:xfrm>
+            <a:off x="6530983" y="1641749"/>
+            <a:ext cx="1228725" cy="281822"/>
+          </a:xfrm>
+          <a:prstGeom prst="rect">
+            <a:avLst/>
+          </a:prstGeom>
+        </p:spPr>
+      </p:pic>
+      <p:pic>
+        <p:nvPicPr>
+          <p:cNvPr id="9" name="图片 8">
+            <a:extLst>
+              <a:ext uri="{FF2B5EF4-FFF2-40B4-BE49-F238E27FC236}">
+                <a16:creationId xmlns:a16="http://schemas.microsoft.com/office/drawing/2014/main" id="{8B03A792-CFA7-44FE-8145-1F17B9AB38AE}"/>
+              </a:ext>
+            </a:extLst>
+          </p:cNvPr>
+          <p:cNvPicPr>
+            <a:picLocks noChangeAspect="1"/>
+          </p:cNvPicPr>
+          <p:nvPr/>
+        </p:nvPicPr>
+        <p:blipFill>
+          <a:blip r:embed="rId4"/>
+          <a:stretch>
+            <a:fillRect/>
+          </a:stretch>
+        </p:blipFill>
+        <p:spPr>
+          <a:xfrm>
+            <a:off x="6511409" y="2140084"/>
+            <a:ext cx="1333500" cy="276225"/>
+          </a:xfrm>
+          <a:prstGeom prst="rect">
+            <a:avLst/>
+          </a:prstGeom>
+        </p:spPr>
+      </p:pic>
+      <mc:AlternateContent xmlns:mc="http://schemas.openxmlformats.org/markup-compatibility/2006">
+        <mc:Choice xmlns:a14="http://schemas.microsoft.com/office/drawing/2010/main" Requires="a14">
+          <p:sp>
+            <p:nvSpPr>
+              <p:cNvPr id="10" name="矩形 9">
+                <a:extLst>
+                  <a:ext uri="{FF2B5EF4-FFF2-40B4-BE49-F238E27FC236}">
+                    <a16:creationId xmlns:a16="http://schemas.microsoft.com/office/drawing/2014/main" id="{ED8F3805-F04A-4E0B-9E20-96646EE8785D}"/>
+                  </a:ext>
+                </a:extLst>
+              </p:cNvPr>
+              <p:cNvSpPr/>
+              <p:nvPr/>
+            </p:nvSpPr>
+            <p:spPr>
+              <a:xfrm>
+                <a:off x="8345826" y="1641749"/>
+                <a:ext cx="3643690" cy="646331"/>
+              </a:xfrm>
+              <a:prstGeom prst="rect">
+                <a:avLst/>
+              </a:prstGeom>
+            </p:spPr>
+            <p:txBody>
+              <a:bodyPr wrap="none">
+                <a:spAutoFit/>
+              </a:bodyPr>
+              <a:lstStyle/>
+              <a:p>
+                <a14:m>
+                  <m:oMath xmlns:m="http://schemas.openxmlformats.org/officeDocument/2006/math">
+                    <m:r>
+                      <a:rPr lang="en-US" altLang="zh-CN" b="0" i="1" smtClean="0">
+                        <a:latin typeface="Cambria Math" panose="02040503050406030204" pitchFamily="18" charset="0"/>
+                      </a:rPr>
+                      <m:t>𝑆</m:t>
+                    </m:r>
+                  </m:oMath>
+                </a14:m>
+                <a:r>
+                  <a:rPr lang="zh-CN" altLang="en-US" dirty="0"/>
+                  <a:t> </a:t>
+                </a:r>
+                <a:r>
+                  <a:rPr lang="en-US" altLang="zh-CN" dirty="0">
+                    <a:latin typeface="Times New Roman" panose="02020603050405020304" pitchFamily="18" charset="0"/>
+                    <a:cs typeface="Times New Roman" panose="02020603050405020304" pitchFamily="18" charset="0"/>
+                  </a:rPr>
+                  <a:t>is the dimension of attribute vector.</a:t>
+                </a:r>
+              </a:p>
+              <a:p>
+                <a:r>
+                  <a:rPr lang="en-US" altLang="zh-CN" dirty="0">
+                    <a:latin typeface="Times New Roman" panose="02020603050405020304" pitchFamily="18" charset="0"/>
+                    <a:cs typeface="Times New Roman" panose="02020603050405020304" pitchFamily="18" charset="0"/>
+                  </a:rPr>
+                  <a:t>|y| is</a:t>
+                </a:r>
+                <a:r>
+                  <a:rPr lang="zh-CN" altLang="en-US" dirty="0">
+                    <a:latin typeface="Times New Roman" panose="02020603050405020304" pitchFamily="18" charset="0"/>
+                    <a:cs typeface="Times New Roman" panose="02020603050405020304" pitchFamily="18" charset="0"/>
+                  </a:rPr>
+                  <a:t> </a:t>
+                </a:r>
+                <a:r>
+                  <a:rPr lang="en-US" altLang="zh-CN" dirty="0">
+                    <a:latin typeface="Times New Roman" panose="02020603050405020304" pitchFamily="18" charset="0"/>
+                    <a:cs typeface="Times New Roman" panose="02020603050405020304" pitchFamily="18" charset="0"/>
+                  </a:rPr>
+                  <a:t>the</a:t>
+                </a:r>
+                <a:r>
+                  <a:rPr lang="zh-CN" altLang="en-US" dirty="0">
+                    <a:latin typeface="Times New Roman" panose="02020603050405020304" pitchFamily="18" charset="0"/>
+                    <a:cs typeface="Times New Roman" panose="02020603050405020304" pitchFamily="18" charset="0"/>
+                  </a:rPr>
+                  <a:t> </a:t>
+                </a:r>
+                <a:r>
+                  <a:rPr lang="en-US" altLang="zh-CN" dirty="0">
+                    <a:latin typeface="Times New Roman" panose="02020603050405020304" pitchFamily="18" charset="0"/>
+                    <a:cs typeface="Times New Roman" panose="02020603050405020304" pitchFamily="18" charset="0"/>
+                  </a:rPr>
+                  <a:t>set</a:t>
+                </a:r>
+                <a:r>
+                  <a:rPr lang="zh-CN" altLang="en-US" dirty="0">
+                    <a:latin typeface="Times New Roman" panose="02020603050405020304" pitchFamily="18" charset="0"/>
+                    <a:cs typeface="Times New Roman" panose="02020603050405020304" pitchFamily="18" charset="0"/>
+                  </a:rPr>
+                  <a:t> </a:t>
+                </a:r>
+                <a:r>
+                  <a:rPr lang="en-US" altLang="zh-CN" dirty="0">
+                    <a:latin typeface="Times New Roman" panose="02020603050405020304" pitchFamily="18" charset="0"/>
+                    <a:cs typeface="Times New Roman" panose="02020603050405020304" pitchFamily="18" charset="0"/>
+                  </a:rPr>
+                  <a:t>of</a:t>
+                </a:r>
+                <a:r>
+                  <a:rPr lang="zh-CN" altLang="en-US" dirty="0">
+                    <a:latin typeface="Times New Roman" panose="02020603050405020304" pitchFamily="18" charset="0"/>
+                    <a:cs typeface="Times New Roman" panose="02020603050405020304" pitchFamily="18" charset="0"/>
+                  </a:rPr>
+                  <a:t> </a:t>
+                </a:r>
+                <a:r>
+                  <a:rPr lang="en-US" altLang="zh-CN" dirty="0">
+                    <a:latin typeface="Times New Roman" panose="02020603050405020304" pitchFamily="18" charset="0"/>
+                    <a:cs typeface="Times New Roman" panose="02020603050405020304" pitchFamily="18" charset="0"/>
+                  </a:rPr>
+                  <a:t>labels.</a:t>
+                </a:r>
+                <a:endParaRPr lang="zh-CN" altLang="en-US" dirty="0"/>
+              </a:p>
+            </p:txBody>
+          </p:sp>
+        </mc:Choice>
+        <mc:Fallback>
+          <p:sp>
+            <p:nvSpPr>
+              <p:cNvPr id="10" name="矩形 9">
+                <a:extLst>
+                  <a:ext uri="{FF2B5EF4-FFF2-40B4-BE49-F238E27FC236}">
+                    <a16:creationId xmlns:a16="http://schemas.microsoft.com/office/drawing/2014/main" id="{ED8F3805-F04A-4E0B-9E20-96646EE8785D}"/>
+                  </a:ext>
+                </a:extLst>
+              </p:cNvPr>
+              <p:cNvSpPr>
+                <a:spLocks noRot="1" noChangeAspect="1" noMove="1" noResize="1" noEditPoints="1" noAdjustHandles="1" noChangeArrowheads="1" noChangeShapeType="1" noTextEdit="1"/>
+              </p:cNvSpPr>
+              <p:nvPr/>
+            </p:nvSpPr>
+            <p:spPr>
+              <a:xfrm>
+                <a:off x="8345826" y="1641749"/>
+                <a:ext cx="3643690" cy="646331"/>
+              </a:xfrm>
+              <a:prstGeom prst="rect">
+                <a:avLst/>
+              </a:prstGeom>
+              <a:blipFill>
+                <a:blip r:embed="rId5"/>
+                <a:stretch>
+                  <a:fillRect l="-1338" t="-5660" r="-502" b="-13208"/>
+                </a:stretch>
+              </a:blipFill>
+            </p:spPr>
+            <p:txBody>
+              <a:bodyPr/>
+              <a:lstStyle/>
+              <a:p>
+                <a:r>
+                  <a:rPr lang="zh-CN" altLang="en-US">
+                    <a:noFill/>
+                  </a:rPr>
+                  <a:t> </a:t>
+                </a:r>
+              </a:p>
+            </p:txBody>
+          </p:sp>
+        </mc:Fallback>
+      </mc:AlternateContent>
+      <p:graphicFrame>
+        <p:nvGraphicFramePr>
+          <p:cNvPr id="14" name="表格 13">
+            <a:extLst>
+              <a:ext uri="{FF2B5EF4-FFF2-40B4-BE49-F238E27FC236}">
+                <a16:creationId xmlns:a16="http://schemas.microsoft.com/office/drawing/2014/main" id="{0DEF55F0-0CF8-4A8F-ADCA-98B34B129D5B}"/>
+              </a:ext>
+            </a:extLst>
+          </p:cNvPr>
+          <p:cNvGraphicFramePr>
+            <a:graphicFrameLocks noGrp="1"/>
+          </p:cNvGraphicFramePr>
+          <p:nvPr>
+            <p:extLst>
+              <p:ext uri="{D42A27DB-BD31-4B8C-83A1-F6EECF244321}">
+                <p14:modId xmlns:p14="http://schemas.microsoft.com/office/powerpoint/2010/main" val="1658439784"/>
+              </p:ext>
+            </p:extLst>
+          </p:nvPr>
+        </p:nvGraphicFramePr>
+        <p:xfrm>
+          <a:off x="1727976" y="2829699"/>
+          <a:ext cx="1535185" cy="1483360"/>
+        </p:xfrm>
+        <a:graphic>
+          <a:graphicData uri="http://schemas.openxmlformats.org/drawingml/2006/table">
+            <a:tbl>
+              <a:tblPr bandRow="1">
+                <a:tableStyleId>{5C22544A-7EE6-4342-B048-85BDC9FD1C3A}</a:tableStyleId>
+              </a:tblPr>
+              <a:tblGrid>
+                <a:gridCol w="307037">
+                  <a:extLst>
+                    <a:ext uri="{9D8B030D-6E8A-4147-A177-3AD203B41FA5}">
+                      <a16:colId xmlns:a16="http://schemas.microsoft.com/office/drawing/2014/main" val="3669236457"/>
+                    </a:ext>
+                  </a:extLst>
+                </a:gridCol>
+                <a:gridCol w="307037">
+                  <a:extLst>
+                    <a:ext uri="{9D8B030D-6E8A-4147-A177-3AD203B41FA5}">
+                      <a16:colId xmlns:a16="http://schemas.microsoft.com/office/drawing/2014/main" val="2778932494"/>
+                    </a:ext>
+                  </a:extLst>
+                </a:gridCol>
+                <a:gridCol w="307037">
+                  <a:extLst>
+                    <a:ext uri="{9D8B030D-6E8A-4147-A177-3AD203B41FA5}">
+                      <a16:colId xmlns:a16="http://schemas.microsoft.com/office/drawing/2014/main" val="180378964"/>
+                    </a:ext>
+                  </a:extLst>
+                </a:gridCol>
+                <a:gridCol w="307037">
+                  <a:extLst>
+                    <a:ext uri="{9D8B030D-6E8A-4147-A177-3AD203B41FA5}">
+                      <a16:colId xmlns:a16="http://schemas.microsoft.com/office/drawing/2014/main" val="3702553955"/>
+                    </a:ext>
+                  </a:extLst>
+                </a:gridCol>
+                <a:gridCol w="307037">
+                  <a:extLst>
+                    <a:ext uri="{9D8B030D-6E8A-4147-A177-3AD203B41FA5}">
+                      <a16:colId xmlns:a16="http://schemas.microsoft.com/office/drawing/2014/main" val="3401188979"/>
+                    </a:ext>
+                  </a:extLst>
+                </a:gridCol>
+              </a:tblGrid>
+              <a:tr h="370840">
+                <a:tc>
+                  <a:txBody>
+                    <a:bodyPr/>
+                    <a:lstStyle/>
+                    <a:p>
+                      <a:endParaRPr lang="zh-CN" altLang="en-US" dirty="0"/>
+                    </a:p>
+                  </a:txBody>
+                  <a:tcPr>
+                    <a:solidFill>
+                      <a:schemeClr val="accent2"/>
+                    </a:solidFill>
+                  </a:tcPr>
+                </a:tc>
+                <a:tc>
+                  <a:txBody>
+                    <a:bodyPr/>
+                    <a:lstStyle/>
+                    <a:p>
+                      <a:endParaRPr lang="zh-CN" altLang="en-US"/>
+                    </a:p>
+                  </a:txBody>
+                  <a:tcPr>
+                    <a:solidFill>
+                      <a:schemeClr val="accent2"/>
+                    </a:solidFill>
+                  </a:tcPr>
+                </a:tc>
+                <a:tc>
+                  <a:txBody>
+                    <a:bodyPr/>
+                    <a:lstStyle/>
+                    <a:p>
+                      <a:endParaRPr lang="zh-CN" altLang="en-US" dirty="0"/>
+                    </a:p>
+                  </a:txBody>
+                  <a:tcPr>
+                    <a:solidFill>
+                      <a:schemeClr val="accent2"/>
+                    </a:solidFill>
+                  </a:tcPr>
+                </a:tc>
+                <a:tc>
+                  <a:txBody>
+                    <a:bodyPr/>
+                    <a:lstStyle/>
+                    <a:p>
+                      <a:endParaRPr lang="zh-CN" altLang="en-US"/>
+                    </a:p>
+                  </a:txBody>
+                  <a:tcPr>
+                    <a:solidFill>
+                      <a:schemeClr val="accent2"/>
+                    </a:solidFill>
+                  </a:tcPr>
+                </a:tc>
+                <a:tc>
+                  <a:txBody>
+                    <a:bodyPr/>
+                    <a:lstStyle/>
+                    <a:p>
+                      <a:endParaRPr lang="zh-CN" altLang="en-US"/>
+                    </a:p>
+                  </a:txBody>
+                  <a:tcPr>
+                    <a:solidFill>
+                      <a:schemeClr val="accent2"/>
+                    </a:solidFill>
+                  </a:tcPr>
+                </a:tc>
+                <a:extLst>
+                  <a:ext uri="{0D108BD9-81ED-4DB2-BD59-A6C34878D82A}">
+                    <a16:rowId xmlns:a16="http://schemas.microsoft.com/office/drawing/2014/main" val="3543573652"/>
+                  </a:ext>
+                </a:extLst>
+              </a:tr>
+              <a:tr h="370840">
+                <a:tc>
+                  <a:txBody>
+                    <a:bodyPr/>
+                    <a:lstStyle/>
+                    <a:p>
+                      <a:endParaRPr lang="zh-CN" altLang="en-US" dirty="0"/>
+                    </a:p>
+                  </a:txBody>
+                  <a:tcPr>
+                    <a:solidFill>
+                      <a:schemeClr val="accent2"/>
+                    </a:solidFill>
+                  </a:tcPr>
+                </a:tc>
+                <a:tc>
+                  <a:txBody>
+                    <a:bodyPr/>
+                    <a:lstStyle/>
+                    <a:p>
+                      <a:endParaRPr lang="zh-CN" altLang="en-US" dirty="0"/>
+                    </a:p>
+                  </a:txBody>
+                  <a:tcPr>
+                    <a:solidFill>
+                      <a:schemeClr val="accent2"/>
+                    </a:solidFill>
+                  </a:tcPr>
+                </a:tc>
+                <a:tc>
+                  <a:txBody>
+                    <a:bodyPr/>
+                    <a:lstStyle/>
+                    <a:p>
+                      <a:endParaRPr lang="zh-CN" altLang="en-US"/>
+                    </a:p>
+                  </a:txBody>
+                  <a:tcPr>
+                    <a:solidFill>
+                      <a:schemeClr val="accent2"/>
+                    </a:solidFill>
+                  </a:tcPr>
+                </a:tc>
+                <a:tc>
+                  <a:txBody>
+                    <a:bodyPr/>
+                    <a:lstStyle/>
+                    <a:p>
+                      <a:endParaRPr lang="zh-CN" altLang="en-US"/>
+                    </a:p>
+                  </a:txBody>
+                  <a:tcPr>
+                    <a:solidFill>
+                      <a:schemeClr val="accent2"/>
+                    </a:solidFill>
+                  </a:tcPr>
+                </a:tc>
+                <a:tc>
+                  <a:txBody>
+                    <a:bodyPr/>
+                    <a:lstStyle/>
+                    <a:p>
+                      <a:endParaRPr lang="zh-CN" altLang="en-US"/>
+                    </a:p>
+                  </a:txBody>
+                  <a:tcPr>
+                    <a:solidFill>
+                      <a:schemeClr val="accent2"/>
+                    </a:solidFill>
+                  </a:tcPr>
+                </a:tc>
+                <a:extLst>
+                  <a:ext uri="{0D108BD9-81ED-4DB2-BD59-A6C34878D82A}">
+                    <a16:rowId xmlns:a16="http://schemas.microsoft.com/office/drawing/2014/main" val="395984803"/>
+                  </a:ext>
+                </a:extLst>
+              </a:tr>
+              <a:tr h="370840">
+                <a:tc>
+                  <a:txBody>
+                    <a:bodyPr/>
+                    <a:lstStyle/>
+                    <a:p>
+                      <a:endParaRPr lang="zh-CN" altLang="en-US"/>
+                    </a:p>
+                  </a:txBody>
+                  <a:tcPr>
+                    <a:solidFill>
+                      <a:schemeClr val="accent2"/>
+                    </a:solidFill>
+                  </a:tcPr>
+                </a:tc>
+                <a:tc>
+                  <a:txBody>
+                    <a:bodyPr/>
+                    <a:lstStyle/>
+                    <a:p>
+                      <a:endParaRPr lang="zh-CN" altLang="en-US"/>
+                    </a:p>
+                  </a:txBody>
+                  <a:tcPr>
+                    <a:solidFill>
+                      <a:schemeClr val="accent2"/>
+                    </a:solidFill>
+                  </a:tcPr>
+                </a:tc>
+                <a:tc>
+                  <a:txBody>
+                    <a:bodyPr/>
+                    <a:lstStyle/>
+                    <a:p>
+                      <a:endParaRPr lang="zh-CN" altLang="en-US" dirty="0"/>
+                    </a:p>
+                  </a:txBody>
+                  <a:tcPr>
+                    <a:solidFill>
+                      <a:schemeClr val="accent2"/>
+                    </a:solidFill>
+                  </a:tcPr>
+                </a:tc>
+                <a:tc>
+                  <a:txBody>
+                    <a:bodyPr/>
+                    <a:lstStyle/>
+                    <a:p>
+                      <a:endParaRPr lang="zh-CN" altLang="en-US"/>
+                    </a:p>
+                  </a:txBody>
+                  <a:tcPr>
+                    <a:solidFill>
+                      <a:schemeClr val="accent2"/>
+                    </a:solidFill>
+                  </a:tcPr>
+                </a:tc>
+                <a:tc>
+                  <a:txBody>
+                    <a:bodyPr/>
+                    <a:lstStyle/>
+                    <a:p>
+                      <a:endParaRPr lang="zh-CN" altLang="en-US"/>
+                    </a:p>
+                  </a:txBody>
+                  <a:tcPr>
+                    <a:solidFill>
+                      <a:schemeClr val="accent2"/>
+                    </a:solidFill>
+                  </a:tcPr>
+                </a:tc>
+                <a:extLst>
+                  <a:ext uri="{0D108BD9-81ED-4DB2-BD59-A6C34878D82A}">
+                    <a16:rowId xmlns:a16="http://schemas.microsoft.com/office/drawing/2014/main" val="669976120"/>
+                  </a:ext>
+                </a:extLst>
+              </a:tr>
+              <a:tr h="370840">
+                <a:tc>
+                  <a:txBody>
+                    <a:bodyPr/>
+                    <a:lstStyle/>
+                    <a:p>
+                      <a:endParaRPr lang="zh-CN" altLang="en-US"/>
+                    </a:p>
+                  </a:txBody>
+                  <a:tcPr>
+                    <a:solidFill>
+                      <a:schemeClr val="accent2"/>
+                    </a:solidFill>
+                  </a:tcPr>
+                </a:tc>
+                <a:tc>
+                  <a:txBody>
+                    <a:bodyPr/>
+                    <a:lstStyle/>
+                    <a:p>
+                      <a:endParaRPr lang="zh-CN" altLang="en-US"/>
+                    </a:p>
+                  </a:txBody>
+                  <a:tcPr>
+                    <a:solidFill>
+                      <a:schemeClr val="accent2"/>
+                    </a:solidFill>
+                  </a:tcPr>
+                </a:tc>
+                <a:tc>
+                  <a:txBody>
+                    <a:bodyPr/>
+                    <a:lstStyle/>
+                    <a:p>
+                      <a:endParaRPr lang="zh-CN" altLang="en-US" dirty="0"/>
+                    </a:p>
+                  </a:txBody>
+                  <a:tcPr>
+                    <a:solidFill>
+                      <a:schemeClr val="accent2"/>
+                    </a:solidFill>
+                  </a:tcPr>
+                </a:tc>
+                <a:tc>
+                  <a:txBody>
+                    <a:bodyPr/>
+                    <a:lstStyle/>
+                    <a:p>
+                      <a:endParaRPr lang="zh-CN" altLang="en-US" dirty="0"/>
+                    </a:p>
+                  </a:txBody>
+                  <a:tcPr>
+                    <a:solidFill>
+                      <a:schemeClr val="accent2"/>
+                    </a:solidFill>
+                  </a:tcPr>
+                </a:tc>
+                <a:tc>
+                  <a:txBody>
+                    <a:bodyPr/>
+                    <a:lstStyle/>
+                    <a:p>
+                      <a:endParaRPr lang="zh-CN" altLang="en-US" dirty="0"/>
+                    </a:p>
+                  </a:txBody>
+                  <a:tcPr>
+                    <a:solidFill>
+                      <a:schemeClr val="accent2"/>
+                    </a:solidFill>
+                  </a:tcPr>
+                </a:tc>
+                <a:extLst>
+                  <a:ext uri="{0D108BD9-81ED-4DB2-BD59-A6C34878D82A}">
+                    <a16:rowId xmlns:a16="http://schemas.microsoft.com/office/drawing/2014/main" val="2701112425"/>
+                  </a:ext>
+                </a:extLst>
+              </a:tr>
+            </a:tbl>
+          </a:graphicData>
+        </a:graphic>
+      </p:graphicFrame>
+      <mc:AlternateContent xmlns:mc="http://schemas.openxmlformats.org/markup-compatibility/2006">
+        <mc:Choice xmlns:a14="http://schemas.microsoft.com/office/drawing/2010/main" Requires="a14">
+          <p:sp>
+            <p:nvSpPr>
+              <p:cNvPr id="15" name="矩形 14">
+                <a:extLst>
+                  <a:ext uri="{FF2B5EF4-FFF2-40B4-BE49-F238E27FC236}">
+                    <a16:creationId xmlns:a16="http://schemas.microsoft.com/office/drawing/2014/main" id="{5425E440-FD72-4A4B-B2B4-071ECFC0CD3F}"/>
+                  </a:ext>
+                </a:extLst>
+              </p:cNvPr>
+              <p:cNvSpPr/>
+              <p:nvPr/>
+            </p:nvSpPr>
+            <p:spPr>
+              <a:xfrm>
+                <a:off x="261555" y="3292553"/>
+                <a:ext cx="401905" cy="369332"/>
+              </a:xfrm>
+              <a:prstGeom prst="rect">
+                <a:avLst/>
+              </a:prstGeom>
+            </p:spPr>
+            <p:txBody>
+              <a:bodyPr wrap="none">
+                <a:spAutoFit/>
+              </a:bodyPr>
+              <a:lstStyle/>
+              <a:p>
+                <a14:m>
+                  <m:oMathPara xmlns:m="http://schemas.openxmlformats.org/officeDocument/2006/math">
+                    <m:oMathParaPr>
+                      <m:jc m:val="centerGroup"/>
+                    </m:oMathParaPr>
+                    <m:oMath xmlns:m="http://schemas.openxmlformats.org/officeDocument/2006/math">
+                      <m:r>
+                        <a:rPr lang="zh-CN" altLang="en-US" i="1">
+                          <a:latin typeface="Cambria Math" panose="02040503050406030204" pitchFamily="18" charset="0"/>
+                        </a:rPr>
+                        <m:t>𝑋</m:t>
+                      </m:r>
+                    </m:oMath>
+                  </m:oMathPara>
+                </a14:m>
+                <a:endParaRPr lang="zh-CN" altLang="en-US" dirty="0"/>
+              </a:p>
+            </p:txBody>
+          </p:sp>
+        </mc:Choice>
+        <mc:Fallback>
+          <p:sp>
+            <p:nvSpPr>
+              <p:cNvPr id="15" name="矩形 14">
+                <a:extLst>
+                  <a:ext uri="{FF2B5EF4-FFF2-40B4-BE49-F238E27FC236}">
+                    <a16:creationId xmlns:a16="http://schemas.microsoft.com/office/drawing/2014/main" id="{5425E440-FD72-4A4B-B2B4-071ECFC0CD3F}"/>
+                  </a:ext>
+                </a:extLst>
+              </p:cNvPr>
+              <p:cNvSpPr>
+                <a:spLocks noRot="1" noChangeAspect="1" noMove="1" noResize="1" noEditPoints="1" noAdjustHandles="1" noChangeArrowheads="1" noChangeShapeType="1" noTextEdit="1"/>
+              </p:cNvSpPr>
+              <p:nvPr/>
+            </p:nvSpPr>
+            <p:spPr>
+              <a:xfrm>
+                <a:off x="261555" y="3292553"/>
+                <a:ext cx="401905" cy="369332"/>
+              </a:xfrm>
+              <a:prstGeom prst="rect">
+                <a:avLst/>
+              </a:prstGeom>
+              <a:blipFill>
+                <a:blip r:embed="rId6"/>
+                <a:stretch>
+                  <a:fillRect/>
+                </a:stretch>
+              </a:blipFill>
+            </p:spPr>
+            <p:txBody>
+              <a:bodyPr/>
+              <a:lstStyle/>
+              <a:p>
+                <a:r>
+                  <a:rPr lang="zh-CN" altLang="en-US">
+                    <a:noFill/>
+                  </a:rPr>
+                  <a:t> </a:t>
+                </a:r>
+              </a:p>
+            </p:txBody>
+          </p:sp>
+        </mc:Fallback>
+      </mc:AlternateContent>
+      <p:sp>
+        <p:nvSpPr>
+          <p:cNvPr id="24" name="左大括号 23">
+            <a:extLst>
+              <a:ext uri="{FF2B5EF4-FFF2-40B4-BE49-F238E27FC236}">
+                <a16:creationId xmlns:a16="http://schemas.microsoft.com/office/drawing/2014/main" id="{4A8C9DF7-88F7-479E-9F9E-7BDBAEB155B4}"/>
+              </a:ext>
+            </a:extLst>
+          </p:cNvPr>
+          <p:cNvSpPr/>
+          <p:nvPr/>
+        </p:nvSpPr>
+        <p:spPr>
+          <a:xfrm>
+            <a:off x="1367248" y="2829699"/>
+            <a:ext cx="230815" cy="1483360"/>
+          </a:xfrm>
+          <a:prstGeom prst="leftBrace">
+            <a:avLst/>
+          </a:prstGeom>
+          <a:ln w="12700"/>
+        </p:spPr>
+        <p:style>
+          <a:lnRef idx="1">
+            <a:schemeClr val="accent1"/>
+          </a:lnRef>
+          <a:fillRef idx="0">
+            <a:schemeClr val="accent1"/>
+          </a:fillRef>
+          <a:effectRef idx="0">
+            <a:schemeClr val="accent1"/>
+          </a:effectRef>
+          <a:fontRef idx="minor">
+            <a:schemeClr val="tx1"/>
+          </a:fontRef>
+        </p:style>
+        <p:txBody>
+          <a:bodyPr rtlCol="0" anchor="ctr"/>
+          <a:lstStyle/>
+          <a:p>
+            <a:pPr algn="ctr"/>
+            <a:endParaRPr lang="zh-CN" altLang="en-US"/>
+          </a:p>
+        </p:txBody>
+      </p:sp>
+      <p:sp>
+        <p:nvSpPr>
+          <p:cNvPr id="25" name="左大括号 24">
+            <a:extLst>
+              <a:ext uri="{FF2B5EF4-FFF2-40B4-BE49-F238E27FC236}">
+                <a16:creationId xmlns:a16="http://schemas.microsoft.com/office/drawing/2014/main" id="{C4617077-A0DB-41C3-8CAD-508114298F38}"/>
+              </a:ext>
+            </a:extLst>
+          </p:cNvPr>
+          <p:cNvSpPr/>
+          <p:nvPr/>
+        </p:nvSpPr>
+        <p:spPr>
+          <a:xfrm rot="5400000">
+            <a:off x="2394900" y="1868863"/>
+            <a:ext cx="201336" cy="1535185"/>
+          </a:xfrm>
+          <a:prstGeom prst="leftBrace">
+            <a:avLst/>
+          </a:prstGeom>
+          <a:ln w="12700"/>
+        </p:spPr>
+        <p:style>
+          <a:lnRef idx="1">
+            <a:schemeClr val="accent1"/>
+          </a:lnRef>
+          <a:fillRef idx="0">
+            <a:schemeClr val="accent1"/>
+          </a:fillRef>
+          <a:effectRef idx="0">
+            <a:schemeClr val="accent1"/>
+          </a:effectRef>
+          <a:fontRef idx="minor">
+            <a:schemeClr val="tx1"/>
+          </a:fontRef>
+        </p:style>
+        <p:txBody>
+          <a:bodyPr rtlCol="0" anchor="ctr"/>
+          <a:lstStyle/>
+          <a:p>
+            <a:pPr algn="ctr"/>
+            <a:endParaRPr lang="zh-CN" altLang="en-US"/>
+          </a:p>
+        </p:txBody>
+      </p:sp>
+      <mc:AlternateContent xmlns:mc="http://schemas.openxmlformats.org/markup-compatibility/2006">
+        <mc:Choice xmlns:a14="http://schemas.microsoft.com/office/drawing/2010/main" Requires="a14">
+          <p:sp>
+            <p:nvSpPr>
+              <p:cNvPr id="26" name="矩形 25">
+                <a:extLst>
+                  <a:ext uri="{FF2B5EF4-FFF2-40B4-BE49-F238E27FC236}">
+                    <a16:creationId xmlns:a16="http://schemas.microsoft.com/office/drawing/2014/main" id="{34772D7E-C2D6-4B7B-A80E-315E11D6C9EF}"/>
+                  </a:ext>
+                </a:extLst>
+              </p:cNvPr>
+              <p:cNvSpPr/>
+              <p:nvPr/>
+            </p:nvSpPr>
+            <p:spPr>
+              <a:xfrm>
+                <a:off x="2308818" y="2101424"/>
+                <a:ext cx="373499" cy="369332"/>
+              </a:xfrm>
+              <a:prstGeom prst="rect">
+                <a:avLst/>
+              </a:prstGeom>
+            </p:spPr>
+            <p:txBody>
+              <a:bodyPr wrap="none">
+                <a:spAutoFit/>
+              </a:bodyPr>
+              <a:lstStyle/>
+              <a:p>
+                <a14:m>
+                  <m:oMathPara xmlns:m="http://schemas.openxmlformats.org/officeDocument/2006/math">
+                    <m:oMathParaPr>
+                      <m:jc m:val="centerGroup"/>
+                    </m:oMathParaPr>
+                    <m:oMath xmlns:m="http://schemas.openxmlformats.org/officeDocument/2006/math">
+                      <m:r>
+                        <a:rPr lang="en-US" altLang="zh-CN" i="1">
+                          <a:latin typeface="Cambria Math" panose="02040503050406030204" pitchFamily="18" charset="0"/>
+                        </a:rPr>
+                        <m:t>𝑆</m:t>
+                      </m:r>
+                    </m:oMath>
+                  </m:oMathPara>
+                </a14:m>
+                <a:endParaRPr lang="zh-CN" altLang="en-US" dirty="0"/>
+              </a:p>
+            </p:txBody>
+          </p:sp>
+        </mc:Choice>
+        <mc:Fallback>
+          <p:sp>
+            <p:nvSpPr>
+              <p:cNvPr id="26" name="矩形 25">
+                <a:extLst>
+                  <a:ext uri="{FF2B5EF4-FFF2-40B4-BE49-F238E27FC236}">
+                    <a16:creationId xmlns:a16="http://schemas.microsoft.com/office/drawing/2014/main" id="{34772D7E-C2D6-4B7B-A80E-315E11D6C9EF}"/>
+                  </a:ext>
+                </a:extLst>
+              </p:cNvPr>
+              <p:cNvSpPr>
+                <a:spLocks noRot="1" noChangeAspect="1" noMove="1" noResize="1" noEditPoints="1" noAdjustHandles="1" noChangeArrowheads="1" noChangeShapeType="1" noTextEdit="1"/>
+              </p:cNvSpPr>
+              <p:nvPr/>
+            </p:nvSpPr>
+            <p:spPr>
+              <a:xfrm>
+                <a:off x="2308818" y="2101424"/>
+                <a:ext cx="373499" cy="369332"/>
+              </a:xfrm>
+              <a:prstGeom prst="rect">
+                <a:avLst/>
+              </a:prstGeom>
+              <a:blipFill>
+                <a:blip r:embed="rId7"/>
+                <a:stretch>
+                  <a:fillRect/>
+                </a:stretch>
+              </a:blipFill>
+            </p:spPr>
+            <p:txBody>
+              <a:bodyPr/>
+              <a:lstStyle/>
+              <a:p>
+                <a:r>
+                  <a:rPr lang="zh-CN" altLang="en-US">
+                    <a:noFill/>
+                  </a:rPr>
+                  <a:t> </a:t>
+                </a:r>
+              </a:p>
+            </p:txBody>
+          </p:sp>
+        </mc:Fallback>
+      </mc:AlternateContent>
+      <mc:AlternateContent xmlns:mc="http://schemas.openxmlformats.org/markup-compatibility/2006">
+        <mc:Choice xmlns:a14="http://schemas.microsoft.com/office/drawing/2010/main" Requires="a14">
+          <p:sp>
+            <p:nvSpPr>
+              <p:cNvPr id="27" name="矩形 26">
+                <a:extLst>
+                  <a:ext uri="{FF2B5EF4-FFF2-40B4-BE49-F238E27FC236}">
+                    <a16:creationId xmlns:a16="http://schemas.microsoft.com/office/drawing/2014/main" id="{CD9AB80F-F5A0-4424-AC87-BF29CDB6D2BF}"/>
+                  </a:ext>
+                </a:extLst>
+              </p:cNvPr>
+              <p:cNvSpPr/>
+              <p:nvPr/>
+            </p:nvSpPr>
+            <p:spPr>
+              <a:xfrm>
+                <a:off x="843660" y="3386713"/>
+                <a:ext cx="546240" cy="369332"/>
+              </a:xfrm>
+              <a:prstGeom prst="rect">
+                <a:avLst/>
+              </a:prstGeom>
+            </p:spPr>
+            <p:txBody>
+              <a:bodyPr wrap="none">
+                <a:spAutoFit/>
+              </a:bodyPr>
+              <a:lstStyle/>
+              <a:p>
+                <a14:m>
+                  <m:oMathPara xmlns:m="http://schemas.openxmlformats.org/officeDocument/2006/math">
+                    <m:oMathParaPr>
+                      <m:jc m:val="centerGroup"/>
+                    </m:oMathParaPr>
+                    <m:oMath xmlns:m="http://schemas.openxmlformats.org/officeDocument/2006/math">
+                      <m:r>
+                        <a:rPr lang="en-US" altLang="zh-CN" b="0" i="1" smtClean="0">
+                          <a:latin typeface="Cambria Math" panose="02040503050406030204" pitchFamily="18" charset="0"/>
+                        </a:rPr>
+                        <m:t>|</m:t>
+                      </m:r>
+                      <m:r>
+                        <a:rPr lang="en-US" altLang="zh-CN" b="0" i="1" smtClean="0">
+                          <a:latin typeface="Cambria Math" panose="02040503050406030204" pitchFamily="18" charset="0"/>
+                        </a:rPr>
+                        <m:t>𝑉</m:t>
+                      </m:r>
+                      <m:r>
+                        <a:rPr lang="en-US" altLang="zh-CN" b="0" i="1" smtClean="0">
+                          <a:latin typeface="Cambria Math" panose="02040503050406030204" pitchFamily="18" charset="0"/>
+                        </a:rPr>
+                        <m:t>|</m:t>
+                      </m:r>
+                    </m:oMath>
+                  </m:oMathPara>
+                </a14:m>
+                <a:endParaRPr lang="zh-CN" altLang="en-US" dirty="0"/>
+              </a:p>
+            </p:txBody>
+          </p:sp>
+        </mc:Choice>
+        <mc:Fallback>
+          <p:sp>
+            <p:nvSpPr>
+              <p:cNvPr id="27" name="矩形 26">
+                <a:extLst>
+                  <a:ext uri="{FF2B5EF4-FFF2-40B4-BE49-F238E27FC236}">
+                    <a16:creationId xmlns:a16="http://schemas.microsoft.com/office/drawing/2014/main" id="{CD9AB80F-F5A0-4424-AC87-BF29CDB6D2BF}"/>
+                  </a:ext>
+                </a:extLst>
+              </p:cNvPr>
+              <p:cNvSpPr>
+                <a:spLocks noRot="1" noChangeAspect="1" noMove="1" noResize="1" noEditPoints="1" noAdjustHandles="1" noChangeArrowheads="1" noChangeShapeType="1" noTextEdit="1"/>
+              </p:cNvSpPr>
+              <p:nvPr/>
+            </p:nvSpPr>
+            <p:spPr>
+              <a:xfrm>
+                <a:off x="843660" y="3386713"/>
+                <a:ext cx="546240" cy="369332"/>
+              </a:xfrm>
+              <a:prstGeom prst="rect">
+                <a:avLst/>
+              </a:prstGeom>
+              <a:blipFill>
+                <a:blip r:embed="rId8"/>
+                <a:stretch>
+                  <a:fillRect b="-13333"/>
+                </a:stretch>
+              </a:blipFill>
+            </p:spPr>
+            <p:txBody>
+              <a:bodyPr/>
+              <a:lstStyle/>
+              <a:p>
+                <a:r>
+                  <a:rPr lang="zh-CN" altLang="en-US">
+                    <a:noFill/>
+                  </a:rPr>
+                  <a:t> </a:t>
+                </a:r>
+              </a:p>
+            </p:txBody>
+          </p:sp>
+        </mc:Fallback>
+      </mc:AlternateContent>
+      <mc:AlternateContent xmlns:mc="http://schemas.openxmlformats.org/markup-compatibility/2006">
+        <mc:Choice xmlns:a14="http://schemas.microsoft.com/office/drawing/2010/main" Requires="a14">
+          <p:sp>
+            <p:nvSpPr>
+              <p:cNvPr id="33" name="矩形 32">
+                <a:extLst>
+                  <a:ext uri="{FF2B5EF4-FFF2-40B4-BE49-F238E27FC236}">
+                    <a16:creationId xmlns:a16="http://schemas.microsoft.com/office/drawing/2014/main" id="{AFED5AF2-65C5-4CCF-8ABB-FE918021F777}"/>
+                  </a:ext>
+                </a:extLst>
+              </p:cNvPr>
+              <p:cNvSpPr/>
+              <p:nvPr/>
+            </p:nvSpPr>
+            <p:spPr>
+              <a:xfrm>
+                <a:off x="157864" y="5872701"/>
+                <a:ext cx="392287" cy="369332"/>
+              </a:xfrm>
+              <a:prstGeom prst="rect">
+                <a:avLst/>
+              </a:prstGeom>
+            </p:spPr>
+            <p:txBody>
+              <a:bodyPr wrap="none">
+                <a:spAutoFit/>
+              </a:bodyPr>
+              <a:lstStyle/>
+              <a:p>
+                <a14:m>
+                  <m:oMathPara xmlns:m="http://schemas.openxmlformats.org/officeDocument/2006/math">
+                    <m:oMathParaPr>
+                      <m:jc m:val="centerGroup"/>
+                    </m:oMathParaPr>
+                    <m:oMath xmlns:m="http://schemas.openxmlformats.org/officeDocument/2006/math">
+                      <m:r>
+                        <a:rPr lang="en-US" altLang="zh-CN" b="0" i="1" smtClean="0">
+                          <a:latin typeface="Cambria Math" panose="02040503050406030204" pitchFamily="18" charset="0"/>
+                        </a:rPr>
+                        <m:t>𝑌</m:t>
+                      </m:r>
+                    </m:oMath>
+                  </m:oMathPara>
+                </a14:m>
+                <a:endParaRPr lang="zh-CN" altLang="en-US" dirty="0"/>
+              </a:p>
+            </p:txBody>
+          </p:sp>
+        </mc:Choice>
+        <mc:Fallback>
+          <p:sp>
+            <p:nvSpPr>
+              <p:cNvPr id="33" name="矩形 32">
+                <a:extLst>
+                  <a:ext uri="{FF2B5EF4-FFF2-40B4-BE49-F238E27FC236}">
+                    <a16:creationId xmlns:a16="http://schemas.microsoft.com/office/drawing/2014/main" id="{AFED5AF2-65C5-4CCF-8ABB-FE918021F777}"/>
+                  </a:ext>
+                </a:extLst>
+              </p:cNvPr>
+              <p:cNvSpPr>
+                <a:spLocks noRot="1" noChangeAspect="1" noMove="1" noResize="1" noEditPoints="1" noAdjustHandles="1" noChangeArrowheads="1" noChangeShapeType="1" noTextEdit="1"/>
+              </p:cNvSpPr>
+              <p:nvPr/>
+            </p:nvSpPr>
+            <p:spPr>
+              <a:xfrm>
+                <a:off x="157864" y="5872701"/>
+                <a:ext cx="392287" cy="369332"/>
+              </a:xfrm>
+              <a:prstGeom prst="rect">
+                <a:avLst/>
+              </a:prstGeom>
+              <a:blipFill>
+                <a:blip r:embed="rId9"/>
+                <a:stretch>
+                  <a:fillRect/>
+                </a:stretch>
+              </a:blipFill>
+            </p:spPr>
+            <p:txBody>
+              <a:bodyPr/>
+              <a:lstStyle/>
+              <a:p>
+                <a:r>
+                  <a:rPr lang="zh-CN" altLang="en-US">
+                    <a:noFill/>
+                  </a:rPr>
+                  <a:t> </a:t>
+                </a:r>
+              </a:p>
+            </p:txBody>
+          </p:sp>
+        </mc:Fallback>
+      </mc:AlternateContent>
+      <p:graphicFrame>
+        <p:nvGraphicFramePr>
+          <p:cNvPr id="34" name="表格 33">
+            <a:extLst>
+              <a:ext uri="{FF2B5EF4-FFF2-40B4-BE49-F238E27FC236}">
+                <a16:creationId xmlns:a16="http://schemas.microsoft.com/office/drawing/2014/main" id="{8AFC7EF9-2454-4F8D-B748-E82ED2E95A22}"/>
+              </a:ext>
+            </a:extLst>
+          </p:cNvPr>
+          <p:cNvGraphicFramePr>
+            <a:graphicFrameLocks noGrp="1"/>
+          </p:cNvGraphicFramePr>
+          <p:nvPr>
+            <p:extLst>
+              <p:ext uri="{D42A27DB-BD31-4B8C-83A1-F6EECF244321}">
+                <p14:modId xmlns:p14="http://schemas.microsoft.com/office/powerpoint/2010/main" val="1766264863"/>
+              </p:ext>
+            </p:extLst>
+          </p:nvPr>
+        </p:nvGraphicFramePr>
+        <p:xfrm>
+          <a:off x="2188530" y="5219511"/>
+          <a:ext cx="614074" cy="1483360"/>
+        </p:xfrm>
+        <a:graphic>
+          <a:graphicData uri="http://schemas.openxmlformats.org/drawingml/2006/table">
+            <a:tbl>
+              <a:tblPr bandRow="1">
+                <a:tableStyleId>{5C22544A-7EE6-4342-B048-85BDC9FD1C3A}</a:tableStyleId>
+              </a:tblPr>
+              <a:tblGrid>
+                <a:gridCol w="307037">
+                  <a:extLst>
+                    <a:ext uri="{9D8B030D-6E8A-4147-A177-3AD203B41FA5}">
+                      <a16:colId xmlns:a16="http://schemas.microsoft.com/office/drawing/2014/main" val="3669236457"/>
+                    </a:ext>
+                  </a:extLst>
+                </a:gridCol>
+                <a:gridCol w="307037">
+                  <a:extLst>
+                    <a:ext uri="{9D8B030D-6E8A-4147-A177-3AD203B41FA5}">
+                      <a16:colId xmlns:a16="http://schemas.microsoft.com/office/drawing/2014/main" val="2778932494"/>
+                    </a:ext>
+                  </a:extLst>
+                </a:gridCol>
+              </a:tblGrid>
+              <a:tr h="370840">
+                <a:tc>
+                  <a:txBody>
+                    <a:bodyPr/>
+                    <a:lstStyle/>
+                    <a:p>
+                      <a:endParaRPr lang="zh-CN" altLang="en-US" dirty="0">
+                        <a:solidFill>
+                          <a:schemeClr val="accent1"/>
+                        </a:solidFill>
+                      </a:endParaRPr>
+                    </a:p>
+                  </a:txBody>
+                  <a:tcPr>
+                    <a:solidFill>
+                      <a:schemeClr val="accent1"/>
+                    </a:solidFill>
+                  </a:tcPr>
+                </a:tc>
+                <a:tc>
+                  <a:txBody>
+                    <a:bodyPr/>
+                    <a:lstStyle/>
+                    <a:p>
+                      <a:endParaRPr lang="zh-CN" altLang="en-US">
+                        <a:solidFill>
+                          <a:schemeClr val="accent1"/>
+                        </a:solidFill>
+                      </a:endParaRPr>
+                    </a:p>
+                  </a:txBody>
+                  <a:tcPr>
+                    <a:solidFill>
+                      <a:schemeClr val="accent1"/>
+                    </a:solidFill>
+                  </a:tcPr>
+                </a:tc>
+                <a:extLst>
+                  <a:ext uri="{0D108BD9-81ED-4DB2-BD59-A6C34878D82A}">
+                    <a16:rowId xmlns:a16="http://schemas.microsoft.com/office/drawing/2014/main" val="3543573652"/>
+                  </a:ext>
+                </a:extLst>
+              </a:tr>
+              <a:tr h="370840">
+                <a:tc>
+                  <a:txBody>
+                    <a:bodyPr/>
+                    <a:lstStyle/>
+                    <a:p>
+                      <a:endParaRPr lang="zh-CN" altLang="en-US" dirty="0">
+                        <a:solidFill>
+                          <a:schemeClr val="accent1"/>
+                        </a:solidFill>
+                      </a:endParaRPr>
+                    </a:p>
+                  </a:txBody>
+                  <a:tcPr>
+                    <a:solidFill>
+                      <a:schemeClr val="accent1"/>
+                    </a:solidFill>
+                  </a:tcPr>
+                </a:tc>
+                <a:tc>
+                  <a:txBody>
+                    <a:bodyPr/>
+                    <a:lstStyle/>
+                    <a:p>
+                      <a:endParaRPr lang="zh-CN" altLang="en-US" dirty="0">
+                        <a:solidFill>
+                          <a:schemeClr val="accent1"/>
+                        </a:solidFill>
+                      </a:endParaRPr>
+                    </a:p>
+                  </a:txBody>
+                  <a:tcPr>
+                    <a:solidFill>
+                      <a:schemeClr val="accent1"/>
+                    </a:solidFill>
+                  </a:tcPr>
+                </a:tc>
+                <a:extLst>
+                  <a:ext uri="{0D108BD9-81ED-4DB2-BD59-A6C34878D82A}">
+                    <a16:rowId xmlns:a16="http://schemas.microsoft.com/office/drawing/2014/main" val="395984803"/>
+                  </a:ext>
+                </a:extLst>
+              </a:tr>
+              <a:tr h="370840">
+                <a:tc>
+                  <a:txBody>
+                    <a:bodyPr/>
+                    <a:lstStyle/>
+                    <a:p>
+                      <a:endParaRPr lang="zh-CN" altLang="en-US">
+                        <a:solidFill>
+                          <a:schemeClr val="accent1"/>
+                        </a:solidFill>
+                      </a:endParaRPr>
+                    </a:p>
+                  </a:txBody>
+                  <a:tcPr>
+                    <a:solidFill>
+                      <a:schemeClr val="accent1"/>
+                    </a:solidFill>
+                  </a:tcPr>
+                </a:tc>
+                <a:tc>
+                  <a:txBody>
+                    <a:bodyPr/>
+                    <a:lstStyle/>
+                    <a:p>
+                      <a:endParaRPr lang="zh-CN" altLang="en-US">
+                        <a:solidFill>
+                          <a:schemeClr val="accent1"/>
+                        </a:solidFill>
+                      </a:endParaRPr>
+                    </a:p>
+                  </a:txBody>
+                  <a:tcPr>
+                    <a:solidFill>
+                      <a:schemeClr val="accent1"/>
+                    </a:solidFill>
+                  </a:tcPr>
+                </a:tc>
+                <a:extLst>
+                  <a:ext uri="{0D108BD9-81ED-4DB2-BD59-A6C34878D82A}">
+                    <a16:rowId xmlns:a16="http://schemas.microsoft.com/office/drawing/2014/main" val="669976120"/>
+                  </a:ext>
+                </a:extLst>
+              </a:tr>
+              <a:tr h="370840">
+                <a:tc>
+                  <a:txBody>
+                    <a:bodyPr/>
+                    <a:lstStyle/>
+                    <a:p>
+                      <a:endParaRPr lang="zh-CN" altLang="en-US">
+                        <a:solidFill>
+                          <a:schemeClr val="accent1"/>
+                        </a:solidFill>
+                      </a:endParaRPr>
+                    </a:p>
+                  </a:txBody>
+                  <a:tcPr>
+                    <a:solidFill>
+                      <a:schemeClr val="accent1"/>
+                    </a:solidFill>
+                  </a:tcPr>
+                </a:tc>
+                <a:tc>
+                  <a:txBody>
+                    <a:bodyPr/>
+                    <a:lstStyle/>
+                    <a:p>
+                      <a:endParaRPr lang="zh-CN" altLang="en-US" dirty="0">
+                        <a:solidFill>
+                          <a:schemeClr val="accent1"/>
+                        </a:solidFill>
+                      </a:endParaRPr>
+                    </a:p>
+                  </a:txBody>
+                  <a:tcPr>
+                    <a:solidFill>
+                      <a:schemeClr val="accent1"/>
+                    </a:solidFill>
+                  </a:tcPr>
+                </a:tc>
+                <a:extLst>
+                  <a:ext uri="{0D108BD9-81ED-4DB2-BD59-A6C34878D82A}">
+                    <a16:rowId xmlns:a16="http://schemas.microsoft.com/office/drawing/2014/main" val="2701112425"/>
+                  </a:ext>
+                </a:extLst>
+              </a:tr>
+            </a:tbl>
+          </a:graphicData>
+        </a:graphic>
+      </p:graphicFrame>
+      <p:sp>
+        <p:nvSpPr>
+          <p:cNvPr id="35" name="左大括号 34">
+            <a:extLst>
+              <a:ext uri="{FF2B5EF4-FFF2-40B4-BE49-F238E27FC236}">
+                <a16:creationId xmlns:a16="http://schemas.microsoft.com/office/drawing/2014/main" id="{0EDA20AD-12E7-46E4-B6D8-29343C37C478}"/>
+              </a:ext>
+            </a:extLst>
+          </p:cNvPr>
+          <p:cNvSpPr/>
+          <p:nvPr/>
+        </p:nvSpPr>
+        <p:spPr>
+          <a:xfrm>
+            <a:off x="1728243" y="5210046"/>
+            <a:ext cx="230815" cy="1483360"/>
+          </a:xfrm>
+          <a:prstGeom prst="leftBrace">
+            <a:avLst/>
+          </a:prstGeom>
+          <a:ln w="12700"/>
+        </p:spPr>
+        <p:style>
+          <a:lnRef idx="1">
+            <a:schemeClr val="accent1"/>
+          </a:lnRef>
+          <a:fillRef idx="0">
+            <a:schemeClr val="accent1"/>
+          </a:fillRef>
+          <a:effectRef idx="0">
+            <a:schemeClr val="accent1"/>
+          </a:effectRef>
+          <a:fontRef idx="minor">
+            <a:schemeClr val="tx1"/>
+          </a:fontRef>
+        </p:style>
+        <p:txBody>
+          <a:bodyPr rtlCol="0" anchor="ctr"/>
+          <a:lstStyle/>
+          <a:p>
+            <a:pPr algn="ctr"/>
+            <a:endParaRPr lang="zh-CN" altLang="en-US"/>
+          </a:p>
+        </p:txBody>
+      </p:sp>
+      <mc:AlternateContent xmlns:mc="http://schemas.openxmlformats.org/markup-compatibility/2006">
+        <mc:Choice xmlns:a14="http://schemas.microsoft.com/office/drawing/2010/main" Requires="a14">
+          <p:sp>
+            <p:nvSpPr>
+              <p:cNvPr id="36" name="矩形 35">
+                <a:extLst>
+                  <a:ext uri="{FF2B5EF4-FFF2-40B4-BE49-F238E27FC236}">
+                    <a16:creationId xmlns:a16="http://schemas.microsoft.com/office/drawing/2014/main" id="{6752C5E3-5B04-4FA4-B52C-A165D36314A9}"/>
+                  </a:ext>
+                </a:extLst>
+              </p:cNvPr>
+              <p:cNvSpPr/>
+              <p:nvPr/>
+            </p:nvSpPr>
+            <p:spPr>
+              <a:xfrm>
+                <a:off x="1204655" y="5767060"/>
+                <a:ext cx="546240" cy="369332"/>
+              </a:xfrm>
+              <a:prstGeom prst="rect">
+                <a:avLst/>
+              </a:prstGeom>
+            </p:spPr>
+            <p:txBody>
+              <a:bodyPr wrap="none">
+                <a:spAutoFit/>
+              </a:bodyPr>
+              <a:lstStyle/>
+              <a:p>
+                <a14:m>
+                  <m:oMathPara xmlns:m="http://schemas.openxmlformats.org/officeDocument/2006/math">
+                    <m:oMathParaPr>
+                      <m:jc m:val="centerGroup"/>
+                    </m:oMathParaPr>
+                    <m:oMath xmlns:m="http://schemas.openxmlformats.org/officeDocument/2006/math">
+                      <m:r>
+                        <a:rPr lang="en-US" altLang="zh-CN" b="0" i="1" smtClean="0">
+                          <a:latin typeface="Cambria Math" panose="02040503050406030204" pitchFamily="18" charset="0"/>
+                        </a:rPr>
+                        <m:t>|</m:t>
+                      </m:r>
+                      <m:r>
+                        <a:rPr lang="en-US" altLang="zh-CN" b="0" i="1" smtClean="0">
+                          <a:latin typeface="Cambria Math" panose="02040503050406030204" pitchFamily="18" charset="0"/>
+                        </a:rPr>
+                        <m:t>𝑉</m:t>
+                      </m:r>
+                      <m:r>
+                        <a:rPr lang="en-US" altLang="zh-CN" b="0" i="1" smtClean="0">
+                          <a:latin typeface="Cambria Math" panose="02040503050406030204" pitchFamily="18" charset="0"/>
+                        </a:rPr>
+                        <m:t>|</m:t>
+                      </m:r>
+                    </m:oMath>
+                  </m:oMathPara>
+                </a14:m>
+                <a:endParaRPr lang="zh-CN" altLang="en-US" dirty="0"/>
+              </a:p>
+            </p:txBody>
+          </p:sp>
+        </mc:Choice>
+        <mc:Fallback>
+          <p:sp>
+            <p:nvSpPr>
+              <p:cNvPr id="36" name="矩形 35">
+                <a:extLst>
+                  <a:ext uri="{FF2B5EF4-FFF2-40B4-BE49-F238E27FC236}">
+                    <a16:creationId xmlns:a16="http://schemas.microsoft.com/office/drawing/2014/main" id="{6752C5E3-5B04-4FA4-B52C-A165D36314A9}"/>
+                  </a:ext>
+                </a:extLst>
+              </p:cNvPr>
+              <p:cNvSpPr>
+                <a:spLocks noRot="1" noChangeAspect="1" noMove="1" noResize="1" noEditPoints="1" noAdjustHandles="1" noChangeArrowheads="1" noChangeShapeType="1" noTextEdit="1"/>
+              </p:cNvSpPr>
+              <p:nvPr/>
+            </p:nvSpPr>
+            <p:spPr>
+              <a:xfrm>
+                <a:off x="1204655" y="5767060"/>
+                <a:ext cx="546240" cy="369332"/>
+              </a:xfrm>
+              <a:prstGeom prst="rect">
+                <a:avLst/>
+              </a:prstGeom>
+              <a:blipFill>
+                <a:blip r:embed="rId10"/>
+                <a:stretch>
+                  <a:fillRect b="-13115"/>
+                </a:stretch>
+              </a:blipFill>
+            </p:spPr>
+            <p:txBody>
+              <a:bodyPr/>
+              <a:lstStyle/>
+              <a:p>
+                <a:r>
+                  <a:rPr lang="zh-CN" altLang="en-US">
+                    <a:noFill/>
+                  </a:rPr>
+                  <a:t> </a:t>
+                </a:r>
+              </a:p>
+            </p:txBody>
+          </p:sp>
+        </mc:Fallback>
+      </mc:AlternateContent>
+      <p:sp>
+        <p:nvSpPr>
+          <p:cNvPr id="37" name="矩形 36">
+            <a:extLst>
+              <a:ext uri="{FF2B5EF4-FFF2-40B4-BE49-F238E27FC236}">
+                <a16:creationId xmlns:a16="http://schemas.microsoft.com/office/drawing/2014/main" id="{42FD5984-FFEB-43AE-AEFF-39F8390508E8}"/>
+              </a:ext>
+            </a:extLst>
+          </p:cNvPr>
+          <p:cNvSpPr/>
+          <p:nvPr/>
+        </p:nvSpPr>
+        <p:spPr>
+          <a:xfrm>
+            <a:off x="2306103" y="4481260"/>
+            <a:ext cx="450764" cy="369332"/>
+          </a:xfrm>
+          <a:prstGeom prst="rect">
+            <a:avLst/>
+          </a:prstGeom>
+        </p:spPr>
+        <p:txBody>
+          <a:bodyPr wrap="none">
+            <a:spAutoFit/>
+          </a:bodyPr>
+          <a:lstStyle/>
+          <a:p>
+            <a:r>
+              <a:rPr lang="en-US" altLang="zh-CN" dirty="0">
+                <a:latin typeface="Times New Roman" panose="02020603050405020304" pitchFamily="18" charset="0"/>
+                <a:cs typeface="Times New Roman" panose="02020603050405020304" pitchFamily="18" charset="0"/>
+              </a:rPr>
+              <a:t>|y| </a:t>
+            </a:r>
+            <a:endParaRPr lang="zh-CN" altLang="en-US" dirty="0"/>
+          </a:p>
+        </p:txBody>
+      </p:sp>
+      <p:sp>
+        <p:nvSpPr>
+          <p:cNvPr id="38" name="左大括号 37">
+            <a:extLst>
+              <a:ext uri="{FF2B5EF4-FFF2-40B4-BE49-F238E27FC236}">
+                <a16:creationId xmlns:a16="http://schemas.microsoft.com/office/drawing/2014/main" id="{C91AD285-2973-4F30-AA92-35751FD2C16A}"/>
+              </a:ext>
+            </a:extLst>
+          </p:cNvPr>
+          <p:cNvSpPr/>
+          <p:nvPr/>
+        </p:nvSpPr>
+        <p:spPr>
+          <a:xfrm rot="5400000">
+            <a:off x="2407410" y="4737684"/>
+            <a:ext cx="176314" cy="614074"/>
+          </a:xfrm>
+          <a:prstGeom prst="leftBrace">
+            <a:avLst/>
+          </a:prstGeom>
+          <a:ln w="12700"/>
+        </p:spPr>
+        <p:style>
+          <a:lnRef idx="1">
+            <a:schemeClr val="accent1"/>
+          </a:lnRef>
+          <a:fillRef idx="0">
+            <a:schemeClr val="accent1"/>
+          </a:fillRef>
+          <a:effectRef idx="0">
+            <a:schemeClr val="accent1"/>
+          </a:effectRef>
+          <a:fontRef idx="minor">
+            <a:schemeClr val="tx1"/>
+          </a:fontRef>
+        </p:style>
+        <p:txBody>
+          <a:bodyPr rtlCol="0" anchor="ctr"/>
+          <a:lstStyle/>
+          <a:p>
+            <a:pPr algn="ctr"/>
+            <a:endParaRPr lang="zh-CN" altLang="en-US"/>
+          </a:p>
+        </p:txBody>
+      </p:sp>
+      <p:sp>
+        <p:nvSpPr>
+          <p:cNvPr id="39" name="右大括号 38">
+            <a:extLst>
+              <a:ext uri="{FF2B5EF4-FFF2-40B4-BE49-F238E27FC236}">
+                <a16:creationId xmlns:a16="http://schemas.microsoft.com/office/drawing/2014/main" id="{DFCD2789-B2AE-47B1-9B53-AB7F3BEDAF83}"/>
+              </a:ext>
+            </a:extLst>
+          </p:cNvPr>
+          <p:cNvSpPr/>
+          <p:nvPr/>
+        </p:nvSpPr>
+        <p:spPr>
+          <a:xfrm>
+            <a:off x="3484228" y="3252685"/>
+            <a:ext cx="2357043" cy="2813033"/>
+          </a:xfrm>
+          <a:prstGeom prst="rightBrace">
+            <a:avLst/>
+          </a:prstGeom>
+          <a:ln w="19050">
+            <a:solidFill>
+              <a:srgbClr val="FF0000"/>
+            </a:solidFill>
+          </a:ln>
+        </p:spPr>
+        <p:style>
+          <a:lnRef idx="1">
+            <a:schemeClr val="accent1"/>
+          </a:lnRef>
+          <a:fillRef idx="0">
+            <a:schemeClr val="accent1"/>
+          </a:fillRef>
+          <a:effectRef idx="0">
+            <a:schemeClr val="accent1"/>
+          </a:effectRef>
+          <a:fontRef idx="minor">
+            <a:schemeClr val="tx1"/>
+          </a:fontRef>
+        </p:style>
+        <p:txBody>
+          <a:bodyPr rtlCol="0" anchor="ctr"/>
+          <a:lstStyle/>
+          <a:p>
+            <a:pPr algn="ctr"/>
+            <a:endParaRPr lang="zh-CN" altLang="en-US"/>
+          </a:p>
+        </p:txBody>
+      </p:sp>
+      <p:sp>
+        <p:nvSpPr>
+          <p:cNvPr id="40" name="矩形 39">
+            <a:extLst>
+              <a:ext uri="{FF2B5EF4-FFF2-40B4-BE49-F238E27FC236}">
+                <a16:creationId xmlns:a16="http://schemas.microsoft.com/office/drawing/2014/main" id="{197B8336-1339-454D-B05D-99BA622856F1}"/>
+              </a:ext>
+            </a:extLst>
+          </p:cNvPr>
+          <p:cNvSpPr/>
+          <p:nvPr/>
+        </p:nvSpPr>
+        <p:spPr>
+          <a:xfrm>
+            <a:off x="4926638" y="4152011"/>
+            <a:ext cx="1018227" cy="369332"/>
+          </a:xfrm>
+          <a:prstGeom prst="rect">
+            <a:avLst/>
+          </a:prstGeom>
+        </p:spPr>
+        <p:txBody>
+          <a:bodyPr wrap="none">
+            <a:spAutoFit/>
+          </a:bodyPr>
+          <a:lstStyle/>
+          <a:p>
+            <a:r>
+              <a:rPr lang="en-US" altLang="zh-CN" dirty="0">
+                <a:latin typeface="Times New Roman" panose="02020603050405020304" pitchFamily="18" charset="0"/>
+                <a:cs typeface="Times New Roman" panose="02020603050405020304" pitchFamily="18" charset="0"/>
+              </a:rPr>
+              <a:t>classifier</a:t>
+            </a:r>
+            <a:endParaRPr lang="zh-CN" altLang="en-US" dirty="0"/>
+          </a:p>
+        </p:txBody>
+      </p:sp>
+      <p:sp>
+        <p:nvSpPr>
+          <p:cNvPr id="41" name="矩形 40">
+            <a:extLst>
+              <a:ext uri="{FF2B5EF4-FFF2-40B4-BE49-F238E27FC236}">
+                <a16:creationId xmlns:a16="http://schemas.microsoft.com/office/drawing/2014/main" id="{A6046475-A2EE-4E42-961E-8BBE8A1F05C6}"/>
+              </a:ext>
+            </a:extLst>
+          </p:cNvPr>
+          <p:cNvSpPr/>
+          <p:nvPr/>
+        </p:nvSpPr>
+        <p:spPr>
+          <a:xfrm>
+            <a:off x="6138110" y="4429219"/>
+            <a:ext cx="3243196" cy="369332"/>
+          </a:xfrm>
+          <a:prstGeom prst="rect">
+            <a:avLst/>
+          </a:prstGeom>
+        </p:spPr>
+        <p:txBody>
+          <a:bodyPr wrap="none">
+            <a:spAutoFit/>
+          </a:bodyPr>
+          <a:lstStyle/>
+          <a:p>
+            <a:r>
+              <a:rPr lang="en-US" altLang="zh-CN" dirty="0">
+                <a:latin typeface="Times New Roman" panose="02020603050405020304" pitchFamily="18" charset="0"/>
+                <a:cs typeface="Times New Roman" panose="02020603050405020304" pitchFamily="18" charset="0"/>
+              </a:rPr>
+              <a:t>Classify vertices into categories. </a:t>
+            </a:r>
+            <a:endParaRPr lang="zh-CN" altLang="en-US" dirty="0"/>
+          </a:p>
+        </p:txBody>
+      </p:sp>
+      <p:sp>
+        <p:nvSpPr>
+          <p:cNvPr id="42" name="矩形 41">
+            <a:extLst>
+              <a:ext uri="{FF2B5EF4-FFF2-40B4-BE49-F238E27FC236}">
+                <a16:creationId xmlns:a16="http://schemas.microsoft.com/office/drawing/2014/main" id="{2570D868-EB27-417D-A20D-2CCF8713D5DA}"/>
+              </a:ext>
+            </a:extLst>
+          </p:cNvPr>
+          <p:cNvSpPr/>
+          <p:nvPr/>
+        </p:nvSpPr>
+        <p:spPr>
+          <a:xfrm>
+            <a:off x="3317642" y="2812578"/>
+            <a:ext cx="1588897" cy="369332"/>
+          </a:xfrm>
+          <a:prstGeom prst="rect">
+            <a:avLst/>
+          </a:prstGeom>
+        </p:spPr>
+        <p:txBody>
+          <a:bodyPr wrap="none">
+            <a:spAutoFit/>
+          </a:bodyPr>
+          <a:lstStyle/>
+          <a:p>
+            <a:r>
+              <a:rPr lang="en-US" altLang="zh-CN" dirty="0">
+                <a:latin typeface="Times New Roman" panose="02020603050405020304" pitchFamily="18" charset="0"/>
+                <a:cs typeface="Times New Roman" panose="02020603050405020304" pitchFamily="18" charset="0"/>
+              </a:rPr>
+              <a:t>attribute vector</a:t>
+            </a:r>
+            <a:endParaRPr lang="zh-CN" altLang="en-US" dirty="0"/>
+          </a:p>
+        </p:txBody>
+      </p:sp>
+      <p:sp>
+        <p:nvSpPr>
+          <p:cNvPr id="43" name="矩形 42">
+            <a:extLst>
+              <a:ext uri="{FF2B5EF4-FFF2-40B4-BE49-F238E27FC236}">
+                <a16:creationId xmlns:a16="http://schemas.microsoft.com/office/drawing/2014/main" id="{0F0AF68E-F9E4-48AE-AF64-D456DE243F9C}"/>
+              </a:ext>
+            </a:extLst>
+          </p:cNvPr>
+          <p:cNvSpPr/>
+          <p:nvPr/>
+        </p:nvSpPr>
+        <p:spPr>
+          <a:xfrm>
+            <a:off x="5546829" y="3419139"/>
+            <a:ext cx="6637266" cy="646331"/>
+          </a:xfrm>
+          <a:prstGeom prst="rect">
+            <a:avLst/>
+          </a:prstGeom>
+        </p:spPr>
+        <p:txBody>
+          <a:bodyPr wrap="none">
+            <a:spAutoFit/>
+          </a:bodyPr>
+          <a:lstStyle/>
+          <a:p>
+            <a:r>
+              <a:rPr lang="en-US" altLang="zh-CN" dirty="0" err="1">
+                <a:latin typeface="Times New Roman" panose="02020603050405020304" pitchFamily="18" charset="0"/>
+                <a:ea typeface="黑体" panose="02010609060101010101" pitchFamily="49" charset="-122"/>
+                <a:cs typeface="Times New Roman" panose="02020603050405020304" pitchFamily="18" charset="0"/>
+              </a:rPr>
+              <a:t>DeepWalk</a:t>
+            </a:r>
+            <a:r>
+              <a:rPr lang="en-US" altLang="zh-CN" dirty="0">
+                <a:latin typeface="Times New Roman" panose="02020603050405020304" pitchFamily="18" charset="0"/>
+                <a:ea typeface="黑体" panose="02010609060101010101" pitchFamily="49" charset="-122"/>
+                <a:cs typeface="Times New Roman" panose="02020603050405020304" pitchFamily="18" charset="0"/>
+              </a:rPr>
+              <a:t> helps us to get the </a:t>
+            </a:r>
+            <a:r>
+              <a:rPr lang="en-US" altLang="zh-CN" u="sng" dirty="0">
+                <a:latin typeface="Times New Roman" panose="02020603050405020304" pitchFamily="18" charset="0"/>
+                <a:ea typeface="黑体" panose="02010609060101010101" pitchFamily="49" charset="-122"/>
+                <a:cs typeface="Times New Roman" panose="02020603050405020304" pitchFamily="18" charset="0"/>
+              </a:rPr>
+              <a:t>vector representation </a:t>
+            </a:r>
+            <a:r>
+              <a:rPr lang="en-US" altLang="zh-CN" dirty="0">
+                <a:latin typeface="Times New Roman" panose="02020603050405020304" pitchFamily="18" charset="0"/>
+                <a:ea typeface="黑体" panose="02010609060101010101" pitchFamily="49" charset="-122"/>
+                <a:cs typeface="Times New Roman" panose="02020603050405020304" pitchFamily="18" charset="0"/>
+              </a:rPr>
+              <a:t>of  each vertex.</a:t>
+            </a:r>
+          </a:p>
+          <a:p>
+            <a:r>
+              <a:rPr lang="en-US" altLang="zh-CN" dirty="0">
+                <a:latin typeface="Times New Roman" panose="02020603050405020304" pitchFamily="18" charset="0"/>
+                <a:ea typeface="黑体" panose="02010609060101010101" pitchFamily="49" charset="-122"/>
+                <a:cs typeface="Times New Roman" panose="02020603050405020304" pitchFamily="18" charset="0"/>
+              </a:rPr>
+              <a:t>Unsupervised feature learning, </a:t>
+            </a:r>
+            <a:r>
+              <a:rPr lang="en-US" altLang="zh-CN" u="sng" dirty="0">
+                <a:latin typeface="Times New Roman" panose="02020603050405020304" pitchFamily="18" charset="0"/>
+                <a:ea typeface="黑体" panose="02010609060101010101" pitchFamily="49" charset="-122"/>
+                <a:cs typeface="Times New Roman" panose="02020603050405020304" pitchFamily="18" charset="0"/>
+              </a:rPr>
+              <a:t>independent of </a:t>
+            </a:r>
+            <a:r>
+              <a:rPr lang="en-US" altLang="zh-CN" dirty="0">
+                <a:latin typeface="Times New Roman" panose="02020603050405020304" pitchFamily="18" charset="0"/>
+                <a:ea typeface="黑体" panose="02010609060101010101" pitchFamily="49" charset="-122"/>
+                <a:cs typeface="Times New Roman" panose="02020603050405020304" pitchFamily="18" charset="0"/>
+              </a:rPr>
+              <a:t>the labels’ distribution.</a:t>
+            </a:r>
+            <a:endParaRPr lang="zh-CN" altLang="en-US" dirty="0"/>
+          </a:p>
+        </p:txBody>
+      </p:sp>
+      <p:cxnSp>
+        <p:nvCxnSpPr>
+          <p:cNvPr id="45" name="直接箭头连接符 44">
+            <a:extLst>
+              <a:ext uri="{FF2B5EF4-FFF2-40B4-BE49-F238E27FC236}">
+                <a16:creationId xmlns:a16="http://schemas.microsoft.com/office/drawing/2014/main" id="{20D65FB8-E127-451C-BD44-46FA3AE425A6}"/>
+              </a:ext>
+            </a:extLst>
+          </p:cNvPr>
+          <p:cNvCxnSpPr>
+            <a:cxnSpLocks/>
+          </p:cNvCxnSpPr>
+          <p:nvPr/>
+        </p:nvCxnSpPr>
+        <p:spPr>
+          <a:xfrm>
+            <a:off x="4901769" y="2997244"/>
+            <a:ext cx="645060" cy="479975"/>
+          </a:xfrm>
+          <a:prstGeom prst="straightConnector1">
+            <a:avLst/>
+          </a:prstGeom>
+          <a:ln w="28575">
+            <a:headEnd type="triangle"/>
+            <a:tailEnd type="triangle"/>
+          </a:ln>
+        </p:spPr>
+        <p:style>
+          <a:lnRef idx="1">
+            <a:schemeClr val="accent1"/>
+          </a:lnRef>
+          <a:fillRef idx="0">
+            <a:schemeClr val="accent1"/>
+          </a:fillRef>
+          <a:effectRef idx="0">
+            <a:schemeClr val="accent1"/>
+          </a:effectRef>
+          <a:fontRef idx="minor">
+            <a:schemeClr val="tx1"/>
+          </a:fontRef>
+        </p:style>
+      </p:cxnSp>
+      <p:cxnSp>
+        <p:nvCxnSpPr>
+          <p:cNvPr id="50" name="连接符: 曲线 49">
+            <a:extLst>
+              <a:ext uri="{FF2B5EF4-FFF2-40B4-BE49-F238E27FC236}">
+                <a16:creationId xmlns:a16="http://schemas.microsoft.com/office/drawing/2014/main" id="{14A8A4C3-8987-4184-A93E-F231E01F9547}"/>
+              </a:ext>
+            </a:extLst>
+          </p:cNvPr>
+          <p:cNvCxnSpPr>
+            <a:stCxn id="43" idx="0"/>
+            <a:endCxn id="12" idx="1"/>
+          </p:cNvCxnSpPr>
+          <p:nvPr/>
+        </p:nvCxnSpPr>
+        <p:spPr>
+          <a:xfrm rot="16200000" flipV="1">
+            <a:off x="6762461" y="1316137"/>
+            <a:ext cx="1665840" cy="2540163"/>
+          </a:xfrm>
+          <a:prstGeom prst="curvedConnector4">
+            <a:avLst>
+              <a:gd name="adj1" fmla="val 42698"/>
+              <a:gd name="adj2" fmla="val 113741"/>
+            </a:avLst>
+          </a:prstGeom>
+          <a:ln w="28575">
+            <a:tailEnd type="triangle"/>
+          </a:ln>
+        </p:spPr>
+        <p:style>
+          <a:lnRef idx="1">
+            <a:schemeClr val="accent1"/>
+          </a:lnRef>
+          <a:fillRef idx="0">
+            <a:schemeClr val="accent1"/>
+          </a:fillRef>
+          <a:effectRef idx="0">
+            <a:schemeClr val="accent1"/>
+          </a:effectRef>
+          <a:fontRef idx="minor">
+            <a:schemeClr val="tx1"/>
+          </a:fontRef>
+        </p:style>
+      </p:cxnSp>
+      <p:sp>
+        <p:nvSpPr>
+          <p:cNvPr id="52" name="矩形 51">
+            <a:extLst>
+              <a:ext uri="{FF2B5EF4-FFF2-40B4-BE49-F238E27FC236}">
+                <a16:creationId xmlns:a16="http://schemas.microsoft.com/office/drawing/2014/main" id="{2E8993CA-38DD-458B-A678-2F66C0989B73}"/>
+              </a:ext>
+            </a:extLst>
+          </p:cNvPr>
+          <p:cNvSpPr/>
+          <p:nvPr/>
+        </p:nvSpPr>
+        <p:spPr>
+          <a:xfrm>
+            <a:off x="7013170" y="2732867"/>
+            <a:ext cx="582211" cy="369332"/>
+          </a:xfrm>
+          <a:prstGeom prst="rect">
+            <a:avLst/>
+          </a:prstGeom>
+        </p:spPr>
+        <p:txBody>
+          <a:bodyPr wrap="none">
+            <a:spAutoFit/>
+          </a:bodyPr>
+          <a:lstStyle/>
+          <a:p>
+            <a:r>
+              <a:rPr lang="en-US" altLang="zh-CN" dirty="0">
+                <a:solidFill>
+                  <a:srgbClr val="FF0000"/>
+                </a:solidFill>
+                <a:latin typeface="Times New Roman" panose="02020603050405020304" pitchFamily="18" charset="0"/>
+                <a:cs typeface="Times New Roman" panose="02020603050405020304" pitchFamily="18" charset="0"/>
+              </a:rPr>
+              <a:t>goal</a:t>
+            </a:r>
+            <a:endParaRPr lang="zh-CN" altLang="en-US" dirty="0">
+              <a:solidFill>
+                <a:srgbClr val="FF0000"/>
+              </a:solidFill>
+            </a:endParaRPr>
+          </a:p>
+        </p:txBody>
+      </p:sp>
+    </p:spTree>
+    <p:extLst>
+      <p:ext uri="{BB962C8B-B14F-4D97-AF65-F5344CB8AC3E}">
+        <p14:creationId xmlns:p14="http://schemas.microsoft.com/office/powerpoint/2010/main" val="1913531228"/>
+      </p:ext>
+    </p:extLst>
+  </p:cSld>
+  <p:clrMapOvr>
+    <a:masterClrMapping/>
+  </p:clrMapOvr>
+</p:sld>
+</file>
+
+<file path=ppt/slides/slide3.xml><?xml version="1.0" encoding="utf-8"?>
+<p:sld xmlns:a="http://schemas.openxmlformats.org/drawingml/2006/main" xmlns:r="http://schemas.openxmlformats.org/officeDocument/2006/relationships" xmlns:p="http://schemas.openxmlformats.org/presentationml/2006/main">
+  <p:cSld>
+    <p:spTree>
+      <p:nvGrpSpPr>
+        <p:cNvPr id="1" name=""/>
+        <p:cNvGrpSpPr/>
+        <p:nvPr/>
+      </p:nvGrpSpPr>
+      <p:grpSpPr>
+        <a:xfrm>
+          <a:off x="0" y="0"/>
+          <a:ext cx="0" cy="0"/>
+          <a:chOff x="0" y="0"/>
+          <a:chExt cx="0" cy="0"/>
+        </a:xfrm>
+      </p:grpSpPr>
+      <mc:AlternateContent xmlns:mc="http://schemas.openxmlformats.org/markup-compatibility/2006">
+        <mc:Choice xmlns:a14="http://schemas.microsoft.com/office/drawing/2010/main" Requires="a14">
+          <p:graphicFrame>
+            <p:nvGraphicFramePr>
+              <p:cNvPr id="3" name="表格 2">
+                <a:extLst>
+                  <a:ext uri="{FF2B5EF4-FFF2-40B4-BE49-F238E27FC236}">
+                    <a16:creationId xmlns:a16="http://schemas.microsoft.com/office/drawing/2014/main" id="{F66640E6-E32B-4DB3-AB5E-C665FBE929A2}"/>
+                  </a:ext>
+                </a:extLst>
+              </p:cNvPr>
+              <p:cNvGraphicFramePr>
+                <a:graphicFrameLocks noGrp="1"/>
+              </p:cNvGraphicFramePr>
+              <p:nvPr>
+                <p:extLst>
+                  <p:ext uri="{D42A27DB-BD31-4B8C-83A1-F6EECF244321}">
+                    <p14:modId xmlns:p14="http://schemas.microsoft.com/office/powerpoint/2010/main" val="524435502"/>
+                  </p:ext>
+                </p:extLst>
+              </p:nvPr>
+            </p:nvGraphicFramePr>
+            <p:xfrm>
+              <a:off x="1503494" y="1525009"/>
+              <a:ext cx="8128000" cy="2225040"/>
+            </p:xfrm>
+            <a:graphic>
+              <a:graphicData uri="http://schemas.openxmlformats.org/drawingml/2006/table">
+                <a:tbl>
+                  <a:tblPr firstRow="1" bandRow="1">
+                    <a:tableStyleId>{5C22544A-7EE6-4342-B048-85BDC9FD1C3A}</a:tableStyleId>
+                  </a:tblPr>
+                  <a:tblGrid>
+                    <a:gridCol w="4064000">
+                      <a:extLst>
+                        <a:ext uri="{9D8B030D-6E8A-4147-A177-3AD203B41FA5}">
+                          <a16:colId xmlns:a16="http://schemas.microsoft.com/office/drawing/2014/main" val="1748551509"/>
+                        </a:ext>
+                      </a:extLst>
+                    </a:gridCol>
+                    <a:gridCol w="4064000">
+                      <a:extLst>
+                        <a:ext uri="{9D8B030D-6E8A-4147-A177-3AD203B41FA5}">
+                          <a16:colId xmlns:a16="http://schemas.microsoft.com/office/drawing/2014/main" val="1180267281"/>
+                        </a:ext>
+                      </a:extLst>
+                    </a:gridCol>
+                  </a:tblGrid>
+                  <a:tr h="370840">
+                    <a:tc>
+                      <a:txBody>
+                        <a:bodyPr/>
+                        <a:lstStyle/>
+                        <a:p>
+                          <a:pPr algn="ctr"/>
+                          <a:r>
+                            <a:rPr lang="en-US" altLang="zh-CN" dirty="0"/>
+                            <a:t>Vertex</a:t>
+                          </a:r>
+                          <a:endParaRPr lang="zh-CN" altLang="en-US" dirty="0"/>
+                        </a:p>
+                      </a:txBody>
+                      <a:tcPr/>
+                    </a:tc>
+                    <a:tc>
+                      <a:txBody>
+                        <a:bodyPr/>
+                        <a:lstStyle/>
+                        <a:p>
+                          <a:pPr algn="ctr"/>
+                          <a:r>
+                            <a:rPr lang="en-US" altLang="zh-CN" dirty="0"/>
+                            <a:t>One-hot encoding</a:t>
+                          </a:r>
+                          <a:endParaRPr lang="zh-CN" altLang="en-US" dirty="0"/>
+                        </a:p>
+                      </a:txBody>
+                      <a:tcPr/>
+                    </a:tc>
+                    <a:extLst>
+                      <a:ext uri="{0D108BD9-81ED-4DB2-BD59-A6C34878D82A}">
+                        <a16:rowId xmlns:a16="http://schemas.microsoft.com/office/drawing/2014/main" val="3143812712"/>
+                      </a:ext>
+                    </a:extLst>
+                  </a:tr>
+                  <a:tr h="370840">
+                    <a:tc>
+                      <a:txBody>
+                        <a:bodyPr/>
+                        <a:lstStyle/>
+                        <a:p>
+                          <a:pPr algn="ctr"/>
+                          <a:r>
+                            <a:rPr lang="en-US" altLang="zh-CN" dirty="0">
+                              <a:latin typeface="微软雅黑" panose="020B0503020204020204" pitchFamily="34" charset="-122"/>
+                              <a:ea typeface="微软雅黑" panose="020B0503020204020204" pitchFamily="34" charset="-122"/>
+                              <a:cs typeface="Times New Roman" panose="02020603050405020304" pitchFamily="18" charset="0"/>
+                            </a:rPr>
+                            <a:t>0</a:t>
+                          </a:r>
+                          <a:endParaRPr lang="zh-CN" altLang="en-US" dirty="0">
+                            <a:latin typeface="微软雅黑" panose="020B0503020204020204" pitchFamily="34" charset="-122"/>
+                            <a:ea typeface="微软雅黑" panose="020B0503020204020204" pitchFamily="34" charset="-122"/>
+                            <a:cs typeface="Times New Roman" panose="02020603050405020304" pitchFamily="18" charset="0"/>
+                          </a:endParaRPr>
+                        </a:p>
+                      </a:txBody>
+                      <a:tcPr/>
+                    </a:tc>
+                    <a:tc>
+                      <a:txBody>
+                        <a:bodyPr/>
+                        <a:lstStyle/>
+                        <a:p>
+                          <a14:m>
+                            <m:oMathPara xmlns:m="http://schemas.openxmlformats.org/officeDocument/2006/math">
+                              <m:oMathParaPr>
+                                <m:jc m:val="centerGroup"/>
+                              </m:oMathParaPr>
+                              <m:oMath xmlns:m="http://schemas.openxmlformats.org/officeDocument/2006/math">
+                                <m:sSub>
+                                  <m:sSubPr>
+                                    <m:ctrlPr>
+                                      <a:rPr lang="en-US" altLang="zh-CN" b="0" i="1" smtClean="0">
+                                        <a:latin typeface="Cambria Math" panose="02040503050406030204" pitchFamily="18" charset="0"/>
+                                      </a:rPr>
+                                    </m:ctrlPr>
+                                  </m:sSubPr>
+                                  <m:e>
+                                    <m:r>
+                                      <a:rPr lang="en-US" altLang="zh-CN" b="0" i="1" smtClean="0">
+                                        <a:latin typeface="Cambria Math" panose="02040503050406030204" pitchFamily="18" charset="0"/>
+                                      </a:rPr>
+                                      <m:t>𝑒</m:t>
+                                    </m:r>
+                                  </m:e>
+                                  <m:sub>
+                                    <m:r>
+                                      <a:rPr lang="en-US" altLang="zh-CN" b="0" i="1" smtClean="0">
+                                        <a:latin typeface="Cambria Math" panose="02040503050406030204" pitchFamily="18" charset="0"/>
+                                      </a:rPr>
+                                      <m:t>0</m:t>
+                                    </m:r>
+                                  </m:sub>
+                                </m:sSub>
+                                <m:r>
+                                  <a:rPr lang="en-US" altLang="zh-CN" b="0" i="1" smtClean="0">
+                                    <a:latin typeface="Cambria Math" panose="02040503050406030204" pitchFamily="18" charset="0"/>
+                                  </a:rPr>
+                                  <m:t>=[1, 0, 0,…,0]</m:t>
+                                </m:r>
+                              </m:oMath>
+                            </m:oMathPara>
+                          </a14:m>
+                          <a:endParaRPr lang="zh-CN" altLang="en-US" dirty="0"/>
+                        </a:p>
+                      </a:txBody>
+                      <a:tcPr/>
+                    </a:tc>
+                    <a:extLst>
+                      <a:ext uri="{0D108BD9-81ED-4DB2-BD59-A6C34878D82A}">
+                        <a16:rowId xmlns:a16="http://schemas.microsoft.com/office/drawing/2014/main" val="71195492"/>
+                      </a:ext>
+                    </a:extLst>
+                  </a:tr>
+                  <a:tr h="370840">
+                    <a:tc>
+                      <a:txBody>
+                        <a:bodyPr/>
+                        <a:lstStyle/>
+                        <a:p>
+                          <a:pPr algn="ctr"/>
+                          <a:r>
+                            <a:rPr lang="en-US" altLang="zh-CN" dirty="0">
+                              <a:latin typeface="微软雅黑" panose="020B0503020204020204" pitchFamily="34" charset="-122"/>
+                              <a:ea typeface="微软雅黑" panose="020B0503020204020204" pitchFamily="34" charset="-122"/>
+                              <a:cs typeface="Times New Roman" panose="02020603050405020304" pitchFamily="18" charset="0"/>
+                            </a:rPr>
+                            <a:t>1</a:t>
+                          </a:r>
+                          <a:endParaRPr lang="zh-CN" altLang="en-US" dirty="0">
+                            <a:latin typeface="微软雅黑" panose="020B0503020204020204" pitchFamily="34" charset="-122"/>
+                            <a:ea typeface="微软雅黑" panose="020B0503020204020204" pitchFamily="34" charset="-122"/>
+                            <a:cs typeface="Times New Roman" panose="02020603050405020304" pitchFamily="18" charset="0"/>
+                          </a:endParaRPr>
+                        </a:p>
+                      </a:txBody>
+                      <a:tcPr/>
+                    </a:tc>
+                    <a:tc>
+                      <a:txBody>
+                        <a:bodyPr/>
+                        <a:lstStyle/>
+                        <a:p>
+                          <a14:m>
+                            <m:oMathPara xmlns:m="http://schemas.openxmlformats.org/officeDocument/2006/math">
+                              <m:oMathParaPr>
+                                <m:jc m:val="centerGroup"/>
+                              </m:oMathParaPr>
+                              <m:oMath xmlns:m="http://schemas.openxmlformats.org/officeDocument/2006/math">
+                                <m:sSub>
+                                  <m:sSubPr>
+                                    <m:ctrlPr>
+                                      <a:rPr lang="en-US" altLang="zh-CN" b="0" i="1" smtClean="0">
+                                        <a:latin typeface="Cambria Math" panose="02040503050406030204" pitchFamily="18" charset="0"/>
+                                      </a:rPr>
+                                    </m:ctrlPr>
+                                  </m:sSubPr>
+                                  <m:e>
+                                    <m:r>
+                                      <a:rPr lang="en-US" altLang="zh-CN" b="0" i="1" smtClean="0">
+                                        <a:latin typeface="Cambria Math" panose="02040503050406030204" pitchFamily="18" charset="0"/>
+                                      </a:rPr>
+                                      <m:t>𝑒</m:t>
+                                    </m:r>
+                                  </m:e>
+                                  <m:sub>
+                                    <m:r>
+                                      <a:rPr lang="en-US" altLang="zh-CN" b="0" i="1" smtClean="0">
+                                        <a:latin typeface="Cambria Math" panose="02040503050406030204" pitchFamily="18" charset="0"/>
+                                      </a:rPr>
+                                      <m:t>1</m:t>
+                                    </m:r>
+                                  </m:sub>
+                                </m:sSub>
+                                <m:r>
+                                  <a:rPr lang="en-US" altLang="zh-CN" b="0" i="1" smtClean="0">
+                                    <a:latin typeface="Cambria Math" panose="02040503050406030204" pitchFamily="18" charset="0"/>
+                                  </a:rPr>
+                                  <m:t>=[</m:t>
+                                </m:r>
+                                <m:r>
+                                  <a:rPr lang="en-US" altLang="zh-CN" b="0" i="1" smtClean="0">
+                                    <a:latin typeface="Cambria Math" panose="02040503050406030204" pitchFamily="18" charset="0"/>
+                                  </a:rPr>
+                                  <m:t>0</m:t>
+                                </m:r>
+                                <m:r>
+                                  <a:rPr lang="en-US" altLang="zh-CN" b="0" i="1" smtClean="0">
+                                    <a:latin typeface="Cambria Math" panose="02040503050406030204" pitchFamily="18" charset="0"/>
+                                  </a:rPr>
+                                  <m:t>, </m:t>
+                                </m:r>
+                                <m:r>
+                                  <a:rPr lang="en-US" altLang="zh-CN" b="0" i="1" smtClean="0">
+                                    <a:latin typeface="Cambria Math" panose="02040503050406030204" pitchFamily="18" charset="0"/>
+                                  </a:rPr>
+                                  <m:t>1</m:t>
+                                </m:r>
+                                <m:r>
+                                  <a:rPr lang="en-US" altLang="zh-CN" b="0" i="1" smtClean="0">
+                                    <a:latin typeface="Cambria Math" panose="02040503050406030204" pitchFamily="18" charset="0"/>
+                                  </a:rPr>
+                                  <m:t>, 0,…,0]</m:t>
+                                </m:r>
+                              </m:oMath>
+                            </m:oMathPara>
+                          </a14:m>
+                          <a:endParaRPr lang="zh-CN" altLang="en-US" dirty="0"/>
+                        </a:p>
+                      </a:txBody>
+                      <a:tcPr/>
+                    </a:tc>
+                    <a:extLst>
+                      <a:ext uri="{0D108BD9-81ED-4DB2-BD59-A6C34878D82A}">
+                        <a16:rowId xmlns:a16="http://schemas.microsoft.com/office/drawing/2014/main" val="2245052409"/>
+                      </a:ext>
+                    </a:extLst>
+                  </a:tr>
+                  <a:tr h="370840">
+                    <a:tc>
+                      <a:txBody>
+                        <a:bodyPr/>
+                        <a:lstStyle/>
+                        <a:p>
+                          <a:pPr algn="ctr"/>
+                          <a:r>
+                            <a:rPr lang="en-US" altLang="zh-CN" dirty="0">
+                              <a:latin typeface="微软雅黑" panose="020B0503020204020204" pitchFamily="34" charset="-122"/>
+                              <a:ea typeface="微软雅黑" panose="020B0503020204020204" pitchFamily="34" charset="-122"/>
+                              <a:cs typeface="Times New Roman" panose="02020603050405020304" pitchFamily="18" charset="0"/>
+                            </a:rPr>
+                            <a:t>2</a:t>
+                          </a:r>
+                          <a:endParaRPr lang="zh-CN" altLang="en-US" dirty="0">
+                            <a:latin typeface="微软雅黑" panose="020B0503020204020204" pitchFamily="34" charset="-122"/>
+                            <a:ea typeface="微软雅黑" panose="020B0503020204020204" pitchFamily="34" charset="-122"/>
+                            <a:cs typeface="Times New Roman" panose="02020603050405020304" pitchFamily="18" charset="0"/>
+                          </a:endParaRPr>
+                        </a:p>
+                      </a:txBody>
+                      <a:tcPr/>
+                    </a:tc>
+                    <a:tc>
+                      <a:txBody>
+                        <a:bodyPr/>
+                        <a:lstStyle/>
+                        <a:p>
+                          <a:pPr marL="0" marR="0" lvl="0" indent="0" algn="l" defTabSz="914400" rtl="0" eaLnBrk="1" fontAlgn="auto" latinLnBrk="0" hangingPunct="1">
+                            <a:lnSpc>
+                              <a:spcPct val="100000"/>
+                            </a:lnSpc>
+                            <a:spcBef>
+                              <a:spcPts val="0"/>
+                            </a:spcBef>
+                            <a:spcAft>
+                              <a:spcPts val="0"/>
+                            </a:spcAft>
+                            <a:buClrTx/>
+                            <a:buSzTx/>
+                            <a:buFontTx/>
+                            <a:buNone/>
+                            <a:tabLst/>
+                            <a:defRPr/>
+                          </a:pPr>
+                          <a14:m>
+                            <m:oMathPara xmlns:m="http://schemas.openxmlformats.org/officeDocument/2006/math">
+                              <m:oMathParaPr>
+                                <m:jc m:val="centerGroup"/>
+                              </m:oMathParaPr>
+                              <m:oMath xmlns:m="http://schemas.openxmlformats.org/officeDocument/2006/math">
+                                <m:sSub>
+                                  <m:sSubPr>
+                                    <m:ctrlPr>
+                                      <a:rPr lang="en-US" altLang="zh-CN" b="0" i="1" smtClean="0">
+                                        <a:latin typeface="Cambria Math" panose="02040503050406030204" pitchFamily="18" charset="0"/>
+                                      </a:rPr>
+                                    </m:ctrlPr>
+                                  </m:sSubPr>
+                                  <m:e>
+                                    <m:r>
+                                      <a:rPr lang="en-US" altLang="zh-CN" b="0" i="1" smtClean="0">
+                                        <a:latin typeface="Cambria Math" panose="02040503050406030204" pitchFamily="18" charset="0"/>
+                                      </a:rPr>
+                                      <m:t>𝑒</m:t>
+                                    </m:r>
+                                  </m:e>
+                                  <m:sub>
+                                    <m:r>
+                                      <a:rPr lang="en-US" altLang="zh-CN" b="0" i="1" smtClean="0">
+                                        <a:latin typeface="Cambria Math" panose="02040503050406030204" pitchFamily="18" charset="0"/>
+                                      </a:rPr>
+                                      <m:t>2</m:t>
+                                    </m:r>
+                                  </m:sub>
+                                </m:sSub>
+                                <m:r>
+                                  <a:rPr lang="en-US" altLang="zh-CN" b="0" i="1" smtClean="0">
+                                    <a:latin typeface="Cambria Math" panose="02040503050406030204" pitchFamily="18" charset="0"/>
+                                  </a:rPr>
+                                  <m:t>=[0, </m:t>
+                                </m:r>
+                                <m:r>
+                                  <a:rPr lang="en-US" altLang="zh-CN" b="0" i="1" smtClean="0">
+                                    <a:latin typeface="Cambria Math" panose="02040503050406030204" pitchFamily="18" charset="0"/>
+                                  </a:rPr>
+                                  <m:t>0</m:t>
+                                </m:r>
+                                <m:r>
+                                  <a:rPr lang="en-US" altLang="zh-CN" b="0" i="1" smtClean="0">
+                                    <a:latin typeface="Cambria Math" panose="02040503050406030204" pitchFamily="18" charset="0"/>
+                                  </a:rPr>
+                                  <m:t>, </m:t>
+                                </m:r>
+                                <m:r>
+                                  <a:rPr lang="en-US" altLang="zh-CN" b="0" i="1" smtClean="0">
+                                    <a:latin typeface="Cambria Math" panose="02040503050406030204" pitchFamily="18" charset="0"/>
+                                  </a:rPr>
+                                  <m:t>1</m:t>
+                                </m:r>
+                                <m:r>
+                                  <a:rPr lang="en-US" altLang="zh-CN" b="0" i="1" smtClean="0">
+                                    <a:latin typeface="Cambria Math" panose="02040503050406030204" pitchFamily="18" charset="0"/>
+                                  </a:rPr>
+                                  <m:t>,…,0]</m:t>
+                                </m:r>
+                              </m:oMath>
+                            </m:oMathPara>
+                          </a14:m>
+                          <a:endParaRPr lang="zh-CN" altLang="en-US" dirty="0"/>
+                        </a:p>
+                      </a:txBody>
+                      <a:tcPr/>
+                    </a:tc>
+                    <a:extLst>
+                      <a:ext uri="{0D108BD9-81ED-4DB2-BD59-A6C34878D82A}">
+                        <a16:rowId xmlns:a16="http://schemas.microsoft.com/office/drawing/2014/main" val="1828038392"/>
+                      </a:ext>
+                    </a:extLst>
+                  </a:tr>
+                  <a:tr h="370840">
+                    <a:tc>
+                      <a:txBody>
+                        <a:bodyPr/>
+                        <a:lstStyle/>
+                        <a:p>
+                          <a:pPr algn="ctr"/>
+                          <a:r>
+                            <a:rPr lang="en-US" altLang="zh-CN" dirty="0">
+                              <a:latin typeface="微软雅黑" panose="020B0503020204020204" pitchFamily="34" charset="-122"/>
+                              <a:ea typeface="微软雅黑" panose="020B0503020204020204" pitchFamily="34" charset="-122"/>
+                              <a:cs typeface="Times New Roman" panose="02020603050405020304" pitchFamily="18" charset="0"/>
+                            </a:rPr>
+                            <a:t>3</a:t>
+                          </a:r>
+                          <a:endParaRPr lang="zh-CN" altLang="en-US" dirty="0">
+                            <a:latin typeface="微软雅黑" panose="020B0503020204020204" pitchFamily="34" charset="-122"/>
+                            <a:ea typeface="微软雅黑" panose="020B0503020204020204" pitchFamily="34" charset="-122"/>
+                            <a:cs typeface="Times New Roman" panose="02020603050405020304" pitchFamily="18" charset="0"/>
+                          </a:endParaRPr>
+                        </a:p>
+                      </a:txBody>
+                      <a:tcPr/>
+                    </a:tc>
+                    <a:tc>
+                      <a:txBody>
+                        <a:bodyPr/>
+                        <a:lstStyle/>
+                        <a:p>
+                          <a:endParaRPr lang="zh-CN" altLang="en-US" dirty="0"/>
+                        </a:p>
+                      </a:txBody>
+                      <a:tcPr/>
+                    </a:tc>
+                    <a:extLst>
+                      <a:ext uri="{0D108BD9-81ED-4DB2-BD59-A6C34878D82A}">
+                        <a16:rowId xmlns:a16="http://schemas.microsoft.com/office/drawing/2014/main" val="3266623670"/>
+                      </a:ext>
+                    </a:extLst>
+                  </a:tr>
+                  <a:tr h="370840">
+                    <a:tc>
+                      <a:txBody>
+                        <a:bodyPr/>
+                        <a:lstStyle/>
+                        <a:p>
+                          <a:pPr algn="ctr"/>
+                          <a:r>
+                            <a:rPr lang="en-US" altLang="zh-CN" dirty="0">
+                              <a:latin typeface="微软雅黑" panose="020B0503020204020204" pitchFamily="34" charset="-122"/>
+                              <a:ea typeface="微软雅黑" panose="020B0503020204020204" pitchFamily="34" charset="-122"/>
+                              <a:cs typeface="Times New Roman" panose="02020603050405020304" pitchFamily="18" charset="0"/>
+                            </a:rPr>
+                            <a:t>···</a:t>
+                          </a:r>
+                          <a:endParaRPr lang="zh-CN" altLang="en-US" dirty="0">
+                            <a:latin typeface="微软雅黑" panose="020B0503020204020204" pitchFamily="34" charset="-122"/>
+                            <a:ea typeface="微软雅黑" panose="020B0503020204020204" pitchFamily="34" charset="-122"/>
+                            <a:cs typeface="Times New Roman" panose="02020603050405020304" pitchFamily="18" charset="0"/>
+                          </a:endParaRPr>
+                        </a:p>
+                      </a:txBody>
+                      <a:tcPr/>
+                    </a:tc>
+                    <a:tc>
+                      <a:txBody>
+                        <a:bodyPr/>
+                        <a:lstStyle/>
+                        <a:p>
+                          <a:r>
+                            <a:rPr lang="en-US" altLang="zh-CN" dirty="0"/>
+                            <a:t>···</a:t>
+                          </a:r>
+                          <a:endParaRPr lang="zh-CN" altLang="en-US" dirty="0"/>
+                        </a:p>
+                      </a:txBody>
+                      <a:tcPr/>
+                    </a:tc>
+                    <a:extLst>
+                      <a:ext uri="{0D108BD9-81ED-4DB2-BD59-A6C34878D82A}">
+                        <a16:rowId xmlns:a16="http://schemas.microsoft.com/office/drawing/2014/main" val="3063401826"/>
+                      </a:ext>
+                    </a:extLst>
+                  </a:tr>
+                </a:tbl>
+              </a:graphicData>
+            </a:graphic>
+          </p:graphicFrame>
+        </mc:Choice>
+        <mc:Fallback>
+          <p:graphicFrame>
+            <p:nvGraphicFramePr>
+              <p:cNvPr id="3" name="表格 2">
+                <a:extLst>
+                  <a:ext uri="{FF2B5EF4-FFF2-40B4-BE49-F238E27FC236}">
+                    <a16:creationId xmlns:a16="http://schemas.microsoft.com/office/drawing/2014/main" id="{F66640E6-E32B-4DB3-AB5E-C665FBE929A2}"/>
+                  </a:ext>
+                </a:extLst>
+              </p:cNvPr>
+              <p:cNvGraphicFramePr>
+                <a:graphicFrameLocks noGrp="1"/>
+              </p:cNvGraphicFramePr>
+              <p:nvPr>
+                <p:extLst>
+                  <p:ext uri="{D42A27DB-BD31-4B8C-83A1-F6EECF244321}">
+                    <p14:modId xmlns:p14="http://schemas.microsoft.com/office/powerpoint/2010/main" val="524435502"/>
+                  </p:ext>
+                </p:extLst>
+              </p:nvPr>
+            </p:nvGraphicFramePr>
+            <p:xfrm>
+              <a:off x="1503494" y="1525009"/>
+              <a:ext cx="8128000" cy="2225040"/>
+            </p:xfrm>
+            <a:graphic>
+              <a:graphicData uri="http://schemas.openxmlformats.org/drawingml/2006/table">
+                <a:tbl>
+                  <a:tblPr firstRow="1" bandRow="1">
+                    <a:tableStyleId>{5C22544A-7EE6-4342-B048-85BDC9FD1C3A}</a:tableStyleId>
+                  </a:tblPr>
+                  <a:tblGrid>
+                    <a:gridCol w="4064000">
+                      <a:extLst>
+                        <a:ext uri="{9D8B030D-6E8A-4147-A177-3AD203B41FA5}">
+                          <a16:colId xmlns:a16="http://schemas.microsoft.com/office/drawing/2014/main" val="1748551509"/>
+                        </a:ext>
+                      </a:extLst>
+                    </a:gridCol>
+                    <a:gridCol w="4064000">
+                      <a:extLst>
+                        <a:ext uri="{9D8B030D-6E8A-4147-A177-3AD203B41FA5}">
+                          <a16:colId xmlns:a16="http://schemas.microsoft.com/office/drawing/2014/main" val="1180267281"/>
+                        </a:ext>
+                      </a:extLst>
+                    </a:gridCol>
+                  </a:tblGrid>
+                  <a:tr h="370840">
+                    <a:tc>
+                      <a:txBody>
+                        <a:bodyPr/>
+                        <a:lstStyle/>
+                        <a:p>
+                          <a:pPr algn="ctr"/>
+                          <a:r>
+                            <a:rPr lang="en-US" altLang="zh-CN" dirty="0"/>
+                            <a:t>Vertex</a:t>
+                          </a:r>
+                          <a:endParaRPr lang="zh-CN" altLang="en-US" dirty="0"/>
+                        </a:p>
+                      </a:txBody>
+                      <a:tcPr/>
+                    </a:tc>
+                    <a:tc>
+                      <a:txBody>
+                        <a:bodyPr/>
+                        <a:lstStyle/>
+                        <a:p>
+                          <a:pPr algn="ctr"/>
+                          <a:r>
+                            <a:rPr lang="en-US" altLang="zh-CN" dirty="0"/>
+                            <a:t>One-hot encoding</a:t>
+                          </a:r>
+                          <a:endParaRPr lang="zh-CN" altLang="en-US" dirty="0"/>
+                        </a:p>
+                      </a:txBody>
+                      <a:tcPr/>
+                    </a:tc>
+                    <a:extLst>
+                      <a:ext uri="{0D108BD9-81ED-4DB2-BD59-A6C34878D82A}">
+                        <a16:rowId xmlns:a16="http://schemas.microsoft.com/office/drawing/2014/main" val="3143812712"/>
+                      </a:ext>
+                    </a:extLst>
+                  </a:tr>
+                  <a:tr h="370840">
+                    <a:tc>
+                      <a:txBody>
+                        <a:bodyPr/>
+                        <a:lstStyle/>
+                        <a:p>
+                          <a:pPr algn="ctr"/>
+                          <a:r>
+                            <a:rPr lang="en-US" altLang="zh-CN" dirty="0">
+                              <a:latin typeface="微软雅黑" panose="020B0503020204020204" pitchFamily="34" charset="-122"/>
+                              <a:ea typeface="微软雅黑" panose="020B0503020204020204" pitchFamily="34" charset="-122"/>
+                              <a:cs typeface="Times New Roman" panose="02020603050405020304" pitchFamily="18" charset="0"/>
+                            </a:rPr>
+                            <a:t>0</a:t>
+                          </a:r>
+                          <a:endParaRPr lang="zh-CN" altLang="en-US" dirty="0">
+                            <a:latin typeface="微软雅黑" panose="020B0503020204020204" pitchFamily="34" charset="-122"/>
+                            <a:ea typeface="微软雅黑" panose="020B0503020204020204" pitchFamily="34" charset="-122"/>
+                            <a:cs typeface="Times New Roman" panose="02020603050405020304" pitchFamily="18" charset="0"/>
+                          </a:endParaRPr>
+                        </a:p>
+                      </a:txBody>
+                      <a:tcPr/>
+                    </a:tc>
+                    <a:tc>
+                      <a:txBody>
+                        <a:bodyPr/>
+                        <a:lstStyle/>
+                        <a:p>
+                          <a:endParaRPr lang="zh-CN"/>
+                        </a:p>
+                      </a:txBody>
+                      <a:tcPr>
+                        <a:blipFill>
+                          <a:blip r:embed="rId2"/>
+                          <a:stretch>
+                            <a:fillRect l="-100150" t="-108197" r="-750" b="-422951"/>
+                          </a:stretch>
+                        </a:blipFill>
+                      </a:tcPr>
+                    </a:tc>
+                    <a:extLst>
+                      <a:ext uri="{0D108BD9-81ED-4DB2-BD59-A6C34878D82A}">
+                        <a16:rowId xmlns:a16="http://schemas.microsoft.com/office/drawing/2014/main" val="71195492"/>
+                      </a:ext>
+                    </a:extLst>
+                  </a:tr>
+                  <a:tr h="370840">
+                    <a:tc>
+                      <a:txBody>
+                        <a:bodyPr/>
+                        <a:lstStyle/>
+                        <a:p>
+                          <a:pPr algn="ctr"/>
+                          <a:r>
+                            <a:rPr lang="en-US" altLang="zh-CN" dirty="0">
+                              <a:latin typeface="微软雅黑" panose="020B0503020204020204" pitchFamily="34" charset="-122"/>
+                              <a:ea typeface="微软雅黑" panose="020B0503020204020204" pitchFamily="34" charset="-122"/>
+                              <a:cs typeface="Times New Roman" panose="02020603050405020304" pitchFamily="18" charset="0"/>
+                            </a:rPr>
+                            <a:t>1</a:t>
+                          </a:r>
+                          <a:endParaRPr lang="zh-CN" altLang="en-US" dirty="0">
+                            <a:latin typeface="微软雅黑" panose="020B0503020204020204" pitchFamily="34" charset="-122"/>
+                            <a:ea typeface="微软雅黑" panose="020B0503020204020204" pitchFamily="34" charset="-122"/>
+                            <a:cs typeface="Times New Roman" panose="02020603050405020304" pitchFamily="18" charset="0"/>
+                          </a:endParaRPr>
+                        </a:p>
+                      </a:txBody>
+                      <a:tcPr/>
+                    </a:tc>
+                    <a:tc>
+                      <a:txBody>
+                        <a:bodyPr/>
+                        <a:lstStyle/>
+                        <a:p>
+                          <a:endParaRPr lang="zh-CN"/>
+                        </a:p>
+                      </a:txBody>
+                      <a:tcPr>
+                        <a:blipFill>
+                          <a:blip r:embed="rId2"/>
+                          <a:stretch>
+                            <a:fillRect l="-100150" t="-208197" r="-750" b="-322951"/>
+                          </a:stretch>
+                        </a:blipFill>
+                      </a:tcPr>
+                    </a:tc>
+                    <a:extLst>
+                      <a:ext uri="{0D108BD9-81ED-4DB2-BD59-A6C34878D82A}">
+                        <a16:rowId xmlns:a16="http://schemas.microsoft.com/office/drawing/2014/main" val="2245052409"/>
+                      </a:ext>
+                    </a:extLst>
+                  </a:tr>
+                  <a:tr h="370840">
+                    <a:tc>
+                      <a:txBody>
+                        <a:bodyPr/>
+                        <a:lstStyle/>
+                        <a:p>
+                          <a:pPr algn="ctr"/>
+                          <a:r>
+                            <a:rPr lang="en-US" altLang="zh-CN" dirty="0">
+                              <a:latin typeface="微软雅黑" panose="020B0503020204020204" pitchFamily="34" charset="-122"/>
+                              <a:ea typeface="微软雅黑" panose="020B0503020204020204" pitchFamily="34" charset="-122"/>
+                              <a:cs typeface="Times New Roman" panose="02020603050405020304" pitchFamily="18" charset="0"/>
+                            </a:rPr>
+                            <a:t>2</a:t>
+                          </a:r>
+                          <a:endParaRPr lang="zh-CN" altLang="en-US" dirty="0">
+                            <a:latin typeface="微软雅黑" panose="020B0503020204020204" pitchFamily="34" charset="-122"/>
+                            <a:ea typeface="微软雅黑" panose="020B0503020204020204" pitchFamily="34" charset="-122"/>
+                            <a:cs typeface="Times New Roman" panose="02020603050405020304" pitchFamily="18" charset="0"/>
+                          </a:endParaRPr>
+                        </a:p>
+                      </a:txBody>
+                      <a:tcPr/>
+                    </a:tc>
+                    <a:tc>
+                      <a:txBody>
+                        <a:bodyPr/>
+                        <a:lstStyle/>
+                        <a:p>
+                          <a:endParaRPr lang="zh-CN"/>
+                        </a:p>
+                      </a:txBody>
+                      <a:tcPr>
+                        <a:blipFill>
+                          <a:blip r:embed="rId2"/>
+                          <a:stretch>
+                            <a:fillRect l="-100150" t="-308197" r="-750" b="-222951"/>
+                          </a:stretch>
+                        </a:blipFill>
+                      </a:tcPr>
+                    </a:tc>
+                    <a:extLst>
+                      <a:ext uri="{0D108BD9-81ED-4DB2-BD59-A6C34878D82A}">
+                        <a16:rowId xmlns:a16="http://schemas.microsoft.com/office/drawing/2014/main" val="1828038392"/>
+                      </a:ext>
+                    </a:extLst>
+                  </a:tr>
+                  <a:tr h="370840">
+                    <a:tc>
+                      <a:txBody>
+                        <a:bodyPr/>
+                        <a:lstStyle/>
+                        <a:p>
+                          <a:pPr algn="ctr"/>
+                          <a:r>
+                            <a:rPr lang="en-US" altLang="zh-CN" dirty="0">
+                              <a:latin typeface="微软雅黑" panose="020B0503020204020204" pitchFamily="34" charset="-122"/>
+                              <a:ea typeface="微软雅黑" panose="020B0503020204020204" pitchFamily="34" charset="-122"/>
+                              <a:cs typeface="Times New Roman" panose="02020603050405020304" pitchFamily="18" charset="0"/>
+                            </a:rPr>
+                            <a:t>3</a:t>
+                          </a:r>
+                          <a:endParaRPr lang="zh-CN" altLang="en-US" dirty="0">
+                            <a:latin typeface="微软雅黑" panose="020B0503020204020204" pitchFamily="34" charset="-122"/>
+                            <a:ea typeface="微软雅黑" panose="020B0503020204020204" pitchFamily="34" charset="-122"/>
+                            <a:cs typeface="Times New Roman" panose="02020603050405020304" pitchFamily="18" charset="0"/>
+                          </a:endParaRPr>
+                        </a:p>
+                      </a:txBody>
+                      <a:tcPr/>
+                    </a:tc>
+                    <a:tc>
+                      <a:txBody>
+                        <a:bodyPr/>
+                        <a:lstStyle/>
+                        <a:p>
+                          <a:endParaRPr lang="zh-CN" altLang="en-US" dirty="0"/>
+                        </a:p>
+                      </a:txBody>
+                      <a:tcPr/>
+                    </a:tc>
+                    <a:extLst>
+                      <a:ext uri="{0D108BD9-81ED-4DB2-BD59-A6C34878D82A}">
+                        <a16:rowId xmlns:a16="http://schemas.microsoft.com/office/drawing/2014/main" val="3266623670"/>
+                      </a:ext>
+                    </a:extLst>
+                  </a:tr>
+                  <a:tr h="370840">
+                    <a:tc>
+                      <a:txBody>
+                        <a:bodyPr/>
+                        <a:lstStyle/>
+                        <a:p>
+                          <a:pPr algn="ctr"/>
+                          <a:r>
+                            <a:rPr lang="en-US" altLang="zh-CN" dirty="0">
+                              <a:latin typeface="微软雅黑" panose="020B0503020204020204" pitchFamily="34" charset="-122"/>
+                              <a:ea typeface="微软雅黑" panose="020B0503020204020204" pitchFamily="34" charset="-122"/>
+                              <a:cs typeface="Times New Roman" panose="02020603050405020304" pitchFamily="18" charset="0"/>
+                            </a:rPr>
+                            <a:t>···</a:t>
+                          </a:r>
+                          <a:endParaRPr lang="zh-CN" altLang="en-US" dirty="0">
+                            <a:latin typeface="微软雅黑" panose="020B0503020204020204" pitchFamily="34" charset="-122"/>
+                            <a:ea typeface="微软雅黑" panose="020B0503020204020204" pitchFamily="34" charset="-122"/>
+                            <a:cs typeface="Times New Roman" panose="02020603050405020304" pitchFamily="18" charset="0"/>
+                          </a:endParaRPr>
+                        </a:p>
+                      </a:txBody>
+                      <a:tcPr/>
+                    </a:tc>
+                    <a:tc>
+                      <a:txBody>
+                        <a:bodyPr/>
+                        <a:lstStyle/>
+                        <a:p>
+                          <a:r>
+                            <a:rPr lang="en-US" altLang="zh-CN" dirty="0"/>
+                            <a:t>···</a:t>
+                          </a:r>
+                          <a:endParaRPr lang="zh-CN" altLang="en-US" dirty="0"/>
+                        </a:p>
+                      </a:txBody>
+                      <a:tcPr/>
+                    </a:tc>
+                    <a:extLst>
+                      <a:ext uri="{0D108BD9-81ED-4DB2-BD59-A6C34878D82A}">
+                        <a16:rowId xmlns:a16="http://schemas.microsoft.com/office/drawing/2014/main" val="3063401826"/>
+                      </a:ext>
+                    </a:extLst>
+                  </a:tr>
+                </a:tbl>
+              </a:graphicData>
+            </a:graphic>
+          </p:graphicFrame>
+        </mc:Fallback>
+      </mc:AlternateContent>
+      <mc:AlternateContent xmlns:mc="http://schemas.openxmlformats.org/markup-compatibility/2006">
+        <mc:Choice xmlns:a14="http://schemas.microsoft.com/office/drawing/2010/main" Requires="a14">
+          <p:sp>
+            <p:nvSpPr>
+              <p:cNvPr id="4" name="矩形 3">
+                <a:extLst>
+                  <a:ext uri="{FF2B5EF4-FFF2-40B4-BE49-F238E27FC236}">
+                    <a16:creationId xmlns:a16="http://schemas.microsoft.com/office/drawing/2014/main" id="{7ACD0971-9307-4AF8-979A-819D9AAD193D}"/>
+                  </a:ext>
+                </a:extLst>
+              </p:cNvPr>
+              <p:cNvSpPr/>
+              <p:nvPr/>
+            </p:nvSpPr>
+            <p:spPr>
+              <a:xfrm>
+                <a:off x="1332330" y="299799"/>
+                <a:ext cx="6315255" cy="948208"/>
+              </a:xfrm>
+              <a:prstGeom prst="rect">
+                <a:avLst/>
+              </a:prstGeom>
+            </p:spPr>
+            <p:txBody>
+              <a:bodyPr wrap="none">
+                <a:spAutoFit/>
+              </a:bodyPr>
+              <a:lstStyle/>
+              <a:p>
+                <a:pPr marL="285750" indent="-285750">
+                  <a:buFont typeface="Arial" panose="020B0604020202020204" pitchFamily="34" charset="0"/>
+                  <a:buChar char="•"/>
+                </a:pPr>
+                <a:r>
+                  <a:rPr lang="en-US" altLang="zh-CN" dirty="0">
+                    <a:latin typeface="Times New Roman" panose="02020603050405020304" pitchFamily="18" charset="0"/>
+                    <a:ea typeface="黑体" panose="02010609060101010101" pitchFamily="49" charset="-122"/>
+                    <a:cs typeface="Times New Roman" panose="02020603050405020304" pitchFamily="18" charset="0"/>
+                  </a:rPr>
+                  <a:t>Represent vertex using one-hot vectors.</a:t>
+                </a:r>
+              </a:p>
+              <a:p>
+                <a:pPr marL="742950" lvl="1" indent="-285750">
+                  <a:buFont typeface="Arial" panose="020B0604020202020204" pitchFamily="34" charset="0"/>
+                  <a:buChar char="•"/>
+                </a:pPr>
+                <a14:m>
+                  <m:oMath xmlns:m="http://schemas.openxmlformats.org/officeDocument/2006/math">
+                    <m:r>
+                      <a:rPr lang="en-US" altLang="zh-CN" b="0" i="1" smtClean="0">
+                        <a:latin typeface="Cambria Math" panose="02040503050406030204" pitchFamily="18" charset="0"/>
+                      </a:rPr>
+                      <m:t>|</m:t>
+                    </m:r>
+                    <m:r>
+                      <a:rPr lang="en-US" altLang="zh-CN" b="0" i="1" smtClean="0">
+                        <a:latin typeface="Cambria Math" panose="02040503050406030204" pitchFamily="18" charset="0"/>
+                      </a:rPr>
+                      <m:t>𝑉</m:t>
+                    </m:r>
+                    <m:r>
+                      <a:rPr lang="en-US" altLang="zh-CN" b="0" i="1" smtClean="0">
+                        <a:latin typeface="Cambria Math" panose="02040503050406030204" pitchFamily="18" charset="0"/>
+                      </a:rPr>
+                      <m:t>|</m:t>
+                    </m:r>
+                  </m:oMath>
+                </a14:m>
+                <a:r>
+                  <a:rPr lang="en-US" altLang="zh-CN" dirty="0">
+                    <a:latin typeface="Times New Roman" panose="02020603050405020304" pitchFamily="18" charset="0"/>
+                    <a:ea typeface="黑体" panose="02010609060101010101" pitchFamily="49" charset="-122"/>
+                    <a:cs typeface="Times New Roman" panose="02020603050405020304" pitchFamily="18" charset="0"/>
+                  </a:rPr>
+                  <a:t> unique vertices.</a:t>
+                </a:r>
+              </a:p>
+              <a:p>
+                <a:pPr marL="742950" lvl="1" indent="-285750">
+                  <a:buFont typeface="Arial" panose="020B0604020202020204" pitchFamily="34" charset="0"/>
+                  <a:buChar char="•"/>
+                </a:pPr>
+                <a:r>
+                  <a:rPr lang="en-US" altLang="zh-CN" dirty="0">
+                    <a:latin typeface="Times New Roman" panose="02020603050405020304" pitchFamily="18" charset="0"/>
+                    <a:ea typeface="黑体" panose="02010609060101010101" pitchFamily="49" charset="-122"/>
+                    <a:cs typeface="Times New Roman" panose="02020603050405020304" pitchFamily="18" charset="0"/>
+                  </a:rPr>
+                  <a:t>Then one-hot vector </a:t>
+                </a:r>
+                <a14:m>
+                  <m:oMath xmlns:m="http://schemas.openxmlformats.org/officeDocument/2006/math">
+                    <m:sSub>
+                      <m:sSubPr>
+                        <m:ctrlPr>
+                          <a:rPr lang="en-US" altLang="zh-CN" i="1">
+                            <a:latin typeface="Cambria Math" panose="02040503050406030204" pitchFamily="18" charset="0"/>
+                          </a:rPr>
+                        </m:ctrlPr>
+                      </m:sSubPr>
+                      <m:e>
+                        <m:r>
+                          <a:rPr lang="en-US" altLang="zh-CN" i="1">
+                            <a:latin typeface="Cambria Math" panose="02040503050406030204" pitchFamily="18" charset="0"/>
+                          </a:rPr>
+                          <m:t>𝑒</m:t>
+                        </m:r>
+                      </m:e>
+                      <m:sub>
+                        <m:r>
+                          <a:rPr lang="en-US" altLang="zh-CN" i="1">
+                            <a:latin typeface="Cambria Math" panose="02040503050406030204" pitchFamily="18" charset="0"/>
+                          </a:rPr>
+                          <m:t>0</m:t>
+                        </m:r>
+                      </m:sub>
+                    </m:sSub>
+                    <m:r>
+                      <a:rPr lang="en-US" altLang="zh-CN" b="0" i="0" smtClean="0">
+                        <a:latin typeface="Cambria Math" panose="02040503050406030204" pitchFamily="18" charset="0"/>
+                      </a:rPr>
+                      <m:t>,</m:t>
+                    </m:r>
+                    <m:sSub>
+                      <m:sSubPr>
+                        <m:ctrlPr>
+                          <a:rPr lang="en-US" altLang="zh-CN" i="1">
+                            <a:latin typeface="Cambria Math" panose="02040503050406030204" pitchFamily="18" charset="0"/>
+                          </a:rPr>
+                        </m:ctrlPr>
+                      </m:sSubPr>
+                      <m:e>
+                        <m:r>
+                          <a:rPr lang="en-US" altLang="zh-CN" i="1">
+                            <a:latin typeface="Cambria Math" panose="02040503050406030204" pitchFamily="18" charset="0"/>
+                          </a:rPr>
+                          <m:t>𝑒</m:t>
+                        </m:r>
+                      </m:e>
+                      <m:sub>
+                        <m:r>
+                          <a:rPr lang="en-US" altLang="zh-CN" b="0" i="1" smtClean="0">
+                            <a:latin typeface="Cambria Math" panose="02040503050406030204" pitchFamily="18" charset="0"/>
+                          </a:rPr>
+                          <m:t>1 </m:t>
+                        </m:r>
+                      </m:sub>
+                    </m:sSub>
+                    <m:r>
+                      <a:rPr lang="en-US" altLang="zh-CN" b="0" i="1" smtClean="0">
+                        <a:latin typeface="Cambria Math" panose="02040503050406030204" pitchFamily="18" charset="0"/>
+                      </a:rPr>
+                      <m:t>, </m:t>
+                    </m:r>
+                    <m:sSub>
+                      <m:sSubPr>
+                        <m:ctrlPr>
+                          <a:rPr lang="en-US" altLang="zh-CN" b="0" i="1" smtClean="0">
+                            <a:latin typeface="Cambria Math" panose="02040503050406030204" pitchFamily="18" charset="0"/>
+                          </a:rPr>
+                        </m:ctrlPr>
+                      </m:sSubPr>
+                      <m:e>
+                        <m:r>
+                          <a:rPr lang="en-US" altLang="zh-CN" b="0" i="1" smtClean="0">
+                            <a:latin typeface="Cambria Math" panose="02040503050406030204" pitchFamily="18" charset="0"/>
+                          </a:rPr>
+                          <m:t>𝑒</m:t>
+                        </m:r>
+                      </m:e>
+                      <m:sub>
+                        <m:r>
+                          <a:rPr lang="en-US" altLang="zh-CN" b="0" i="1" smtClean="0">
+                            <a:latin typeface="Cambria Math" panose="02040503050406030204" pitchFamily="18" charset="0"/>
+                          </a:rPr>
+                          <m:t>2</m:t>
+                        </m:r>
+                      </m:sub>
+                    </m:sSub>
+                    <m:r>
+                      <a:rPr lang="en-US" altLang="zh-CN" b="0" i="1" smtClean="0">
+                        <a:latin typeface="Cambria Math" panose="02040503050406030204" pitchFamily="18" charset="0"/>
+                      </a:rPr>
+                      <m:t>, </m:t>
+                    </m:r>
+                    <m:r>
+                      <a:rPr lang="en-US" altLang="zh-CN" i="1">
+                        <a:latin typeface="Cambria Math" panose="02040503050406030204" pitchFamily="18" charset="0"/>
+                      </a:rPr>
+                      <m:t>·</m:t>
+                    </m:r>
+                    <m:r>
+                      <a:rPr lang="en-US" altLang="zh-CN" i="1" smtClean="0">
+                        <a:latin typeface="Cambria Math" panose="02040503050406030204" pitchFamily="18" charset="0"/>
+                      </a:rPr>
+                      <m:t>·</m:t>
+                    </m:r>
+                    <m:r>
+                      <a:rPr lang="en-US" altLang="zh-CN" i="1">
+                        <a:latin typeface="Cambria Math" panose="02040503050406030204" pitchFamily="18" charset="0"/>
+                      </a:rPr>
+                      <m:t>·</m:t>
+                    </m:r>
+                    <m:r>
+                      <a:rPr lang="en-US" altLang="zh-CN" b="0" i="1" smtClean="0">
+                        <a:latin typeface="Cambria Math" panose="02040503050406030204" pitchFamily="18" charset="0"/>
+                      </a:rPr>
+                      <m:t>, </m:t>
+                    </m:r>
+                    <m:sSub>
+                      <m:sSubPr>
+                        <m:ctrlPr>
+                          <a:rPr lang="en-US" altLang="zh-CN" b="0" i="1" smtClean="0">
+                            <a:latin typeface="Cambria Math" panose="02040503050406030204" pitchFamily="18" charset="0"/>
+                          </a:rPr>
+                        </m:ctrlPr>
+                      </m:sSubPr>
+                      <m:e>
+                        <m:r>
+                          <a:rPr lang="en-US" altLang="zh-CN" b="0" i="1" smtClean="0">
+                            <a:latin typeface="Cambria Math" panose="02040503050406030204" pitchFamily="18" charset="0"/>
+                          </a:rPr>
+                          <m:t>𝑒</m:t>
+                        </m:r>
+                      </m:e>
+                      <m:sub>
+                        <m:r>
+                          <a:rPr lang="en-US" altLang="zh-CN" b="0" i="1" smtClean="0">
+                            <a:latin typeface="Cambria Math" panose="02040503050406030204" pitchFamily="18" charset="0"/>
+                          </a:rPr>
+                          <m:t>|</m:t>
+                        </m:r>
+                        <m:r>
+                          <a:rPr lang="en-US" altLang="zh-CN" b="0" i="1" smtClean="0">
+                            <a:latin typeface="Cambria Math" panose="02040503050406030204" pitchFamily="18" charset="0"/>
+                          </a:rPr>
+                          <m:t>𝑉</m:t>
+                        </m:r>
+                        <m:r>
+                          <a:rPr lang="en-US" altLang="zh-CN" b="0" i="1" smtClean="0">
+                            <a:latin typeface="Cambria Math" panose="02040503050406030204" pitchFamily="18" charset="0"/>
+                          </a:rPr>
+                          <m:t>|</m:t>
+                        </m:r>
+                      </m:sub>
+                    </m:sSub>
+                  </m:oMath>
+                </a14:m>
+                <a:r>
+                  <a:rPr lang="zh-CN" altLang="en-US" dirty="0"/>
+                  <a:t> </a:t>
+                </a:r>
+                <a:r>
+                  <a:rPr lang="en-US" altLang="zh-CN" dirty="0">
+                    <a:latin typeface="Times New Roman" panose="02020603050405020304" pitchFamily="18" charset="0"/>
+                    <a:cs typeface="Times New Roman" panose="02020603050405020304" pitchFamily="18" charset="0"/>
+                  </a:rPr>
+                  <a:t>is </a:t>
+                </a:r>
+                <a14:m>
+                  <m:oMath xmlns:m="http://schemas.openxmlformats.org/officeDocument/2006/math">
+                    <m:r>
+                      <a:rPr lang="en-US" altLang="zh-CN" i="1">
+                        <a:latin typeface="Cambria Math" panose="02040503050406030204" pitchFamily="18" charset="0"/>
+                      </a:rPr>
+                      <m:t>|</m:t>
+                    </m:r>
+                    <m:r>
+                      <a:rPr lang="en-US" altLang="zh-CN" i="1">
+                        <a:latin typeface="Cambria Math" panose="02040503050406030204" pitchFamily="18" charset="0"/>
+                      </a:rPr>
+                      <m:t>𝑉</m:t>
+                    </m:r>
+                    <m:r>
+                      <a:rPr lang="en-US" altLang="zh-CN" i="1">
+                        <a:latin typeface="Cambria Math" panose="02040503050406030204" pitchFamily="18" charset="0"/>
+                      </a:rPr>
+                      <m:t>|</m:t>
+                    </m:r>
+                  </m:oMath>
+                </a14:m>
+                <a:r>
+                  <a:rPr lang="en-US" altLang="zh-CN" dirty="0">
+                    <a:latin typeface="Times New Roman" panose="02020603050405020304" pitchFamily="18" charset="0"/>
+                    <a:ea typeface="黑体" panose="02010609060101010101" pitchFamily="49" charset="-122"/>
+                    <a:cs typeface="Times New Roman" panose="02020603050405020304" pitchFamily="18" charset="0"/>
+                  </a:rPr>
+                  <a:t> </a:t>
+                </a:r>
+                <a:r>
+                  <a:rPr lang="en-US" altLang="zh-CN" dirty="0">
+                    <a:latin typeface="Times New Roman" panose="02020603050405020304" pitchFamily="18" charset="0"/>
+                    <a:cs typeface="Times New Roman" panose="02020603050405020304" pitchFamily="18" charset="0"/>
+                  </a:rPr>
+                  <a:t>- dimensional.</a:t>
+                </a:r>
+                <a:endParaRPr lang="zh-CN" altLang="en-US" dirty="0"/>
+              </a:p>
+            </p:txBody>
+          </p:sp>
+        </mc:Choice>
+        <mc:Fallback>
+          <p:sp>
+            <p:nvSpPr>
+              <p:cNvPr id="4" name="矩形 3">
+                <a:extLst>
+                  <a:ext uri="{FF2B5EF4-FFF2-40B4-BE49-F238E27FC236}">
+                    <a16:creationId xmlns:a16="http://schemas.microsoft.com/office/drawing/2014/main" id="{7ACD0971-9307-4AF8-979A-819D9AAD193D}"/>
+                  </a:ext>
+                </a:extLst>
+              </p:cNvPr>
+              <p:cNvSpPr>
+                <a:spLocks noRot="1" noChangeAspect="1" noMove="1" noResize="1" noEditPoints="1" noAdjustHandles="1" noChangeArrowheads="1" noChangeShapeType="1" noTextEdit="1"/>
+              </p:cNvSpPr>
+              <p:nvPr/>
+            </p:nvSpPr>
+            <p:spPr>
+              <a:xfrm>
+                <a:off x="1332330" y="299799"/>
+                <a:ext cx="6315255" cy="948208"/>
+              </a:xfrm>
+              <a:prstGeom prst="rect">
+                <a:avLst/>
+              </a:prstGeom>
+              <a:blipFill>
+                <a:blip r:embed="rId3"/>
+                <a:stretch>
+                  <a:fillRect l="-676" t="-3205" r="-483" b="-6410"/>
+                </a:stretch>
+              </a:blipFill>
+            </p:spPr>
+            <p:txBody>
+              <a:bodyPr/>
+              <a:lstStyle/>
+              <a:p>
+                <a:r>
+                  <a:rPr lang="zh-CN" altLang="en-US">
+                    <a:noFill/>
+                  </a:rPr>
+                  <a:t> </a:t>
+                </a:r>
+              </a:p>
+            </p:txBody>
+          </p:sp>
+        </mc:Fallback>
+      </mc:AlternateContent>
+      <p:sp>
+        <p:nvSpPr>
+          <p:cNvPr id="5" name="流程图: 接点 4">
+            <a:extLst>
+              <a:ext uri="{FF2B5EF4-FFF2-40B4-BE49-F238E27FC236}">
+                <a16:creationId xmlns:a16="http://schemas.microsoft.com/office/drawing/2014/main" id="{89BF2A13-6CA5-4939-908E-E00187CAEC8C}"/>
+              </a:ext>
+            </a:extLst>
+          </p:cNvPr>
+          <p:cNvSpPr/>
+          <p:nvPr/>
+        </p:nvSpPr>
+        <p:spPr>
+          <a:xfrm>
+            <a:off x="1332330" y="5341121"/>
+            <a:ext cx="171164" cy="170916"/>
+          </a:xfrm>
+          <a:prstGeom prst="flowChartConnector">
+            <a:avLst/>
+          </a:prstGeom>
+        </p:spPr>
+        <p:style>
+          <a:lnRef idx="2">
+            <a:schemeClr val="accent1">
+              <a:shade val="50000"/>
+            </a:schemeClr>
+          </a:lnRef>
+          <a:fillRef idx="1">
+            <a:schemeClr val="accent1"/>
+          </a:fillRef>
+          <a:effectRef idx="0">
+            <a:schemeClr val="accent1"/>
+          </a:effectRef>
+          <a:fontRef idx="minor">
+            <a:schemeClr val="lt1"/>
+          </a:fontRef>
+        </p:style>
+        <p:txBody>
+          <a:bodyPr rtlCol="0" anchor="ctr"/>
+          <a:lstStyle/>
+          <a:p>
+            <a:pPr algn="ctr"/>
+            <a:endParaRPr lang="zh-CN" altLang="en-US"/>
+          </a:p>
+        </p:txBody>
+      </p:sp>
+      <p:sp>
+        <p:nvSpPr>
+          <p:cNvPr id="6" name="流程图: 接点 5">
+            <a:extLst>
+              <a:ext uri="{FF2B5EF4-FFF2-40B4-BE49-F238E27FC236}">
+                <a16:creationId xmlns:a16="http://schemas.microsoft.com/office/drawing/2014/main" id="{CFA89DC2-105C-4380-9E6D-A64CD713EEC1}"/>
+              </a:ext>
+            </a:extLst>
+          </p:cNvPr>
+          <p:cNvSpPr/>
+          <p:nvPr/>
+        </p:nvSpPr>
+        <p:spPr>
+          <a:xfrm>
+            <a:off x="1937657" y="4673125"/>
+            <a:ext cx="171164" cy="170916"/>
+          </a:xfrm>
+          <a:prstGeom prst="flowChartConnector">
+            <a:avLst/>
+          </a:prstGeom>
+        </p:spPr>
+        <p:style>
+          <a:lnRef idx="2">
+            <a:schemeClr val="accent1">
+              <a:shade val="50000"/>
+            </a:schemeClr>
+          </a:lnRef>
+          <a:fillRef idx="1">
+            <a:schemeClr val="accent1"/>
+          </a:fillRef>
+          <a:effectRef idx="0">
+            <a:schemeClr val="accent1"/>
+          </a:effectRef>
+          <a:fontRef idx="minor">
+            <a:schemeClr val="lt1"/>
+          </a:fontRef>
+        </p:style>
+        <p:txBody>
+          <a:bodyPr rtlCol="0" anchor="ctr"/>
+          <a:lstStyle/>
+          <a:p>
+            <a:pPr algn="ctr"/>
+            <a:endParaRPr lang="zh-CN" altLang="en-US"/>
+          </a:p>
+        </p:txBody>
+      </p:sp>
+      <p:sp>
+        <p:nvSpPr>
+          <p:cNvPr id="7" name="流程图: 接点 6">
+            <a:extLst>
+              <a:ext uri="{FF2B5EF4-FFF2-40B4-BE49-F238E27FC236}">
+                <a16:creationId xmlns:a16="http://schemas.microsoft.com/office/drawing/2014/main" id="{BDDFA411-E06C-4D99-8711-EE25B9AF7EFC}"/>
+              </a:ext>
+            </a:extLst>
+          </p:cNvPr>
+          <p:cNvSpPr/>
+          <p:nvPr/>
+        </p:nvSpPr>
+        <p:spPr>
+          <a:xfrm>
+            <a:off x="2535863" y="5341121"/>
+            <a:ext cx="171164" cy="170916"/>
+          </a:xfrm>
+          <a:prstGeom prst="flowChartConnector">
+            <a:avLst/>
+          </a:prstGeom>
+        </p:spPr>
+        <p:style>
+          <a:lnRef idx="2">
+            <a:schemeClr val="accent1">
+              <a:shade val="50000"/>
+            </a:schemeClr>
+          </a:lnRef>
+          <a:fillRef idx="1">
+            <a:schemeClr val="accent1"/>
+          </a:fillRef>
+          <a:effectRef idx="0">
+            <a:schemeClr val="accent1"/>
+          </a:effectRef>
+          <a:fontRef idx="minor">
+            <a:schemeClr val="lt1"/>
+          </a:fontRef>
+        </p:style>
+        <p:txBody>
+          <a:bodyPr rtlCol="0" anchor="ctr"/>
+          <a:lstStyle/>
+          <a:p>
+            <a:pPr algn="ctr"/>
+            <a:endParaRPr lang="zh-CN" altLang="en-US"/>
+          </a:p>
+        </p:txBody>
+      </p:sp>
+      <p:sp>
+        <p:nvSpPr>
+          <p:cNvPr id="8" name="流程图: 接点 7">
+            <a:extLst>
+              <a:ext uri="{FF2B5EF4-FFF2-40B4-BE49-F238E27FC236}">
+                <a16:creationId xmlns:a16="http://schemas.microsoft.com/office/drawing/2014/main" id="{C2CEC31C-D884-4D00-8E35-D3E3C21551BA}"/>
+              </a:ext>
+            </a:extLst>
+          </p:cNvPr>
+          <p:cNvSpPr/>
+          <p:nvPr/>
+        </p:nvSpPr>
+        <p:spPr>
+          <a:xfrm>
+            <a:off x="3236617" y="4673125"/>
+            <a:ext cx="171164" cy="170916"/>
+          </a:xfrm>
+          <a:prstGeom prst="flowChartConnector">
+            <a:avLst/>
+          </a:prstGeom>
+        </p:spPr>
+        <p:style>
+          <a:lnRef idx="2">
+            <a:schemeClr val="accent1">
+              <a:shade val="50000"/>
+            </a:schemeClr>
+          </a:lnRef>
+          <a:fillRef idx="1">
+            <a:schemeClr val="accent1"/>
+          </a:fillRef>
+          <a:effectRef idx="0">
+            <a:schemeClr val="accent1"/>
+          </a:effectRef>
+          <a:fontRef idx="minor">
+            <a:schemeClr val="lt1"/>
+          </a:fontRef>
+        </p:style>
+        <p:txBody>
+          <a:bodyPr rtlCol="0" anchor="ctr"/>
+          <a:lstStyle/>
+          <a:p>
+            <a:pPr algn="ctr"/>
+            <a:endParaRPr lang="zh-CN" altLang="en-US"/>
+          </a:p>
+        </p:txBody>
+      </p:sp>
+      <p:sp>
+        <p:nvSpPr>
+          <p:cNvPr id="9" name="流程图: 接点 8">
+            <a:extLst>
+              <a:ext uri="{FF2B5EF4-FFF2-40B4-BE49-F238E27FC236}">
+                <a16:creationId xmlns:a16="http://schemas.microsoft.com/office/drawing/2014/main" id="{BA5B5612-86DC-458E-BD61-915B9E93FA33}"/>
+              </a:ext>
+            </a:extLst>
+          </p:cNvPr>
+          <p:cNvSpPr/>
+          <p:nvPr/>
+        </p:nvSpPr>
+        <p:spPr>
+          <a:xfrm>
+            <a:off x="3653814" y="5341121"/>
+            <a:ext cx="171164" cy="170916"/>
+          </a:xfrm>
+          <a:prstGeom prst="flowChartConnector">
+            <a:avLst/>
+          </a:prstGeom>
+        </p:spPr>
+        <p:style>
+          <a:lnRef idx="2">
+            <a:schemeClr val="accent1">
+              <a:shade val="50000"/>
+            </a:schemeClr>
+          </a:lnRef>
+          <a:fillRef idx="1">
+            <a:schemeClr val="accent1"/>
+          </a:fillRef>
+          <a:effectRef idx="0">
+            <a:schemeClr val="accent1"/>
+          </a:effectRef>
+          <a:fontRef idx="minor">
+            <a:schemeClr val="lt1"/>
+          </a:fontRef>
+        </p:style>
+        <p:txBody>
+          <a:bodyPr rtlCol="0" anchor="ctr"/>
+          <a:lstStyle/>
+          <a:p>
+            <a:pPr algn="ctr"/>
+            <a:endParaRPr lang="zh-CN" altLang="en-US"/>
+          </a:p>
+        </p:txBody>
+      </p:sp>
+      <p:sp>
+        <p:nvSpPr>
+          <p:cNvPr id="10" name="流程图: 接点 9">
+            <a:extLst>
+              <a:ext uri="{FF2B5EF4-FFF2-40B4-BE49-F238E27FC236}">
+                <a16:creationId xmlns:a16="http://schemas.microsoft.com/office/drawing/2014/main" id="{B18166F4-75C2-4B1B-812A-131E17706C87}"/>
+              </a:ext>
+            </a:extLst>
+          </p:cNvPr>
+          <p:cNvSpPr/>
+          <p:nvPr/>
+        </p:nvSpPr>
+        <p:spPr>
+          <a:xfrm>
+            <a:off x="2894786" y="6066090"/>
+            <a:ext cx="171164" cy="170916"/>
+          </a:xfrm>
+          <a:prstGeom prst="flowChartConnector">
+            <a:avLst/>
+          </a:prstGeom>
+        </p:spPr>
+        <p:style>
+          <a:lnRef idx="2">
+            <a:schemeClr val="accent1">
+              <a:shade val="50000"/>
+            </a:schemeClr>
+          </a:lnRef>
+          <a:fillRef idx="1">
+            <a:schemeClr val="accent1"/>
+          </a:fillRef>
+          <a:effectRef idx="0">
+            <a:schemeClr val="accent1"/>
+          </a:effectRef>
+          <a:fontRef idx="minor">
+            <a:schemeClr val="lt1"/>
+          </a:fontRef>
+        </p:style>
+        <p:txBody>
+          <a:bodyPr rtlCol="0" anchor="ctr"/>
+          <a:lstStyle/>
+          <a:p>
+            <a:pPr algn="ctr"/>
+            <a:endParaRPr lang="zh-CN" altLang="en-US"/>
+          </a:p>
+        </p:txBody>
+      </p:sp>
+      <p:cxnSp>
+        <p:nvCxnSpPr>
+          <p:cNvPr id="12" name="直接连接符 11">
+            <a:extLst>
+              <a:ext uri="{FF2B5EF4-FFF2-40B4-BE49-F238E27FC236}">
+                <a16:creationId xmlns:a16="http://schemas.microsoft.com/office/drawing/2014/main" id="{51AAE1FE-97FE-4E41-907D-A1B6BB0D7EA8}"/>
+              </a:ext>
+            </a:extLst>
+          </p:cNvPr>
+          <p:cNvCxnSpPr>
+            <a:stCxn id="5" idx="7"/>
+            <a:endCxn id="6" idx="3"/>
+          </p:cNvCxnSpPr>
+          <p:nvPr/>
+        </p:nvCxnSpPr>
+        <p:spPr>
+          <a:xfrm flipV="1">
+            <a:off x="1478428" y="4819011"/>
+            <a:ext cx="484295" cy="547140"/>
+          </a:xfrm>
+          <a:prstGeom prst="line">
+            <a:avLst/>
+          </a:prstGeom>
+          <a:ln w="28575">
+            <a:solidFill>
+              <a:srgbClr val="FF0000"/>
+            </a:solidFill>
+          </a:ln>
+        </p:spPr>
+        <p:style>
+          <a:lnRef idx="1">
+            <a:schemeClr val="dk1"/>
+          </a:lnRef>
+          <a:fillRef idx="0">
+            <a:schemeClr val="dk1"/>
+          </a:fillRef>
+          <a:effectRef idx="0">
+            <a:schemeClr val="dk1"/>
+          </a:effectRef>
+          <a:fontRef idx="minor">
+            <a:schemeClr val="tx1"/>
+          </a:fontRef>
+        </p:style>
+      </p:cxnSp>
+      <p:cxnSp>
+        <p:nvCxnSpPr>
+          <p:cNvPr id="13" name="直接连接符 12">
+            <a:extLst>
+              <a:ext uri="{FF2B5EF4-FFF2-40B4-BE49-F238E27FC236}">
+                <a16:creationId xmlns:a16="http://schemas.microsoft.com/office/drawing/2014/main" id="{D5807704-0B68-49DA-A0E5-76CD8185A67A}"/>
+              </a:ext>
+            </a:extLst>
+          </p:cNvPr>
+          <p:cNvCxnSpPr>
+            <a:cxnSpLocks/>
+            <a:stCxn id="7" idx="1"/>
+            <a:endCxn id="6" idx="5"/>
+          </p:cNvCxnSpPr>
+          <p:nvPr/>
+        </p:nvCxnSpPr>
+        <p:spPr>
+          <a:xfrm flipH="1" flipV="1">
+            <a:off x="2083755" y="4819011"/>
+            <a:ext cx="477174" cy="547140"/>
+          </a:xfrm>
+          <a:prstGeom prst="line">
+            <a:avLst/>
+          </a:prstGeom>
+          <a:ln w="28575">
+            <a:solidFill>
+              <a:srgbClr val="FF0000"/>
+            </a:solidFill>
+          </a:ln>
+        </p:spPr>
+        <p:style>
+          <a:lnRef idx="1">
+            <a:schemeClr val="dk1"/>
+          </a:lnRef>
+          <a:fillRef idx="0">
+            <a:schemeClr val="dk1"/>
+          </a:fillRef>
+          <a:effectRef idx="0">
+            <a:schemeClr val="dk1"/>
+          </a:effectRef>
+          <a:fontRef idx="minor">
+            <a:schemeClr val="tx1"/>
+          </a:fontRef>
+        </p:style>
+      </p:cxnSp>
+      <p:cxnSp>
+        <p:nvCxnSpPr>
+          <p:cNvPr id="16" name="直接连接符 15">
+            <a:extLst>
+              <a:ext uri="{FF2B5EF4-FFF2-40B4-BE49-F238E27FC236}">
+                <a16:creationId xmlns:a16="http://schemas.microsoft.com/office/drawing/2014/main" id="{2F59B025-984E-4619-B23B-3545B0DAE156}"/>
+              </a:ext>
+            </a:extLst>
+          </p:cNvPr>
+          <p:cNvCxnSpPr>
+            <a:cxnSpLocks/>
+            <a:stCxn id="8" idx="2"/>
+            <a:endCxn id="6" idx="6"/>
+          </p:cNvCxnSpPr>
+          <p:nvPr/>
+        </p:nvCxnSpPr>
+        <p:spPr>
+          <a:xfrm flipH="1">
+            <a:off x="2108821" y="4758583"/>
+            <a:ext cx="1127796" cy="0"/>
+          </a:xfrm>
+          <a:prstGeom prst="line">
+            <a:avLst/>
+          </a:prstGeom>
+        </p:spPr>
+        <p:style>
+          <a:lnRef idx="1">
+            <a:schemeClr val="dk1"/>
+          </a:lnRef>
+          <a:fillRef idx="0">
+            <a:schemeClr val="dk1"/>
+          </a:fillRef>
+          <a:effectRef idx="0">
+            <a:schemeClr val="dk1"/>
+          </a:effectRef>
+          <a:fontRef idx="minor">
+            <a:schemeClr val="tx1"/>
+          </a:fontRef>
+        </p:style>
+      </p:cxnSp>
+      <p:cxnSp>
+        <p:nvCxnSpPr>
+          <p:cNvPr id="21" name="直接连接符 20">
+            <a:extLst>
+              <a:ext uri="{FF2B5EF4-FFF2-40B4-BE49-F238E27FC236}">
+                <a16:creationId xmlns:a16="http://schemas.microsoft.com/office/drawing/2014/main" id="{E32B0F06-5256-4AE5-BB6E-975D0BEC5054}"/>
+              </a:ext>
+            </a:extLst>
+          </p:cNvPr>
+          <p:cNvCxnSpPr>
+            <a:cxnSpLocks/>
+            <a:stCxn id="9" idx="1"/>
+            <a:endCxn id="8" idx="5"/>
+          </p:cNvCxnSpPr>
+          <p:nvPr/>
+        </p:nvCxnSpPr>
+        <p:spPr>
+          <a:xfrm flipH="1" flipV="1">
+            <a:off x="3382715" y="4819011"/>
+            <a:ext cx="296165" cy="547140"/>
+          </a:xfrm>
+          <a:prstGeom prst="line">
+            <a:avLst/>
+          </a:prstGeom>
+        </p:spPr>
+        <p:style>
+          <a:lnRef idx="1">
+            <a:schemeClr val="dk1"/>
+          </a:lnRef>
+          <a:fillRef idx="0">
+            <a:schemeClr val="dk1"/>
+          </a:fillRef>
+          <a:effectRef idx="0">
+            <a:schemeClr val="dk1"/>
+          </a:effectRef>
+          <a:fontRef idx="minor">
+            <a:schemeClr val="tx1"/>
+          </a:fontRef>
+        </p:style>
+      </p:cxnSp>
+      <p:cxnSp>
+        <p:nvCxnSpPr>
+          <p:cNvPr id="24" name="直接连接符 23">
+            <a:extLst>
+              <a:ext uri="{FF2B5EF4-FFF2-40B4-BE49-F238E27FC236}">
+                <a16:creationId xmlns:a16="http://schemas.microsoft.com/office/drawing/2014/main" id="{2507094B-F471-41E6-8BD2-C37082026ED4}"/>
+              </a:ext>
+            </a:extLst>
+          </p:cNvPr>
+          <p:cNvCxnSpPr>
+            <a:cxnSpLocks/>
+            <a:stCxn id="7" idx="7"/>
+            <a:endCxn id="8" idx="3"/>
+          </p:cNvCxnSpPr>
+          <p:nvPr/>
+        </p:nvCxnSpPr>
+        <p:spPr>
+          <a:xfrm flipV="1">
+            <a:off x="2681961" y="4819011"/>
+            <a:ext cx="579722" cy="547140"/>
+          </a:xfrm>
+          <a:prstGeom prst="line">
+            <a:avLst/>
+          </a:prstGeom>
+        </p:spPr>
+        <p:style>
+          <a:lnRef idx="1">
+            <a:schemeClr val="dk1"/>
+          </a:lnRef>
+          <a:fillRef idx="0">
+            <a:schemeClr val="dk1"/>
+          </a:fillRef>
+          <a:effectRef idx="0">
+            <a:schemeClr val="dk1"/>
+          </a:effectRef>
+          <a:fontRef idx="minor">
+            <a:schemeClr val="tx1"/>
+          </a:fontRef>
+        </p:style>
+      </p:cxnSp>
+      <p:cxnSp>
+        <p:nvCxnSpPr>
+          <p:cNvPr id="28" name="直接连接符 27">
+            <a:extLst>
+              <a:ext uri="{FF2B5EF4-FFF2-40B4-BE49-F238E27FC236}">
+                <a16:creationId xmlns:a16="http://schemas.microsoft.com/office/drawing/2014/main" id="{2F3BA8D4-8B12-49E0-A2EC-92868D9E3ABD}"/>
+              </a:ext>
+            </a:extLst>
+          </p:cNvPr>
+          <p:cNvCxnSpPr>
+            <a:cxnSpLocks/>
+            <a:stCxn id="10" idx="1"/>
+            <a:endCxn id="7" idx="4"/>
+          </p:cNvCxnSpPr>
+          <p:nvPr/>
+        </p:nvCxnSpPr>
+        <p:spPr>
+          <a:xfrm flipH="1" flipV="1">
+            <a:off x="2621445" y="5512037"/>
+            <a:ext cx="298407" cy="579083"/>
+          </a:xfrm>
+          <a:prstGeom prst="line">
+            <a:avLst/>
+          </a:prstGeom>
+        </p:spPr>
+        <p:style>
+          <a:lnRef idx="1">
+            <a:schemeClr val="dk1"/>
+          </a:lnRef>
+          <a:fillRef idx="0">
+            <a:schemeClr val="dk1"/>
+          </a:fillRef>
+          <a:effectRef idx="0">
+            <a:schemeClr val="dk1"/>
+          </a:effectRef>
+          <a:fontRef idx="minor">
+            <a:schemeClr val="tx1"/>
+          </a:fontRef>
+        </p:style>
+      </p:cxnSp>
+      <p:cxnSp>
+        <p:nvCxnSpPr>
+          <p:cNvPr id="32" name="直接连接符 31">
+            <a:extLst>
+              <a:ext uri="{FF2B5EF4-FFF2-40B4-BE49-F238E27FC236}">
+                <a16:creationId xmlns:a16="http://schemas.microsoft.com/office/drawing/2014/main" id="{79FD148D-3552-453B-A12E-91C068327B6B}"/>
+              </a:ext>
+            </a:extLst>
+          </p:cNvPr>
+          <p:cNvCxnSpPr>
+            <a:cxnSpLocks/>
+            <a:stCxn id="9" idx="2"/>
+            <a:endCxn id="7" idx="6"/>
+          </p:cNvCxnSpPr>
+          <p:nvPr/>
+        </p:nvCxnSpPr>
+        <p:spPr>
+          <a:xfrm flipH="1">
+            <a:off x="2707027" y="5426579"/>
+            <a:ext cx="946787" cy="0"/>
+          </a:xfrm>
+          <a:prstGeom prst="line">
+            <a:avLst/>
+          </a:prstGeom>
+          <a:ln w="28575">
+            <a:solidFill>
+              <a:srgbClr val="FF0000"/>
+            </a:solidFill>
+          </a:ln>
+        </p:spPr>
+        <p:style>
+          <a:lnRef idx="1">
+            <a:schemeClr val="dk1"/>
+          </a:lnRef>
+          <a:fillRef idx="0">
+            <a:schemeClr val="dk1"/>
+          </a:fillRef>
+          <a:effectRef idx="0">
+            <a:schemeClr val="dk1"/>
+          </a:effectRef>
+          <a:fontRef idx="minor">
+            <a:schemeClr val="tx1"/>
+          </a:fontRef>
+        </p:style>
+      </p:cxnSp>
+      <mc:AlternateContent xmlns:mc="http://schemas.openxmlformats.org/markup-compatibility/2006">
+        <mc:Choice xmlns:a14="http://schemas.microsoft.com/office/drawing/2010/main" Requires="a14">
+          <p:sp>
+            <p:nvSpPr>
+              <p:cNvPr id="35" name="矩形 34">
+                <a:extLst>
+                  <a:ext uri="{FF2B5EF4-FFF2-40B4-BE49-F238E27FC236}">
+                    <a16:creationId xmlns:a16="http://schemas.microsoft.com/office/drawing/2014/main" id="{A57A151E-6F7E-4BFE-A2E8-26FC1DB1B4B7}"/>
+                  </a:ext>
+                </a:extLst>
+              </p:cNvPr>
+              <p:cNvSpPr/>
+              <p:nvPr/>
+            </p:nvSpPr>
+            <p:spPr>
+              <a:xfrm>
+                <a:off x="897501" y="5257302"/>
+                <a:ext cx="417550" cy="338554"/>
+              </a:xfrm>
+              <a:prstGeom prst="rect">
+                <a:avLst/>
+              </a:prstGeom>
+            </p:spPr>
+            <p:txBody>
+              <a:bodyPr wrap="none">
+                <a:spAutoFit/>
+              </a:bodyPr>
+              <a:lstStyle/>
+              <a:p>
+                <a14:m>
+                  <m:oMathPara xmlns:m="http://schemas.openxmlformats.org/officeDocument/2006/math">
+                    <m:oMathParaPr>
+                      <m:jc m:val="centerGroup"/>
+                    </m:oMathParaPr>
+                    <m:oMath xmlns:m="http://schemas.openxmlformats.org/officeDocument/2006/math">
+                      <m:sSub>
+                        <m:sSubPr>
+                          <m:ctrlPr>
+                            <a:rPr lang="en-US" altLang="zh-CN" sz="1600" i="1" smtClean="0">
+                              <a:latin typeface="Cambria Math" panose="02040503050406030204" pitchFamily="18" charset="0"/>
+                            </a:rPr>
+                          </m:ctrlPr>
+                        </m:sSubPr>
+                        <m:e>
+                          <m:r>
+                            <a:rPr lang="en-US" altLang="zh-CN" sz="1600" b="0" i="1" smtClean="0">
+                              <a:latin typeface="Cambria Math" panose="02040503050406030204" pitchFamily="18" charset="0"/>
+                            </a:rPr>
+                            <m:t>𝑣</m:t>
+                          </m:r>
+                        </m:e>
+                        <m:sub>
+                          <m:r>
+                            <a:rPr lang="en-US" altLang="zh-CN" sz="1600" b="0" i="1" smtClean="0">
+                              <a:latin typeface="Cambria Math" panose="02040503050406030204" pitchFamily="18" charset="0"/>
+                            </a:rPr>
+                            <m:t>𝑖</m:t>
+                          </m:r>
+                        </m:sub>
+                      </m:sSub>
+                    </m:oMath>
+                  </m:oMathPara>
+                </a14:m>
+                <a:endParaRPr lang="zh-CN" altLang="en-US" sz="1600" dirty="0"/>
+              </a:p>
+            </p:txBody>
+          </p:sp>
+        </mc:Choice>
+        <mc:Fallback>
+          <p:sp>
+            <p:nvSpPr>
+              <p:cNvPr id="35" name="矩形 34">
+                <a:extLst>
+                  <a:ext uri="{FF2B5EF4-FFF2-40B4-BE49-F238E27FC236}">
+                    <a16:creationId xmlns:a16="http://schemas.microsoft.com/office/drawing/2014/main" id="{A57A151E-6F7E-4BFE-A2E8-26FC1DB1B4B7}"/>
+                  </a:ext>
+                </a:extLst>
+              </p:cNvPr>
+              <p:cNvSpPr>
+                <a:spLocks noRot="1" noChangeAspect="1" noMove="1" noResize="1" noEditPoints="1" noAdjustHandles="1" noChangeArrowheads="1" noChangeShapeType="1" noTextEdit="1"/>
+              </p:cNvSpPr>
+              <p:nvPr/>
+            </p:nvSpPr>
+            <p:spPr>
+              <a:xfrm>
+                <a:off x="897501" y="5257302"/>
+                <a:ext cx="417550" cy="338554"/>
+              </a:xfrm>
+              <a:prstGeom prst="rect">
+                <a:avLst/>
+              </a:prstGeom>
+              <a:blipFill>
+                <a:blip r:embed="rId4"/>
+                <a:stretch>
+                  <a:fillRect/>
+                </a:stretch>
+              </a:blipFill>
+            </p:spPr>
+            <p:txBody>
+              <a:bodyPr/>
+              <a:lstStyle/>
+              <a:p>
+                <a:r>
+                  <a:rPr lang="zh-CN" altLang="en-US">
+                    <a:noFill/>
+                  </a:rPr>
+                  <a:t> </a:t>
+                </a:r>
+              </a:p>
+            </p:txBody>
+          </p:sp>
+        </mc:Fallback>
+      </mc:AlternateContent>
+      <p:sp>
+        <p:nvSpPr>
+          <p:cNvPr id="36" name="矩形 35">
+            <a:extLst>
+              <a:ext uri="{FF2B5EF4-FFF2-40B4-BE49-F238E27FC236}">
+                <a16:creationId xmlns:a16="http://schemas.microsoft.com/office/drawing/2014/main" id="{E77E8F13-7201-4977-9C10-58E16D7A9C9E}"/>
+              </a:ext>
+            </a:extLst>
+          </p:cNvPr>
+          <p:cNvSpPr/>
+          <p:nvPr/>
+        </p:nvSpPr>
+        <p:spPr>
+          <a:xfrm>
+            <a:off x="1148850" y="5518929"/>
+            <a:ext cx="556563" cy="369332"/>
+          </a:xfrm>
+          <a:prstGeom prst="rect">
+            <a:avLst/>
+          </a:prstGeom>
+        </p:spPr>
+        <p:txBody>
+          <a:bodyPr wrap="none">
+            <a:spAutoFit/>
+          </a:bodyPr>
+          <a:lstStyle/>
+          <a:p>
+            <a:r>
+              <a:rPr lang="en-US" altLang="zh-CN" dirty="0">
+                <a:latin typeface="Times New Roman" panose="02020603050405020304" pitchFamily="18" charset="0"/>
+                <a:ea typeface="黑体" panose="02010609060101010101" pitchFamily="49" charset="-122"/>
+                <a:cs typeface="Times New Roman" panose="02020603050405020304" pitchFamily="18" charset="0"/>
+              </a:rPr>
+              <a:t>root</a:t>
+            </a:r>
+            <a:endParaRPr lang="zh-CN" altLang="en-US" dirty="0"/>
+          </a:p>
+        </p:txBody>
+      </p:sp>
+      <mc:AlternateContent xmlns:mc="http://schemas.openxmlformats.org/markup-compatibility/2006">
+        <mc:Choice xmlns:a14="http://schemas.microsoft.com/office/drawing/2010/main" Requires="a14">
+          <p:sp>
+            <p:nvSpPr>
+              <p:cNvPr id="37" name="矩形 36">
+                <a:extLst>
+                  <a:ext uri="{FF2B5EF4-FFF2-40B4-BE49-F238E27FC236}">
+                    <a16:creationId xmlns:a16="http://schemas.microsoft.com/office/drawing/2014/main" id="{960AC07B-203B-4E1A-805D-78BD6B35BCD3}"/>
+                  </a:ext>
+                </a:extLst>
+              </p:cNvPr>
+              <p:cNvSpPr/>
+              <p:nvPr/>
+            </p:nvSpPr>
+            <p:spPr>
+              <a:xfrm>
+                <a:off x="1658320" y="4220015"/>
+                <a:ext cx="583621" cy="401457"/>
+              </a:xfrm>
+              <a:prstGeom prst="rect">
+                <a:avLst/>
+              </a:prstGeom>
+            </p:spPr>
+            <p:txBody>
+              <a:bodyPr wrap="none">
+                <a:spAutoFit/>
+              </a:bodyPr>
+              <a:lstStyle/>
+              <a:p>
+                <a14:m>
+                  <m:oMathPara xmlns:m="http://schemas.openxmlformats.org/officeDocument/2006/math">
+                    <m:oMathParaPr>
+                      <m:jc m:val="centerGroup"/>
+                    </m:oMathParaPr>
+                    <m:oMath xmlns:m="http://schemas.openxmlformats.org/officeDocument/2006/math">
+                      <m:sSubSup>
+                        <m:sSubSupPr>
+                          <m:ctrlPr>
+                            <a:rPr lang="en-US" altLang="zh-CN" b="0" i="1" smtClean="0">
+                              <a:latin typeface="Cambria Math" panose="02040503050406030204" pitchFamily="18" charset="0"/>
+                            </a:rPr>
+                          </m:ctrlPr>
+                        </m:sSubSupPr>
+                        <m:e>
+                          <m:r>
+                            <a:rPr lang="en-US" altLang="zh-CN" b="0" i="1" smtClean="0">
+                              <a:latin typeface="Cambria Math" panose="02040503050406030204" pitchFamily="18" charset="0"/>
+                            </a:rPr>
+                            <m:t>𝑊</m:t>
+                          </m:r>
+                        </m:e>
+                        <m:sub>
+                          <m:sSub>
+                            <m:sSubPr>
+                              <m:ctrlPr>
+                                <a:rPr lang="en-US" altLang="zh-CN" b="0" i="1" smtClean="0">
+                                  <a:latin typeface="Cambria Math" panose="02040503050406030204" pitchFamily="18" charset="0"/>
+                                </a:rPr>
+                              </m:ctrlPr>
+                            </m:sSubPr>
+                            <m:e>
+                              <m:r>
+                                <a:rPr lang="en-US" altLang="zh-CN" b="0" i="1" smtClean="0">
+                                  <a:latin typeface="Cambria Math" panose="02040503050406030204" pitchFamily="18" charset="0"/>
+                                </a:rPr>
+                                <m:t>𝑣</m:t>
+                              </m:r>
+                            </m:e>
+                            <m:sub>
+                              <m:r>
+                                <a:rPr lang="en-US" altLang="zh-CN" b="0" i="1" smtClean="0">
+                                  <a:latin typeface="Cambria Math" panose="02040503050406030204" pitchFamily="18" charset="0"/>
+                                </a:rPr>
+                                <m:t>𝑖</m:t>
+                              </m:r>
+                            </m:sub>
+                          </m:sSub>
+                        </m:sub>
+                        <m:sup>
+                          <m:r>
+                            <a:rPr lang="en-US" altLang="zh-CN" b="0" i="1" smtClean="0">
+                              <a:latin typeface="Cambria Math" panose="02040503050406030204" pitchFamily="18" charset="0"/>
+                            </a:rPr>
+                            <m:t>1</m:t>
+                          </m:r>
+                        </m:sup>
+                      </m:sSubSup>
+                    </m:oMath>
+                  </m:oMathPara>
+                </a14:m>
+                <a:endParaRPr lang="zh-CN" altLang="en-US" dirty="0"/>
+              </a:p>
+            </p:txBody>
+          </p:sp>
+        </mc:Choice>
+        <mc:Fallback>
+          <p:sp>
+            <p:nvSpPr>
+              <p:cNvPr id="37" name="矩形 36">
+                <a:extLst>
+                  <a:ext uri="{FF2B5EF4-FFF2-40B4-BE49-F238E27FC236}">
+                    <a16:creationId xmlns:a16="http://schemas.microsoft.com/office/drawing/2014/main" id="{960AC07B-203B-4E1A-805D-78BD6B35BCD3}"/>
+                  </a:ext>
+                </a:extLst>
+              </p:cNvPr>
+              <p:cNvSpPr>
+                <a:spLocks noRot="1" noChangeAspect="1" noMove="1" noResize="1" noEditPoints="1" noAdjustHandles="1" noChangeArrowheads="1" noChangeShapeType="1" noTextEdit="1"/>
+              </p:cNvSpPr>
+              <p:nvPr/>
+            </p:nvSpPr>
+            <p:spPr>
+              <a:xfrm>
+                <a:off x="1658320" y="4220015"/>
+                <a:ext cx="583621" cy="401457"/>
+              </a:xfrm>
+              <a:prstGeom prst="rect">
+                <a:avLst/>
+              </a:prstGeom>
+              <a:blipFill>
+                <a:blip r:embed="rId5"/>
+                <a:stretch>
+                  <a:fillRect b="-1515"/>
+                </a:stretch>
+              </a:blipFill>
+            </p:spPr>
+            <p:txBody>
+              <a:bodyPr/>
+              <a:lstStyle/>
+              <a:p>
+                <a:r>
+                  <a:rPr lang="zh-CN" altLang="en-US">
+                    <a:noFill/>
+                  </a:rPr>
+                  <a:t> </a:t>
+                </a:r>
+              </a:p>
+            </p:txBody>
+          </p:sp>
+        </mc:Fallback>
+      </mc:AlternateContent>
+      <mc:AlternateContent xmlns:mc="http://schemas.openxmlformats.org/markup-compatibility/2006">
+        <mc:Choice xmlns:a14="http://schemas.microsoft.com/office/drawing/2010/main" Requires="a14">
+          <p:sp>
+            <p:nvSpPr>
+              <p:cNvPr id="38" name="矩形 37">
+                <a:extLst>
+                  <a:ext uri="{FF2B5EF4-FFF2-40B4-BE49-F238E27FC236}">
+                    <a16:creationId xmlns:a16="http://schemas.microsoft.com/office/drawing/2014/main" id="{85B5522B-6133-4841-9DC4-D472456F1765}"/>
+                  </a:ext>
+                </a:extLst>
+              </p:cNvPr>
+              <p:cNvSpPr/>
+              <p:nvPr/>
+            </p:nvSpPr>
+            <p:spPr>
+              <a:xfrm>
+                <a:off x="2363181" y="4891852"/>
+                <a:ext cx="583621" cy="401457"/>
+              </a:xfrm>
+              <a:prstGeom prst="rect">
+                <a:avLst/>
+              </a:prstGeom>
+            </p:spPr>
+            <p:txBody>
+              <a:bodyPr wrap="none">
+                <a:spAutoFit/>
+              </a:bodyPr>
+              <a:lstStyle/>
+              <a:p>
+                <a14:m>
+                  <m:oMathPara xmlns:m="http://schemas.openxmlformats.org/officeDocument/2006/math">
+                    <m:oMathParaPr>
+                      <m:jc m:val="centerGroup"/>
+                    </m:oMathParaPr>
+                    <m:oMath xmlns:m="http://schemas.openxmlformats.org/officeDocument/2006/math">
+                      <m:sSubSup>
+                        <m:sSubSupPr>
+                          <m:ctrlPr>
+                            <a:rPr lang="en-US" altLang="zh-CN" b="0" i="1" smtClean="0">
+                              <a:latin typeface="Cambria Math" panose="02040503050406030204" pitchFamily="18" charset="0"/>
+                            </a:rPr>
+                          </m:ctrlPr>
+                        </m:sSubSupPr>
+                        <m:e>
+                          <m:r>
+                            <a:rPr lang="en-US" altLang="zh-CN" b="0" i="1" smtClean="0">
+                              <a:latin typeface="Cambria Math" panose="02040503050406030204" pitchFamily="18" charset="0"/>
+                            </a:rPr>
+                            <m:t>𝑊</m:t>
+                          </m:r>
+                        </m:e>
+                        <m:sub>
+                          <m:sSub>
+                            <m:sSubPr>
+                              <m:ctrlPr>
+                                <a:rPr lang="en-US" altLang="zh-CN" b="0" i="1" smtClean="0">
+                                  <a:latin typeface="Cambria Math" panose="02040503050406030204" pitchFamily="18" charset="0"/>
+                                </a:rPr>
+                              </m:ctrlPr>
+                            </m:sSubPr>
+                            <m:e>
+                              <m:r>
+                                <a:rPr lang="en-US" altLang="zh-CN" b="0" i="1" smtClean="0">
+                                  <a:latin typeface="Cambria Math" panose="02040503050406030204" pitchFamily="18" charset="0"/>
+                                </a:rPr>
+                                <m:t>𝑣</m:t>
+                              </m:r>
+                            </m:e>
+                            <m:sub>
+                              <m:r>
+                                <a:rPr lang="en-US" altLang="zh-CN" b="0" i="1" smtClean="0">
+                                  <a:latin typeface="Cambria Math" panose="02040503050406030204" pitchFamily="18" charset="0"/>
+                                </a:rPr>
+                                <m:t>𝑖</m:t>
+                              </m:r>
+                            </m:sub>
+                          </m:sSub>
+                        </m:sub>
+                        <m:sup>
+                          <m:r>
+                            <a:rPr lang="en-US" altLang="zh-CN" b="0" i="1" smtClean="0">
+                              <a:latin typeface="Cambria Math" panose="02040503050406030204" pitchFamily="18" charset="0"/>
+                            </a:rPr>
+                            <m:t>2</m:t>
+                          </m:r>
+                        </m:sup>
+                      </m:sSubSup>
+                    </m:oMath>
+                  </m:oMathPara>
+                </a14:m>
+                <a:endParaRPr lang="zh-CN" altLang="en-US" dirty="0"/>
+              </a:p>
+            </p:txBody>
+          </p:sp>
+        </mc:Choice>
+        <mc:Fallback>
+          <p:sp>
+            <p:nvSpPr>
+              <p:cNvPr id="38" name="矩形 37">
+                <a:extLst>
+                  <a:ext uri="{FF2B5EF4-FFF2-40B4-BE49-F238E27FC236}">
+                    <a16:creationId xmlns:a16="http://schemas.microsoft.com/office/drawing/2014/main" id="{85B5522B-6133-4841-9DC4-D472456F1765}"/>
+                  </a:ext>
+                </a:extLst>
+              </p:cNvPr>
+              <p:cNvSpPr>
+                <a:spLocks noRot="1" noChangeAspect="1" noMove="1" noResize="1" noEditPoints="1" noAdjustHandles="1" noChangeArrowheads="1" noChangeShapeType="1" noTextEdit="1"/>
+              </p:cNvSpPr>
+              <p:nvPr/>
+            </p:nvSpPr>
+            <p:spPr>
+              <a:xfrm>
+                <a:off x="2363181" y="4891852"/>
+                <a:ext cx="583621" cy="401457"/>
+              </a:xfrm>
+              <a:prstGeom prst="rect">
+                <a:avLst/>
+              </a:prstGeom>
+              <a:blipFill>
+                <a:blip r:embed="rId6"/>
+                <a:stretch>
+                  <a:fillRect b="-3030"/>
+                </a:stretch>
+              </a:blipFill>
+            </p:spPr>
+            <p:txBody>
+              <a:bodyPr/>
+              <a:lstStyle/>
+              <a:p>
+                <a:r>
+                  <a:rPr lang="zh-CN" altLang="en-US">
+                    <a:noFill/>
+                  </a:rPr>
+                  <a:t> </a:t>
+                </a:r>
+              </a:p>
+            </p:txBody>
+          </p:sp>
+        </mc:Fallback>
+      </mc:AlternateContent>
+      <mc:AlternateContent xmlns:mc="http://schemas.openxmlformats.org/markup-compatibility/2006">
+        <mc:Choice xmlns:a14="http://schemas.microsoft.com/office/drawing/2010/main" Requires="a14">
+          <p:sp>
+            <p:nvSpPr>
+              <p:cNvPr id="39" name="矩形 38">
+                <a:extLst>
+                  <a:ext uri="{FF2B5EF4-FFF2-40B4-BE49-F238E27FC236}">
+                    <a16:creationId xmlns:a16="http://schemas.microsoft.com/office/drawing/2014/main" id="{B1B9F654-D9D0-4263-80B5-B4EF89758224}"/>
+                  </a:ext>
+                </a:extLst>
+              </p:cNvPr>
+              <p:cNvSpPr/>
+              <p:nvPr/>
+            </p:nvSpPr>
+            <p:spPr>
+              <a:xfrm>
+                <a:off x="3665303" y="4994908"/>
+                <a:ext cx="583621" cy="401457"/>
+              </a:xfrm>
+              <a:prstGeom prst="rect">
+                <a:avLst/>
+              </a:prstGeom>
+            </p:spPr>
+            <p:txBody>
+              <a:bodyPr wrap="none">
+                <a:spAutoFit/>
+              </a:bodyPr>
+              <a:lstStyle/>
+              <a:p>
+                <a14:m>
+                  <m:oMathPara xmlns:m="http://schemas.openxmlformats.org/officeDocument/2006/math">
+                    <m:oMathParaPr>
+                      <m:jc m:val="centerGroup"/>
+                    </m:oMathParaPr>
+                    <m:oMath xmlns:m="http://schemas.openxmlformats.org/officeDocument/2006/math">
+                      <m:sSubSup>
+                        <m:sSubSupPr>
+                          <m:ctrlPr>
+                            <a:rPr lang="en-US" altLang="zh-CN" b="0" i="1" smtClean="0">
+                              <a:latin typeface="Cambria Math" panose="02040503050406030204" pitchFamily="18" charset="0"/>
+                            </a:rPr>
+                          </m:ctrlPr>
+                        </m:sSubSupPr>
+                        <m:e>
+                          <m:r>
+                            <a:rPr lang="en-US" altLang="zh-CN" b="0" i="1" smtClean="0">
+                              <a:latin typeface="Cambria Math" panose="02040503050406030204" pitchFamily="18" charset="0"/>
+                            </a:rPr>
+                            <m:t>𝑊</m:t>
+                          </m:r>
+                        </m:e>
+                        <m:sub>
+                          <m:sSub>
+                            <m:sSubPr>
+                              <m:ctrlPr>
+                                <a:rPr lang="en-US" altLang="zh-CN" b="0" i="1" smtClean="0">
+                                  <a:latin typeface="Cambria Math" panose="02040503050406030204" pitchFamily="18" charset="0"/>
+                                </a:rPr>
+                              </m:ctrlPr>
+                            </m:sSubPr>
+                            <m:e>
+                              <m:r>
+                                <a:rPr lang="en-US" altLang="zh-CN" b="0" i="1" smtClean="0">
+                                  <a:latin typeface="Cambria Math" panose="02040503050406030204" pitchFamily="18" charset="0"/>
+                                </a:rPr>
+                                <m:t>𝑣</m:t>
+                              </m:r>
+                            </m:e>
+                            <m:sub>
+                              <m:r>
+                                <a:rPr lang="en-US" altLang="zh-CN" b="0" i="1" smtClean="0">
+                                  <a:latin typeface="Cambria Math" panose="02040503050406030204" pitchFamily="18" charset="0"/>
+                                </a:rPr>
+                                <m:t>𝑖</m:t>
+                              </m:r>
+                            </m:sub>
+                          </m:sSub>
+                        </m:sub>
+                        <m:sup>
+                          <m:r>
+                            <a:rPr lang="en-US" altLang="zh-CN" b="0" i="1" smtClean="0">
+                              <a:latin typeface="Cambria Math" panose="02040503050406030204" pitchFamily="18" charset="0"/>
+                            </a:rPr>
+                            <m:t>3</m:t>
+                          </m:r>
+                        </m:sup>
+                      </m:sSubSup>
+                    </m:oMath>
+                  </m:oMathPara>
+                </a14:m>
+                <a:endParaRPr lang="zh-CN" altLang="en-US" dirty="0"/>
+              </a:p>
+            </p:txBody>
+          </p:sp>
+        </mc:Choice>
+        <mc:Fallback>
+          <p:sp>
+            <p:nvSpPr>
+              <p:cNvPr id="39" name="矩形 38">
+                <a:extLst>
+                  <a:ext uri="{FF2B5EF4-FFF2-40B4-BE49-F238E27FC236}">
+                    <a16:creationId xmlns:a16="http://schemas.microsoft.com/office/drawing/2014/main" id="{B1B9F654-D9D0-4263-80B5-B4EF89758224}"/>
+                  </a:ext>
+                </a:extLst>
+              </p:cNvPr>
+              <p:cNvSpPr>
+                <a:spLocks noRot="1" noChangeAspect="1" noMove="1" noResize="1" noEditPoints="1" noAdjustHandles="1" noChangeArrowheads="1" noChangeShapeType="1" noTextEdit="1"/>
+              </p:cNvSpPr>
+              <p:nvPr/>
+            </p:nvSpPr>
+            <p:spPr>
+              <a:xfrm>
+                <a:off x="3665303" y="4994908"/>
+                <a:ext cx="583621" cy="401457"/>
+              </a:xfrm>
+              <a:prstGeom prst="rect">
+                <a:avLst/>
+              </a:prstGeom>
+              <a:blipFill>
+                <a:blip r:embed="rId7"/>
+                <a:stretch>
+                  <a:fillRect b="-3030"/>
+                </a:stretch>
+              </a:blipFill>
+            </p:spPr>
+            <p:txBody>
+              <a:bodyPr/>
+              <a:lstStyle/>
+              <a:p>
+                <a:r>
+                  <a:rPr lang="zh-CN" altLang="en-US">
+                    <a:noFill/>
+                  </a:rPr>
+                  <a:t> </a:t>
+                </a:r>
+              </a:p>
+            </p:txBody>
+          </p:sp>
+        </mc:Fallback>
+      </mc:AlternateContent>
+      <mc:AlternateContent xmlns:mc="http://schemas.openxmlformats.org/markup-compatibility/2006">
+        <mc:Choice xmlns:a14="http://schemas.microsoft.com/office/drawing/2010/main" Requires="a14">
+          <p:sp>
+            <p:nvSpPr>
+              <p:cNvPr id="40" name="矩形 39">
+                <a:extLst>
+                  <a:ext uri="{FF2B5EF4-FFF2-40B4-BE49-F238E27FC236}">
+                    <a16:creationId xmlns:a16="http://schemas.microsoft.com/office/drawing/2014/main" id="{47592D66-2404-4FEB-B2C0-805B91907907}"/>
+                  </a:ext>
+                </a:extLst>
+              </p:cNvPr>
+              <p:cNvSpPr/>
+              <p:nvPr/>
+            </p:nvSpPr>
+            <p:spPr>
+              <a:xfrm>
+                <a:off x="1503494" y="6248654"/>
+                <a:ext cx="1844416" cy="396519"/>
+              </a:xfrm>
+              <a:prstGeom prst="rect">
+                <a:avLst/>
+              </a:prstGeom>
+            </p:spPr>
+            <p:txBody>
+              <a:bodyPr wrap="none">
+                <a:spAutoFit/>
+              </a:bodyPr>
+              <a:lstStyle/>
+              <a:p>
+                <a:r>
+                  <a:rPr lang="en-US" altLang="zh-CN" dirty="0">
+                    <a:latin typeface="Times New Roman" panose="02020603050405020304" pitchFamily="18" charset="0"/>
+                    <a:ea typeface="黑体" panose="02010609060101010101" pitchFamily="49" charset="-122"/>
+                    <a:cs typeface="Times New Roman" panose="02020603050405020304" pitchFamily="18" charset="0"/>
+                  </a:rPr>
+                  <a:t>random walk </a:t>
+                </a:r>
+                <a14:m>
+                  <m:oMath xmlns:m="http://schemas.openxmlformats.org/officeDocument/2006/math">
+                    <m:sSub>
+                      <m:sSubPr>
+                        <m:ctrlPr>
+                          <a:rPr lang="en-US" altLang="zh-CN" b="0" i="1" smtClean="0">
+                            <a:solidFill>
+                              <a:srgbClr val="FF0000"/>
+                            </a:solidFill>
+                            <a:latin typeface="Cambria Math" panose="02040503050406030204" pitchFamily="18" charset="0"/>
+                            <a:ea typeface="黑体" panose="02010609060101010101" pitchFamily="49" charset="-122"/>
+                            <a:cs typeface="Times New Roman" panose="02020603050405020304" pitchFamily="18" charset="0"/>
+                          </a:rPr>
+                        </m:ctrlPr>
+                      </m:sSubPr>
+                      <m:e>
+                        <m:r>
+                          <a:rPr lang="en-US" altLang="zh-CN" b="0" i="1" smtClean="0">
+                            <a:solidFill>
+                              <a:srgbClr val="FF0000"/>
+                            </a:solidFill>
+                            <a:latin typeface="Cambria Math" panose="02040503050406030204" pitchFamily="18" charset="0"/>
+                            <a:ea typeface="黑体" panose="02010609060101010101" pitchFamily="49" charset="-122"/>
+                            <a:cs typeface="Times New Roman" panose="02020603050405020304" pitchFamily="18" charset="0"/>
+                          </a:rPr>
+                          <m:t>𝑊</m:t>
+                        </m:r>
+                      </m:e>
+                      <m:sub>
+                        <m:sSub>
+                          <m:sSubPr>
+                            <m:ctrlPr>
+                              <a:rPr lang="en-US" altLang="zh-CN" b="0" i="1" smtClean="0">
+                                <a:solidFill>
+                                  <a:srgbClr val="FF0000"/>
+                                </a:solidFill>
+                                <a:latin typeface="Cambria Math" panose="02040503050406030204" pitchFamily="18" charset="0"/>
+                                <a:ea typeface="黑体" panose="02010609060101010101" pitchFamily="49" charset="-122"/>
+                                <a:cs typeface="Times New Roman" panose="02020603050405020304" pitchFamily="18" charset="0"/>
+                              </a:rPr>
+                            </m:ctrlPr>
+                          </m:sSubPr>
+                          <m:e>
+                            <m:r>
+                              <a:rPr lang="en-US" altLang="zh-CN" b="0" i="1" smtClean="0">
+                                <a:solidFill>
+                                  <a:srgbClr val="FF0000"/>
+                                </a:solidFill>
+                                <a:latin typeface="Cambria Math" panose="02040503050406030204" pitchFamily="18" charset="0"/>
+                                <a:ea typeface="黑体" panose="02010609060101010101" pitchFamily="49" charset="-122"/>
+                                <a:cs typeface="Times New Roman" panose="02020603050405020304" pitchFamily="18" charset="0"/>
+                              </a:rPr>
+                              <m:t>𝑣</m:t>
+                            </m:r>
+                          </m:e>
+                          <m:sub>
+                            <m:r>
+                              <a:rPr lang="en-US" altLang="zh-CN" b="0" i="1" smtClean="0">
+                                <a:solidFill>
+                                  <a:srgbClr val="FF0000"/>
+                                </a:solidFill>
+                                <a:latin typeface="Cambria Math" panose="02040503050406030204" pitchFamily="18" charset="0"/>
+                                <a:ea typeface="黑体" panose="02010609060101010101" pitchFamily="49" charset="-122"/>
+                                <a:cs typeface="Times New Roman" panose="02020603050405020304" pitchFamily="18" charset="0"/>
+                              </a:rPr>
+                              <m:t>𝑖</m:t>
+                            </m:r>
+                          </m:sub>
+                        </m:sSub>
+                      </m:sub>
+                    </m:sSub>
+                  </m:oMath>
+                </a14:m>
+                <a:r>
+                  <a:rPr lang="en-US" altLang="zh-CN" dirty="0">
+                    <a:latin typeface="Times New Roman" panose="02020603050405020304" pitchFamily="18" charset="0"/>
+                    <a:ea typeface="黑体" panose="02010609060101010101" pitchFamily="49" charset="-122"/>
+                    <a:cs typeface="Times New Roman" panose="02020603050405020304" pitchFamily="18" charset="0"/>
+                  </a:rPr>
+                  <a:t> </a:t>
+                </a:r>
+                <a:endParaRPr lang="zh-CN" altLang="en-US" dirty="0"/>
+              </a:p>
+            </p:txBody>
+          </p:sp>
+        </mc:Choice>
+        <mc:Fallback>
+          <p:sp>
+            <p:nvSpPr>
+              <p:cNvPr id="40" name="矩形 39">
+                <a:extLst>
+                  <a:ext uri="{FF2B5EF4-FFF2-40B4-BE49-F238E27FC236}">
+                    <a16:creationId xmlns:a16="http://schemas.microsoft.com/office/drawing/2014/main" id="{47592D66-2404-4FEB-B2C0-805B91907907}"/>
+                  </a:ext>
+                </a:extLst>
+              </p:cNvPr>
+              <p:cNvSpPr>
+                <a:spLocks noRot="1" noChangeAspect="1" noMove="1" noResize="1" noEditPoints="1" noAdjustHandles="1" noChangeArrowheads="1" noChangeShapeType="1" noTextEdit="1"/>
+              </p:cNvSpPr>
+              <p:nvPr/>
+            </p:nvSpPr>
+            <p:spPr>
+              <a:xfrm>
+                <a:off x="1503494" y="6248654"/>
+                <a:ext cx="1844416" cy="396519"/>
+              </a:xfrm>
+              <a:prstGeom prst="rect">
+                <a:avLst/>
+              </a:prstGeom>
+              <a:blipFill>
+                <a:blip r:embed="rId8"/>
+                <a:stretch>
+                  <a:fillRect l="-2980" t="-7692" b="-16923"/>
+                </a:stretch>
+              </a:blipFill>
+            </p:spPr>
+            <p:txBody>
+              <a:bodyPr/>
+              <a:lstStyle/>
+              <a:p>
+                <a:r>
+                  <a:rPr lang="zh-CN" altLang="en-US">
+                    <a:noFill/>
+                  </a:rPr>
+                  <a:t> </a:t>
+                </a:r>
+              </a:p>
+            </p:txBody>
+          </p:sp>
+        </mc:Fallback>
+      </mc:AlternateContent>
+      <p:sp>
+        <p:nvSpPr>
+          <p:cNvPr id="41" name="矩形 40">
+            <a:extLst>
+              <a:ext uri="{FF2B5EF4-FFF2-40B4-BE49-F238E27FC236}">
+                <a16:creationId xmlns:a16="http://schemas.microsoft.com/office/drawing/2014/main" id="{EE2A11EB-1045-4BB1-B667-C6F1AA901A2F}"/>
+              </a:ext>
+            </a:extLst>
+          </p:cNvPr>
+          <p:cNvSpPr/>
+          <p:nvPr/>
+        </p:nvSpPr>
+        <p:spPr>
+          <a:xfrm>
+            <a:off x="5198858" y="4803879"/>
+            <a:ext cx="5844292" cy="923330"/>
+          </a:xfrm>
+          <a:prstGeom prst="rect">
+            <a:avLst/>
+          </a:prstGeom>
+        </p:spPr>
+        <p:txBody>
+          <a:bodyPr wrap="none">
+            <a:spAutoFit/>
+          </a:bodyPr>
+          <a:lstStyle/>
+          <a:p>
+            <a:pPr marL="285750" indent="-285750">
+              <a:buFont typeface="Arial" panose="020B0604020202020204" pitchFamily="34" charset="0"/>
+              <a:buChar char="•"/>
+            </a:pPr>
+            <a:r>
+              <a:rPr lang="en-US" altLang="zh-CN" dirty="0">
+                <a:latin typeface="Times New Roman" panose="02020603050405020304" pitchFamily="18" charset="0"/>
+                <a:cs typeface="Times New Roman" panose="02020603050405020304" pitchFamily="18" charset="0"/>
+              </a:rPr>
+              <a:t>Capturing community information.</a:t>
+            </a:r>
+          </a:p>
+          <a:p>
+            <a:pPr marL="285750" indent="-285750">
+              <a:buFont typeface="Arial" panose="020B0604020202020204" pitchFamily="34" charset="0"/>
+              <a:buChar char="•"/>
+            </a:pPr>
+            <a:r>
+              <a:rPr lang="en-US" altLang="zh-CN" dirty="0">
+                <a:latin typeface="Times New Roman" panose="02020603050405020304" pitchFamily="18" charset="0"/>
+                <a:cs typeface="Times New Roman" panose="02020603050405020304" pitchFamily="18" charset="0"/>
+              </a:rPr>
+              <a:t>Easy to parallelize.</a:t>
+            </a:r>
+          </a:p>
+          <a:p>
+            <a:pPr marL="285750" indent="-285750">
+              <a:buFont typeface="Arial" panose="020B0604020202020204" pitchFamily="34" charset="0"/>
+              <a:buChar char="•"/>
+            </a:pPr>
+            <a:r>
+              <a:rPr lang="en-US" altLang="zh-CN" dirty="0">
+                <a:latin typeface="Times New Roman" panose="02020603050405020304" pitchFamily="18" charset="0"/>
+                <a:cs typeface="Times New Roman" panose="02020603050405020304" pitchFamily="18" charset="0"/>
+              </a:rPr>
+              <a:t>Accommodate small changes without computing globally.</a:t>
+            </a:r>
+            <a:endParaRPr lang="zh-CN" altLang="en-US" dirty="0">
+              <a:latin typeface="Times New Roman" panose="02020603050405020304" pitchFamily="18" charset="0"/>
+              <a:cs typeface="Times New Roman" panose="02020603050405020304" pitchFamily="18" charset="0"/>
+            </a:endParaRPr>
+          </a:p>
+        </p:txBody>
+      </p:sp>
+    </p:spTree>
+    <p:extLst>
+      <p:ext uri="{BB962C8B-B14F-4D97-AF65-F5344CB8AC3E}">
+        <p14:creationId xmlns:p14="http://schemas.microsoft.com/office/powerpoint/2010/main" val="576461903"/>
       </p:ext>
     </p:extLst>
   </p:cSld>
